--- a/Presentations/2024 Presentations/Accessibility Testing with Screen Reader.pptx
+++ b/Presentations/2024 Presentations/Accessibility Testing with Screen Reader.pptx
@@ -240,7 +240,7 @@
           <a:p>
             <a:fld id="{EE5432EF-245E-40EF-B3FF-B189D54EF7CF}" type="datetimeFigureOut">
               <a:rPr lang="en-US" smtClean="0"/>
-              <a:t>3/18/2024</a:t>
+              <a:t>3/26/2024</a:t>
             </a:fld>
             <a:endParaRPr lang="en-US" dirty="0"/>
           </a:p>
@@ -417,7 +417,7 @@
           <a:p>
             <a:fld id="{6AF08D30-F807-4561-A81E-6E077448AA00}" type="datetimeFigureOut">
               <a:rPr lang="en-US" smtClean="0"/>
-              <a:t>3/18/2024</a:t>
+              <a:t>3/26/2024</a:t>
             </a:fld>
             <a:endParaRPr lang="en-US" dirty="0"/>
           </a:p>
@@ -4873,7 +4873,7 @@
           <a:p>
             <a:fld id="{D40CD771-3B55-4F71-A412-F2B875D7B621}" type="datetime1">
               <a:rPr lang="en-US" smtClean="0"/>
-              <a:t>3/18/2024</a:t>
+              <a:t>3/26/2024</a:t>
             </a:fld>
             <a:endParaRPr lang="en-US" dirty="0"/>
           </a:p>
@@ -5444,7 +5444,7 @@
           <a:p>
             <a:fld id="{DD565FA3-C3AD-4028-B5DD-84D9CECFBB89}" type="datetime1">
               <a:rPr lang="en-US" smtClean="0"/>
-              <a:t>3/18/2024</a:t>
+              <a:t>3/26/2024</a:t>
             </a:fld>
             <a:endParaRPr lang="en-US" dirty="0"/>
           </a:p>
@@ -6479,7 +6479,7 @@
           <a:p>
             <a:fld id="{3BD4ADB0-2200-4ADA-8C14-3FC7CEFC81F7}" type="datetime1">
               <a:rPr lang="en-US" smtClean="0"/>
-              <a:t>3/18/2024</a:t>
+              <a:t>3/26/2024</a:t>
             </a:fld>
             <a:endParaRPr lang="en-US" dirty="0"/>
           </a:p>
@@ -7365,7 +7365,7 @@
           <a:p>
             <a:fld id="{3CD0E6B3-1484-43A7-852A-7CEAE8B79EC0}" type="datetime1">
               <a:rPr lang="en-US" smtClean="0"/>
-              <a:t>3/18/2024</a:t>
+              <a:t>3/26/2024</a:t>
             </a:fld>
             <a:endParaRPr lang="en-US" dirty="0"/>
           </a:p>
@@ -8683,7 +8683,7 @@
           <a:p>
             <a:fld id="{2BEFEC11-A4AD-4C89-8ACD-8FF27A79E89E}" type="datetime1">
               <a:rPr lang="en-US" smtClean="0"/>
-              <a:t>3/18/2024</a:t>
+              <a:t>3/26/2024</a:t>
             </a:fld>
             <a:endParaRPr lang="en-US" dirty="0"/>
           </a:p>
@@ -10399,7 +10399,7 @@
           <a:p>
             <a:fld id="{3135798D-CCB3-4270-966B-D99874338BAB}" type="datetime1">
               <a:rPr lang="en-US" smtClean="0"/>
-              <a:t>3/18/2024</a:t>
+              <a:t>3/26/2024</a:t>
             </a:fld>
             <a:endParaRPr lang="en-US" dirty="0"/>
           </a:p>
@@ -12120,7 +12120,7 @@
           <a:p>
             <a:fld id="{D2A641F7-70A7-4C80-8B54-47DC93A76399}" type="datetime1">
               <a:rPr lang="en-US" smtClean="0"/>
-              <a:t>3/18/2024</a:t>
+              <a:t>3/26/2024</a:t>
             </a:fld>
             <a:endParaRPr lang="en-US" dirty="0"/>
           </a:p>
@@ -12536,7 +12536,7 @@
           <a:p>
             <a:fld id="{1FFC9F40-B774-4ADF-976D-7826EBFC23FC}" type="datetime1">
               <a:rPr lang="en-US" smtClean="0"/>
-              <a:t>3/18/2024</a:t>
+              <a:t>3/26/2024</a:t>
             </a:fld>
             <a:endParaRPr lang="en-US" dirty="0"/>
           </a:p>
@@ -14420,7 +14420,7 @@
           <a:p>
             <a:fld id="{1EA8AE22-5AA9-4E68-B910-53534A46D111}" type="datetime1">
               <a:rPr lang="en-US" smtClean="0"/>
-              <a:t>3/18/2024</a:t>
+              <a:t>3/26/2024</a:t>
             </a:fld>
             <a:endParaRPr lang="en-US" dirty="0"/>
           </a:p>
@@ -15405,7 +15405,7 @@
           <a:p>
             <a:fld id="{F342984A-CABF-4466-A44F-F97A782DF502}" type="datetime1">
               <a:rPr lang="en-US" smtClean="0"/>
-              <a:t>3/18/2024</a:t>
+              <a:t>3/26/2024</a:t>
             </a:fld>
             <a:endParaRPr lang="en-US" dirty="0"/>
           </a:p>
@@ -16377,7 +16377,7 @@
           <a:p>
             <a:fld id="{8D28DA4F-55EE-4774-AFC6-2F73931F16BE}" type="datetime1">
               <a:rPr lang="en-US" smtClean="0"/>
-              <a:t>3/18/2024</a:t>
+              <a:t>3/26/2024</a:t>
             </a:fld>
             <a:endParaRPr lang="en-US" dirty="0"/>
           </a:p>
@@ -17591,7 +17591,7 @@
           <a:p>
             <a:fld id="{49BF4A40-B160-41AB-BD66-51E4EFBE2604}" type="datetime1">
               <a:rPr lang="en-US" smtClean="0"/>
-              <a:t>3/18/2024</a:t>
+              <a:t>3/26/2024</a:t>
             </a:fld>
             <a:endParaRPr lang="en-US" dirty="0"/>
           </a:p>
@@ -18911,7 +18911,7 @@
           <a:p>
             <a:fld id="{A2D678BB-696D-42DB-BEC8-FB9987E03170}" type="datetime1">
               <a:rPr lang="en-US" smtClean="0"/>
-              <a:t>3/18/2024</a:t>
+              <a:t>3/26/2024</a:t>
             </a:fld>
             <a:endParaRPr lang="en-US" dirty="0"/>
           </a:p>
@@ -21290,7 +21290,7 @@
           <a:p>
             <a:fld id="{1162C2D5-1148-46A1-BEF2-DD9C492A8B49}" type="datetime1">
               <a:rPr lang="en-US" smtClean="0"/>
-              <a:t>3/18/2024</a:t>
+              <a:t>3/26/2024</a:t>
             </a:fld>
             <a:endParaRPr lang="en-US" dirty="0"/>
           </a:p>
@@ -23711,7 +23711,7 @@
           <a:p>
             <a:fld id="{965B5B8E-CEE3-4EB8-9D7E-B72C8551397A}" type="datetime1">
               <a:rPr lang="en-US" smtClean="0"/>
-              <a:t>3/18/2024</a:t>
+              <a:t>3/26/2024</a:t>
             </a:fld>
             <a:endParaRPr lang="en-US" dirty="0"/>
           </a:p>
@@ -25396,7 +25396,7 @@
           <a:p>
             <a:fld id="{76A4DFCB-51DE-424A-8B5B-467EFB151E38}" type="datetime1">
               <a:rPr lang="en-US" smtClean="0"/>
-              <a:t>3/18/2024</a:t>
+              <a:t>3/26/2024</a:t>
             </a:fld>
             <a:endParaRPr lang="en-US" dirty="0"/>
           </a:p>
@@ -25646,7 +25646,7 @@
           <a:p>
             <a:fld id="{CE7CABBA-7921-40BC-AA51-20F01765FD57}" type="datetime1">
               <a:rPr lang="en-US" smtClean="0"/>
-              <a:t>3/18/2024</a:t>
+              <a:t>3/26/2024</a:t>
             </a:fld>
             <a:endParaRPr lang="en-US" dirty="0"/>
           </a:p>
@@ -26937,7 +26937,7 @@
           <a:p>
             <a:fld id="{EBA72B5A-673D-4607-9FF7-CCF53A6CFB8C}" type="datetime1">
               <a:rPr lang="en-US" smtClean="0"/>
-              <a:t>3/18/2024</a:t>
+              <a:t>3/26/2024</a:t>
             </a:fld>
             <a:endParaRPr lang="en-US" dirty="0"/>
           </a:p>
@@ -27324,7 +27324,7 @@
           <a:p>
             <a:fld id="{365C6142-4DC0-4393-AD7A-3943A8E630E4}" type="datetime1">
               <a:rPr lang="en-US" smtClean="0"/>
-              <a:t>3/18/2024</a:t>
+              <a:t>3/26/2024</a:t>
             </a:fld>
             <a:endParaRPr lang="en-US" dirty="0"/>
           </a:p>
@@ -28432,7 +28432,7 @@
           <a:p>
             <a:fld id="{2DE70F3C-A523-425F-99C2-A38FEF5AAA8E}" type="datetime1">
               <a:rPr lang="en-US" smtClean="0"/>
-              <a:t>3/18/2024</a:t>
+              <a:t>3/26/2024</a:t>
             </a:fld>
             <a:endParaRPr lang="en-US" dirty="0"/>
           </a:p>
@@ -28576,7 +28576,7 @@
             </a:r>
             <a:r>
               <a:rPr lang="en-US" dirty="0"/>
-              <a:t>: If you ever use operating system color filter settings, note that those are often not visible to people who may be watching you streaming.</a:t>
+              <a:t>: If  you are using operating system color filter settings, note that those are often not visible to people who may be watching you streaming.</a:t>
             </a:r>
           </a:p>
         </p:txBody>
@@ -28677,7 +28677,7 @@
           <a:p>
             <a:fld id="{2A82BCC9-1E0F-4681-A8CA-371CB2B2FD36}" type="datetime1">
               <a:rPr lang="en-US" smtClean="0"/>
-              <a:t>3/18/2024</a:t>
+              <a:t>3/26/2024</a:t>
             </a:fld>
             <a:endParaRPr lang="en-US" dirty="0"/>
           </a:p>
@@ -28957,7 +28957,7 @@
           <a:p>
             <a:fld id="{1E6DE020-595E-4414-9FD4-E492968BB4DD}" type="datetime1">
               <a:rPr lang="en-US" smtClean="0"/>
-              <a:t>3/18/2024</a:t>
+              <a:t>3/26/2024</a:t>
             </a:fld>
             <a:endParaRPr lang="en-US" dirty="0"/>
           </a:p>
@@ -29147,7 +29147,7 @@
           <a:p>
             <a:fld id="{09C89640-83B5-41BC-A234-8A25CEA3CA37}" type="datetime1">
               <a:rPr lang="en-US" smtClean="0"/>
-              <a:t>3/18/2024</a:t>
+              <a:t>3/26/2024</a:t>
             </a:fld>
             <a:endParaRPr lang="en-US" dirty="0"/>
           </a:p>
@@ -29646,7 +29646,7 @@
           <a:p>
             <a:fld id="{1EA8AE22-5AA9-4E68-B910-53534A46D111}" type="datetime1">
               <a:rPr lang="en-US" smtClean="0"/>
-              <a:t>3/18/2024</a:t>
+              <a:t>3/26/2024</a:t>
             </a:fld>
             <a:endParaRPr lang="en-US" dirty="0"/>
           </a:p>
@@ -29839,7 +29839,7 @@
           <a:p>
             <a:fld id="{02020E9F-7472-46E2-925D-3834C3399EB8}" type="datetime1">
               <a:rPr lang="en-US" smtClean="0"/>
-              <a:t>3/18/2024</a:t>
+              <a:t>3/26/2024</a:t>
             </a:fld>
             <a:endParaRPr lang="en-US" dirty="0"/>
           </a:p>
@@ -30042,7 +30042,7 @@
           <a:p>
             <a:fld id="{FE57B65C-736A-463A-B878-00376E835189}" type="datetime1">
               <a:rPr lang="en-US" smtClean="0"/>
-              <a:t>3/18/2024</a:t>
+              <a:t>3/26/2024</a:t>
             </a:fld>
             <a:endParaRPr lang="en-US" dirty="0"/>
           </a:p>
@@ -30243,7 +30243,7 @@
           <a:p>
             <a:fld id="{F62B3EC1-C48E-40CA-B644-780608C10782}" type="datetime1">
               <a:rPr lang="en-US" smtClean="0"/>
-              <a:t>3/18/2024</a:t>
+              <a:t>3/26/2024</a:t>
             </a:fld>
             <a:endParaRPr lang="en-US" dirty="0"/>
           </a:p>
@@ -30503,7 +30503,7 @@
           <a:p>
             <a:fld id="{D848C455-CDB2-4208-A65A-BF4D86A5E68B}" type="datetime1">
               <a:rPr lang="en-US" smtClean="0"/>
-              <a:t>3/18/2024</a:t>
+              <a:t>3/26/2024</a:t>
             </a:fld>
             <a:endParaRPr lang="en-US" dirty="0"/>
           </a:p>
@@ -30681,7 +30681,7 @@
           <a:p>
             <a:fld id="{CDC15CAB-FD5C-4E8D-A715-31333DAF8D3F}" type="datetime1">
               <a:rPr lang="en-US" smtClean="0"/>
-              <a:t>3/18/2024</a:t>
+              <a:t>3/26/2024</a:t>
             </a:fld>
             <a:endParaRPr lang="en-US" dirty="0"/>
           </a:p>
@@ -30884,7 +30884,7 @@
           <a:p>
             <a:fld id="{11B39263-7CDE-4839-88A7-EB9F08F894B1}" type="datetime1">
               <a:rPr lang="en-US" smtClean="0"/>
-              <a:t>3/18/2024</a:t>
+              <a:t>3/26/2024</a:t>
             </a:fld>
             <a:endParaRPr lang="en-US" dirty="0"/>
           </a:p>
@@ -31787,23 +31787,12 @@
 </file>
 
 <file path=customXml/item1.xml><?xml version="1.0" encoding="utf-8"?>
-<p:properties xmlns:p="http://schemas.microsoft.com/office/2006/metadata/properties" xmlns:xsi="http://www.w3.org/2001/XMLSchema-instance" xmlns:pc="http://schemas.microsoft.com/office/infopath/2007/PartnerControls">
-  <documentManagement>
-    <_ip_UnifiedCompliancePolicyUIAction xmlns="http://schemas.microsoft.com/sharepoint/v3" xsi:nil="true"/>
-    <Image xmlns="71af3243-3dd4-4a8d-8c0d-dd76da1f02a5">
-      <Url xsi:nil="true"/>
-      <Description xsi:nil="true"/>
-    </Image>
-    <Status xmlns="71af3243-3dd4-4a8d-8c0d-dd76da1f02a5">Not started</Status>
-    <Background xmlns="71af3243-3dd4-4a8d-8c0d-dd76da1f02a5">false</Background>
-    <_ip_UnifiedCompliancePolicyProperties xmlns="http://schemas.microsoft.com/sharepoint/v3" xsi:nil="true"/>
-    <ImageTagsTaxHTField xmlns="71af3243-3dd4-4a8d-8c0d-dd76da1f02a5">
-      <Terms xmlns="http://schemas.microsoft.com/office/infopath/2007/PartnerControls"/>
-    </ImageTagsTaxHTField>
-    <TaxCatchAll xmlns="230e9df3-be65-4c73-a93b-d1236ebd677e" xsi:nil="true"/>
-    <MediaServiceKeyPoints xmlns="71af3243-3dd4-4a8d-8c0d-dd76da1f02a5" xsi:nil="true"/>
-  </documentManagement>
-</p:properties>
+<?mso-contentType ?>
+<FormTemplates xmlns="http://schemas.microsoft.com/sharepoint/v3/contenttype/forms">
+  <Display>DocumentLibraryForm</Display>
+  <Edit>DocumentLibraryForm</Edit>
+  <New>DocumentLibraryForm</New>
+</FormTemplates>
 </file>
 
 <file path=customXml/item2.xml><?xml version="1.0" encoding="utf-8"?>
@@ -32119,29 +32108,29 @@
 </file>
 
 <file path=customXml/item3.xml><?xml version="1.0" encoding="utf-8"?>
-<?mso-contentType ?>
-<FormTemplates xmlns="http://schemas.microsoft.com/sharepoint/v3/contenttype/forms">
-  <Display>DocumentLibraryForm</Display>
-  <Edit>DocumentLibraryForm</Edit>
-  <New>DocumentLibraryForm</New>
-</FormTemplates>
+<p:properties xmlns:p="http://schemas.microsoft.com/office/2006/metadata/properties" xmlns:xsi="http://www.w3.org/2001/XMLSchema-instance" xmlns:pc="http://schemas.microsoft.com/office/infopath/2007/PartnerControls">
+  <documentManagement>
+    <_ip_UnifiedCompliancePolicyUIAction xmlns="http://schemas.microsoft.com/sharepoint/v3" xsi:nil="true"/>
+    <Image xmlns="71af3243-3dd4-4a8d-8c0d-dd76da1f02a5">
+      <Url xsi:nil="true"/>
+      <Description xsi:nil="true"/>
+    </Image>
+    <Status xmlns="71af3243-3dd4-4a8d-8c0d-dd76da1f02a5">Not started</Status>
+    <Background xmlns="71af3243-3dd4-4a8d-8c0d-dd76da1f02a5">false</Background>
+    <_ip_UnifiedCompliancePolicyProperties xmlns="http://schemas.microsoft.com/sharepoint/v3" xsi:nil="true"/>
+    <ImageTagsTaxHTField xmlns="71af3243-3dd4-4a8d-8c0d-dd76da1f02a5">
+      <Terms xmlns="http://schemas.microsoft.com/office/infopath/2007/PartnerControls"/>
+    </ImageTagsTaxHTField>
+    <TaxCatchAll xmlns="230e9df3-be65-4c73-a93b-d1236ebd677e" xsi:nil="true"/>
+    <MediaServiceKeyPoints xmlns="71af3243-3dd4-4a8d-8c0d-dd76da1f02a5" xsi:nil="true"/>
+  </documentManagement>
+</p:properties>
 </file>
 
 <file path=customXml/itemProps1.xml><?xml version="1.0" encoding="utf-8"?>
-<ds:datastoreItem xmlns:ds="http://schemas.openxmlformats.org/officeDocument/2006/customXml" ds:itemID="{55F65D0A-9CCC-4F61-B2C0-E968BCA5F60A}">
+<ds:datastoreItem xmlns:ds="http://schemas.openxmlformats.org/officeDocument/2006/customXml" ds:itemID="{E6C52E68-191B-4883-A1EE-52F93DB694AA}">
   <ds:schemaRefs>
-    <ds:schemaRef ds:uri="http://schemas.microsoft.com/office/2006/metadata/properties"/>
-    <ds:schemaRef ds:uri="http://schemas.microsoft.com/sharepoint/v3"/>
-    <ds:schemaRef ds:uri="http://schemas.microsoft.com/office/2006/documentManagement/types"/>
-    <ds:schemaRef ds:uri="http://purl.org/dc/elements/1.1/"/>
-    <ds:schemaRef ds:uri="http://schemas.openxmlformats.org/package/2006/metadata/core-properties"/>
-    <ds:schemaRef ds:uri="http://www.w3.org/XML/1998/namespace"/>
-    <ds:schemaRef ds:uri="http://purl.org/dc/dcmitype/"/>
-    <ds:schemaRef ds:uri="http://schemas.microsoft.com/office/infopath/2007/PartnerControls"/>
-    <ds:schemaRef ds:uri="230e9df3-be65-4c73-a93b-d1236ebd677e"/>
-    <ds:schemaRef ds:uri="16c05727-aa75-4e4a-9b5f-8a80a1165891"/>
-    <ds:schemaRef ds:uri="71af3243-3dd4-4a8d-8c0d-dd76da1f02a5"/>
-    <ds:schemaRef ds:uri="http://purl.org/dc/terms/"/>
+    <ds:schemaRef ds:uri="http://schemas.microsoft.com/sharepoint/v3/contenttype/forms"/>
   </ds:schemaRefs>
 </ds:datastoreItem>
 </file>
@@ -32168,9 +32157,20 @@
 </file>
 
 <file path=customXml/itemProps3.xml><?xml version="1.0" encoding="utf-8"?>
-<ds:datastoreItem xmlns:ds="http://schemas.openxmlformats.org/officeDocument/2006/customXml" ds:itemID="{E6C52E68-191B-4883-A1EE-52F93DB694AA}">
+<ds:datastoreItem xmlns:ds="http://schemas.openxmlformats.org/officeDocument/2006/customXml" ds:itemID="{55F65D0A-9CCC-4F61-B2C0-E968BCA5F60A}">
   <ds:schemaRefs>
-    <ds:schemaRef ds:uri="http://schemas.microsoft.com/sharepoint/v3/contenttype/forms"/>
+    <ds:schemaRef ds:uri="http://schemas.microsoft.com/office/2006/metadata/properties"/>
+    <ds:schemaRef ds:uri="http://schemas.microsoft.com/sharepoint/v3"/>
+    <ds:schemaRef ds:uri="http://schemas.microsoft.com/office/2006/documentManagement/types"/>
+    <ds:schemaRef ds:uri="http://purl.org/dc/elements/1.1/"/>
+    <ds:schemaRef ds:uri="http://schemas.openxmlformats.org/package/2006/metadata/core-properties"/>
+    <ds:schemaRef ds:uri="http://www.w3.org/XML/1998/namespace"/>
+    <ds:schemaRef ds:uri="http://purl.org/dc/dcmitype/"/>
+    <ds:schemaRef ds:uri="http://schemas.microsoft.com/office/infopath/2007/PartnerControls"/>
+    <ds:schemaRef ds:uri="230e9df3-be65-4c73-a93b-d1236ebd677e"/>
+    <ds:schemaRef ds:uri="16c05727-aa75-4e4a-9b5f-8a80a1165891"/>
+    <ds:schemaRef ds:uri="71af3243-3dd4-4a8d-8c0d-dd76da1f02a5"/>
+    <ds:schemaRef ds:uri="http://purl.org/dc/terms/"/>
   </ds:schemaRefs>
 </ds:datastoreItem>
 </file>

--- a/Presentations/2024 Presentations/Accessibility Testing with Screen Reader.pptx
+++ b/Presentations/2024 Presentations/Accessibility Testing with Screen Reader.pptx
@@ -20,9 +20,9 @@
     <p:sldId id="284" r:id="rId11"/>
     <p:sldId id="282" r:id="rId12"/>
     <p:sldId id="281" r:id="rId13"/>
-    <p:sldId id="261" r:id="rId14"/>
+    <p:sldId id="271" r:id="rId14"/>
     <p:sldId id="278" r:id="rId15"/>
-    <p:sldId id="271" r:id="rId16"/>
+    <p:sldId id="261" r:id="rId16"/>
     <p:sldId id="275" r:id="rId17"/>
     <p:sldId id="268" r:id="rId18"/>
   </p:sldIdLst>
@@ -240,7 +240,7 @@
           <a:p>
             <a:fld id="{EE5432EF-245E-40EF-B3FF-B189D54EF7CF}" type="datetimeFigureOut">
               <a:rPr lang="en-US" smtClean="0"/>
-              <a:t>3/26/2024</a:t>
+              <a:t>3/27/2024</a:t>
             </a:fld>
             <a:endParaRPr lang="en-US" dirty="0"/>
           </a:p>
@@ -417,7 +417,7 @@
           <a:p>
             <a:fld id="{6AF08D30-F807-4561-A81E-6E077448AA00}" type="datetimeFigureOut">
               <a:rPr lang="en-US" smtClean="0"/>
-              <a:t>3/26/2024</a:t>
+              <a:t>3/27/2024</a:t>
             </a:fld>
             <a:endParaRPr lang="en-US" dirty="0"/>
           </a:p>
@@ -833,7 +833,7 @@
           <a:p>
             <a:fld id="{DD82C05A-7A07-4286-AA18-B883C0AF9A3B}" type="slidenum">
               <a:rPr lang="en-US" smtClean="0"/>
-              <a:t>11</a:t>
+              <a:t>10</a:t>
             </a:fld>
             <a:endParaRPr lang="en-US" dirty="0"/>
           </a:p>
@@ -842,7 +842,7 @@
     </p:spTree>
     <p:extLst>
       <p:ext uri="{BB962C8B-B14F-4D97-AF65-F5344CB8AC3E}">
-        <p14:creationId xmlns:p14="http://schemas.microsoft.com/office/powerpoint/2010/main" val="2582610964"/>
+        <p14:creationId xmlns:p14="http://schemas.microsoft.com/office/powerpoint/2010/main" val="3124733408"/>
       </p:ext>
     </p:extLst>
   </p:cSld>
@@ -917,7 +917,7 @@
           <a:p>
             <a:fld id="{DD82C05A-7A07-4286-AA18-B883C0AF9A3B}" type="slidenum">
               <a:rPr lang="en-US" smtClean="0"/>
-              <a:t>12</a:t>
+              <a:t>11</a:t>
             </a:fld>
             <a:endParaRPr lang="en-US" dirty="0"/>
           </a:p>
@@ -926,7 +926,7 @@
     </p:spTree>
     <p:extLst>
       <p:ext uri="{BB962C8B-B14F-4D97-AF65-F5344CB8AC3E}">
-        <p14:creationId xmlns:p14="http://schemas.microsoft.com/office/powerpoint/2010/main" val="3124733408"/>
+        <p14:creationId xmlns:p14="http://schemas.microsoft.com/office/powerpoint/2010/main" val="2582610964"/>
       </p:ext>
     </p:extLst>
   </p:cSld>
@@ -1001,6 +1001,90 @@
           <a:p>
             <a:fld id="{DD82C05A-7A07-4286-AA18-B883C0AF9A3B}" type="slidenum">
               <a:rPr lang="en-US" smtClean="0"/>
+              <a:t>12</a:t>
+            </a:fld>
+            <a:endParaRPr lang="en-US" dirty="0"/>
+          </a:p>
+        </p:txBody>
+      </p:sp>
+    </p:spTree>
+    <p:extLst>
+      <p:ext uri="{BB962C8B-B14F-4D97-AF65-F5344CB8AC3E}">
+        <p14:creationId xmlns:p14="http://schemas.microsoft.com/office/powerpoint/2010/main" val="1266515495"/>
+      </p:ext>
+    </p:extLst>
+  </p:cSld>
+  <p:clrMapOvr>
+    <a:masterClrMapping/>
+  </p:clrMapOvr>
+</p:notes>
+</file>
+
+<file path=ppt/notesSlides/notesSlide13.xml><?xml version="1.0" encoding="utf-8"?>
+<p:notes xmlns:a="http://schemas.openxmlformats.org/drawingml/2006/main" xmlns:r="http://schemas.openxmlformats.org/officeDocument/2006/relationships" xmlns:p="http://schemas.openxmlformats.org/presentationml/2006/main">
+  <p:cSld>
+    <p:spTree>
+      <p:nvGrpSpPr>
+        <p:cNvPr id="1" name=""/>
+        <p:cNvGrpSpPr/>
+        <p:nvPr/>
+      </p:nvGrpSpPr>
+      <p:grpSpPr>
+        <a:xfrm>
+          <a:off x="0" y="0"/>
+          <a:ext cx="0" cy="0"/>
+          <a:chOff x="0" y="0"/>
+          <a:chExt cx="0" cy="0"/>
+        </a:xfrm>
+      </p:grpSpPr>
+      <p:sp>
+        <p:nvSpPr>
+          <p:cNvPr id="2" name="Slide Image Placeholder 1"/>
+          <p:cNvSpPr>
+            <a:spLocks noGrp="1" noRot="1" noChangeAspect="1"/>
+          </p:cNvSpPr>
+          <p:nvPr>
+            <p:ph type="sldImg"/>
+          </p:nvPr>
+        </p:nvSpPr>
+        <p:spPr/>
+      </p:sp>
+      <p:sp>
+        <p:nvSpPr>
+          <p:cNvPr id="3" name="Notes Placeholder 2"/>
+          <p:cNvSpPr>
+            <a:spLocks noGrp="1"/>
+          </p:cNvSpPr>
+          <p:nvPr>
+            <p:ph type="body" idx="1"/>
+          </p:nvPr>
+        </p:nvSpPr>
+        <p:spPr/>
+        <p:txBody>
+          <a:bodyPr/>
+          <a:lstStyle/>
+          <a:p>
+            <a:endParaRPr lang="en-US" dirty="0"/>
+          </a:p>
+        </p:txBody>
+      </p:sp>
+      <p:sp>
+        <p:nvSpPr>
+          <p:cNvPr id="4" name="Slide Number Placeholder 3"/>
+          <p:cNvSpPr>
+            <a:spLocks noGrp="1"/>
+          </p:cNvSpPr>
+          <p:nvPr>
+            <p:ph type="sldNum" sz="quarter" idx="5"/>
+          </p:nvPr>
+        </p:nvSpPr>
+        <p:spPr/>
+        <p:txBody>
+          <a:bodyPr/>
+          <a:lstStyle/>
+          <a:p>
+            <a:fld id="{DD82C05A-7A07-4286-AA18-B883C0AF9A3B}" type="slidenum">
+              <a:rPr lang="en-US" smtClean="0"/>
               <a:t>13</a:t>
             </a:fld>
             <a:endParaRPr lang="en-US" dirty="0"/>
@@ -1020,7 +1104,7 @@
 </p:notes>
 </file>
 
-<file path=ppt/notesSlides/notesSlide13.xml><?xml version="1.0" encoding="utf-8"?>
+<file path=ppt/notesSlides/notesSlide14.xml><?xml version="1.0" encoding="utf-8"?>
 <p:notes xmlns:a="http://schemas.openxmlformats.org/drawingml/2006/main" xmlns:r="http://schemas.openxmlformats.org/officeDocument/2006/relationships" xmlns:p="http://schemas.openxmlformats.org/presentationml/2006/main">
   <p:cSld>
     <p:spTree>
@@ -1232,38 +1316,7 @@
           <a:bodyPr/>
           <a:lstStyle/>
           <a:p>
-            <a:r>
-              <a:rPr lang="en-US" dirty="0"/>
-              <a:t>These descriptions are very simplified for time. I go more in-depth on discussing them in my Introduction to Accessibility talk.</a:t>
-            </a:r>
-          </a:p>
-          <a:p>
-            <a:pPr marL="171450" indent="-171450">
-              <a:buFontTx/>
-              <a:buChar char="-"/>
-            </a:pPr>
-            <a:r>
-              <a:rPr lang="en-US" b="1" dirty="0"/>
-              <a:t>Accessibility</a:t>
-            </a:r>
-            <a:r>
-              <a:rPr lang="en-US" dirty="0"/>
-              <a:t> is just how well can facilities, content, features, processes, policies, etc. be used/followed by users of all abilities. With regards to digital content, is it flexible enough for people to use it with/without assistive technologies.</a:t>
-            </a:r>
-          </a:p>
-          <a:p>
-            <a:pPr marL="171450" indent="-171450">
-              <a:buFontTx/>
-              <a:buChar char="-"/>
-            </a:pPr>
-            <a:r>
-              <a:rPr lang="en-US" b="1" dirty="0"/>
-              <a:t>Disability</a:t>
-            </a:r>
-            <a:r>
-              <a:rPr lang="en-US" dirty="0"/>
-              <a:t> is most easily thought of as is the environment creating a barrier to certain groups of people that isn’t caused for other groups. In this case, we are not just looking at barriers caused to people with medical conditions, but also people who may be commonly visiting the content while in a state of distress, in an environment where they cannot easily hear audio cues, maybe viewing a screen in a very brightly/dimly lit environment, viewing while on a poor connection, etc.</a:t>
-            </a:r>
+            <a:endParaRPr lang="en-US" dirty="0"/>
           </a:p>
         </p:txBody>
       </p:sp>
@@ -1284,7 +1337,7 @@
           <a:p>
             <a:fld id="{DD82C05A-7A07-4286-AA18-B883C0AF9A3B}" type="slidenum">
               <a:rPr lang="en-US" smtClean="0"/>
-              <a:t>4</a:t>
+              <a:t>3</a:t>
             </a:fld>
             <a:endParaRPr lang="en-US" dirty="0"/>
           </a:p>
@@ -1293,7 +1346,7 @@
     </p:spTree>
     <p:extLst>
       <p:ext uri="{BB962C8B-B14F-4D97-AF65-F5344CB8AC3E}">
-        <p14:creationId xmlns:p14="http://schemas.microsoft.com/office/powerpoint/2010/main" val="2208424147"/>
+        <p14:creationId xmlns:p14="http://schemas.microsoft.com/office/powerpoint/2010/main" val="2271413804"/>
       </p:ext>
     </p:extLst>
   </p:cSld>
@@ -1348,204 +1401,36 @@
           <a:lstStyle/>
           <a:p>
             <a:r>
-              <a:rPr lang="en-US" b="0" dirty="0"/>
-              <a:t>To that end we are looking at how accurately, clearly, and consistently the content is communicated.</a:t>
+              <a:rPr lang="en-US" dirty="0"/>
+              <a:t>These descriptions are very simplified for time. I go more in-depth on discussing them in my Introduction to Accessibility talk.</a:t>
             </a:r>
           </a:p>
           <a:p>
-            <a:r>
-              <a:rPr lang="en-US" b="0" dirty="0"/>
-              <a:t>Some of what we are looking at, include:</a:t>
-            </a:r>
-          </a:p>
-          <a:p>
             <a:pPr marL="171450" indent="-171450">
-              <a:buFont typeface="Arial" panose="020B0604020202020204" pitchFamily="34" charset="0"/>
-              <a:buChar char="•"/>
+              <a:buFontTx/>
+              <a:buChar char="-"/>
             </a:pPr>
             <a:r>
-              <a:rPr lang="en-US" b="0" dirty="0"/>
-              <a:t>Structure </a:t>
+              <a:rPr lang="en-US" b="1" dirty="0"/>
+              <a:t>Accessibility</a:t>
             </a:r>
-          </a:p>
-          <a:p>
-            <a:pPr marL="628650" lvl="1" indent="-171450">
-              <a:buFont typeface="Arial" panose="020B0604020202020204" pitchFamily="34" charset="0"/>
-              <a:buChar char="•"/>
+            <a:r>
+              <a:rPr lang="en-US" dirty="0"/>
+              <a:t> is just how well can facilities, content, features, processes, policies, etc. be used/followed by users of all abilities. With regards to digital content, is it flexible enough for people to use it with/without assistive technologies.</a:t>
+            </a:r>
+          </a:p>
+          <a:p>
+            <a:pPr marL="171450" indent="-171450">
+              <a:buFontTx/>
+              <a:buChar char="-"/>
             </a:pPr>
             <a:r>
-              <a:rPr lang="en-US" b="0" dirty="0"/>
-              <a:t>Headings</a:t>
+              <a:rPr lang="en-US" b="1" dirty="0"/>
+              <a:t>Disability</a:t>
             </a:r>
-          </a:p>
-          <a:p>
-            <a:pPr marL="628650" lvl="1" indent="-171450">
-              <a:buFont typeface="Arial" panose="020B0604020202020204" pitchFamily="34" charset="0"/>
-              <a:buChar char="•"/>
-            </a:pPr>
             <a:r>
-              <a:rPr lang="en-US" b="0" dirty="0"/>
-              <a:t>landmark regions (header, main, footer, nav, form, etc.)</a:t>
-            </a:r>
-          </a:p>
-          <a:p>
-            <a:pPr marL="171450" indent="-171450">
-              <a:buFont typeface="Arial" panose="020B0604020202020204" pitchFamily="34" charset="0"/>
-              <a:buChar char="•"/>
-            </a:pPr>
-            <a:r>
-              <a:rPr lang="en-US" b="0" dirty="0"/>
-              <a:t>Relationships</a:t>
-            </a:r>
-          </a:p>
-          <a:p>
-            <a:pPr marL="628650" lvl="1" indent="-171450">
-              <a:buFont typeface="Arial" panose="020B0604020202020204" pitchFamily="34" charset="0"/>
-              <a:buChar char="•"/>
-            </a:pPr>
-            <a:r>
-              <a:rPr lang="en-US" b="0" dirty="0"/>
-              <a:t>heading to its content</a:t>
-            </a:r>
-          </a:p>
-          <a:p>
-            <a:pPr marL="628650" lvl="1" indent="-171450">
-              <a:buFont typeface="Arial" panose="020B0604020202020204" pitchFamily="34" charset="0"/>
-              <a:buChar char="•"/>
-            </a:pPr>
-            <a:r>
-              <a:rPr lang="en-US" b="0" dirty="0"/>
-              <a:t>heading to other headings (not having to headings as H2s even though one is meant to be under the other)</a:t>
-            </a:r>
-          </a:p>
-          <a:p>
-            <a:pPr marL="628650" lvl="1" indent="-171450">
-              <a:buFont typeface="Arial" panose="020B0604020202020204" pitchFamily="34" charset="0"/>
-              <a:buChar char="•"/>
-            </a:pPr>
-            <a:r>
-              <a:rPr lang="en-US" b="0" dirty="0"/>
-              <a:t>label to its input</a:t>
-            </a:r>
-          </a:p>
-          <a:p>
-            <a:pPr marL="628650" lvl="1" indent="-171450">
-              <a:buFont typeface="Arial" panose="020B0604020202020204" pitchFamily="34" charset="0"/>
-              <a:buChar char="•"/>
-            </a:pPr>
-            <a:r>
-              <a:rPr lang="en-US" b="0" dirty="0"/>
-              <a:t>Lists (ordered vs unordered)</a:t>
-            </a:r>
-          </a:p>
-          <a:p>
-            <a:pPr marL="171450" indent="-171450">
-              <a:buFont typeface="Arial" panose="020B0604020202020204" pitchFamily="34" charset="0"/>
-              <a:buChar char="•"/>
-            </a:pPr>
-            <a:r>
-              <a:rPr lang="en-US" b="0" dirty="0"/>
-              <a:t>Function</a:t>
-            </a:r>
-          </a:p>
-          <a:p>
-            <a:pPr marL="628650" lvl="1" indent="-171450">
-              <a:buFont typeface="Arial" panose="020B0604020202020204" pitchFamily="34" charset="0"/>
-              <a:buChar char="•"/>
-            </a:pPr>
-            <a:r>
-              <a:rPr lang="en-US" b="0" dirty="0"/>
-              <a:t>links vs buttons</a:t>
-            </a:r>
-          </a:p>
-          <a:p>
-            <a:pPr marL="628650" lvl="1" indent="-171450">
-              <a:buFont typeface="Arial" panose="020B0604020202020204" pitchFamily="34" charset="0"/>
-              <a:buChar char="•"/>
-            </a:pPr>
-            <a:r>
-              <a:rPr lang="en-US" b="0" dirty="0"/>
-              <a:t>radio vs checkbox</a:t>
-            </a:r>
-          </a:p>
-          <a:p>
-            <a:pPr marL="628650" lvl="1" indent="-171450">
-              <a:buFont typeface="Arial" panose="020B0604020202020204" pitchFamily="34" charset="0"/>
-              <a:buChar char="•"/>
-            </a:pPr>
-            <a:r>
-              <a:rPr lang="en-US" b="0" dirty="0"/>
-              <a:t>special formatting requirements for a field to validate</a:t>
-            </a:r>
-          </a:p>
-          <a:p>
-            <a:pPr marL="628650" lvl="1" indent="-171450">
-              <a:buFont typeface="Arial" panose="020B0604020202020204" pitchFamily="34" charset="0"/>
-              <a:buChar char="•"/>
-            </a:pPr>
-            <a:r>
-              <a:rPr lang="en-US" b="0" dirty="0"/>
-              <a:t>how to access/expand a widget</a:t>
-            </a:r>
-          </a:p>
-          <a:p>
-            <a:pPr marL="628650" lvl="1" indent="-171450">
-              <a:buFont typeface="Arial" panose="020B0604020202020204" pitchFamily="34" charset="0"/>
-              <a:buChar char="•"/>
-            </a:pPr>
-            <a:r>
-              <a:rPr lang="en-US" b="0" dirty="0"/>
-              <a:t>conflict with existing common user key shortcuts</a:t>
-            </a:r>
-          </a:p>
-          <a:p>
-            <a:pPr marL="171450" indent="-171450">
-              <a:buFont typeface="Arial" panose="020B0604020202020204" pitchFamily="34" charset="0"/>
-              <a:buChar char="•"/>
-            </a:pPr>
-            <a:r>
-              <a:rPr lang="en-US" b="0" dirty="0"/>
-              <a:t>Information</a:t>
-            </a:r>
-          </a:p>
-          <a:p>
-            <a:pPr marL="628650" lvl="1" indent="-171450">
-              <a:buFont typeface="Arial" panose="020B0604020202020204" pitchFamily="34" charset="0"/>
-              <a:buChar char="•"/>
-            </a:pPr>
-            <a:r>
-              <a:rPr lang="en-US" b="0" dirty="0"/>
-              <a:t>Not just using color</a:t>
-            </a:r>
-          </a:p>
-          <a:p>
-            <a:pPr marL="628650" lvl="1" indent="-171450">
-              <a:buFont typeface="Arial" panose="020B0604020202020204" pitchFamily="34" charset="0"/>
-              <a:buChar char="•"/>
-            </a:pPr>
-            <a:r>
-              <a:rPr lang="en-US" b="0" dirty="0"/>
-              <a:t>Accessible labeling</a:t>
-            </a:r>
-          </a:p>
-          <a:p>
-            <a:pPr marL="628650" lvl="1" indent="-171450">
-              <a:buFont typeface="Arial" panose="020B0604020202020204" pitchFamily="34" charset="0"/>
-              <a:buChar char="•"/>
-            </a:pPr>
-            <a:r>
-              <a:rPr lang="en-US" b="0" dirty="0"/>
-              <a:t>Proper color contrast</a:t>
-            </a:r>
-          </a:p>
-          <a:p>
-            <a:pPr marL="628650" lvl="1" indent="-171450">
-              <a:buFont typeface="Arial" panose="020B0604020202020204" pitchFamily="34" charset="0"/>
-              <a:buChar char="•"/>
-            </a:pPr>
-            <a:r>
-              <a:rPr lang="en-US" b="0" dirty="0"/>
-              <a:t>CSS images not the only way of conveying information</a:t>
+              <a:rPr lang="en-US" dirty="0"/>
+              <a:t> is most easily thought of as is the environment creating a barrier to certain groups of people that isn’t caused for other groups. In this case, we are not just looking at barriers caused to people with medical conditions, but also people who may be commonly visiting the content while in a state of distress, in an environment where they cannot easily hear audio cues, maybe viewing a screen in a very brightly/dimly lit environment, viewing while on a poor connection, etc.</a:t>
             </a:r>
           </a:p>
         </p:txBody>
@@ -1567,7 +1452,7 @@
           <a:p>
             <a:fld id="{DD82C05A-7A07-4286-AA18-B883C0AF9A3B}" type="slidenum">
               <a:rPr lang="en-US" smtClean="0"/>
-              <a:t>5</a:t>
+              <a:t>4</a:t>
             </a:fld>
             <a:endParaRPr lang="en-US" dirty="0"/>
           </a:p>
@@ -1576,7 +1461,7 @@
     </p:spTree>
     <p:extLst>
       <p:ext uri="{BB962C8B-B14F-4D97-AF65-F5344CB8AC3E}">
-        <p14:creationId xmlns:p14="http://schemas.microsoft.com/office/powerpoint/2010/main" val="2781781227"/>
+        <p14:creationId xmlns:p14="http://schemas.microsoft.com/office/powerpoint/2010/main" val="2208424147"/>
       </p:ext>
     </p:extLst>
   </p:cSld>
@@ -1631,8 +1516,204 @@
           <a:lstStyle/>
           <a:p>
             <a:r>
-              <a:rPr lang="en-US" dirty="0"/>
-              <a:t>Https://corgidev.com/a11y.html</a:t>
+              <a:rPr lang="en-US" b="0" dirty="0"/>
+              <a:t>To that end we are looking at how accurately, clearly, and consistently the content is communicated.</a:t>
+            </a:r>
+          </a:p>
+          <a:p>
+            <a:r>
+              <a:rPr lang="en-US" b="0" dirty="0"/>
+              <a:t>Some of what we are looking at, include:</a:t>
+            </a:r>
+          </a:p>
+          <a:p>
+            <a:pPr marL="171450" indent="-171450">
+              <a:buFont typeface="Arial" panose="020B0604020202020204" pitchFamily="34" charset="0"/>
+              <a:buChar char="•"/>
+            </a:pPr>
+            <a:r>
+              <a:rPr lang="en-US" b="0" dirty="0"/>
+              <a:t>Structure </a:t>
+            </a:r>
+          </a:p>
+          <a:p>
+            <a:pPr marL="628650" lvl="1" indent="-171450">
+              <a:buFont typeface="Arial" panose="020B0604020202020204" pitchFamily="34" charset="0"/>
+              <a:buChar char="•"/>
+            </a:pPr>
+            <a:r>
+              <a:rPr lang="en-US" b="0" dirty="0"/>
+              <a:t>Headings</a:t>
+            </a:r>
+          </a:p>
+          <a:p>
+            <a:pPr marL="628650" lvl="1" indent="-171450">
+              <a:buFont typeface="Arial" panose="020B0604020202020204" pitchFamily="34" charset="0"/>
+              <a:buChar char="•"/>
+            </a:pPr>
+            <a:r>
+              <a:rPr lang="en-US" b="0" dirty="0"/>
+              <a:t>landmark regions (header, main, footer, nav, form, etc.)</a:t>
+            </a:r>
+          </a:p>
+          <a:p>
+            <a:pPr marL="171450" indent="-171450">
+              <a:buFont typeface="Arial" panose="020B0604020202020204" pitchFamily="34" charset="0"/>
+              <a:buChar char="•"/>
+            </a:pPr>
+            <a:r>
+              <a:rPr lang="en-US" b="0" dirty="0"/>
+              <a:t>Relationships</a:t>
+            </a:r>
+          </a:p>
+          <a:p>
+            <a:pPr marL="628650" lvl="1" indent="-171450">
+              <a:buFont typeface="Arial" panose="020B0604020202020204" pitchFamily="34" charset="0"/>
+              <a:buChar char="•"/>
+            </a:pPr>
+            <a:r>
+              <a:rPr lang="en-US" b="0" dirty="0"/>
+              <a:t>heading to its content</a:t>
+            </a:r>
+          </a:p>
+          <a:p>
+            <a:pPr marL="628650" lvl="1" indent="-171450">
+              <a:buFont typeface="Arial" panose="020B0604020202020204" pitchFamily="34" charset="0"/>
+              <a:buChar char="•"/>
+            </a:pPr>
+            <a:r>
+              <a:rPr lang="en-US" b="0" dirty="0"/>
+              <a:t>heading to other headings (not having to headings as H2s even though one is meant to be under the other)</a:t>
+            </a:r>
+          </a:p>
+          <a:p>
+            <a:pPr marL="628650" lvl="1" indent="-171450">
+              <a:buFont typeface="Arial" panose="020B0604020202020204" pitchFamily="34" charset="0"/>
+              <a:buChar char="•"/>
+            </a:pPr>
+            <a:r>
+              <a:rPr lang="en-US" b="0" dirty="0"/>
+              <a:t>label to its input</a:t>
+            </a:r>
+          </a:p>
+          <a:p>
+            <a:pPr marL="628650" lvl="1" indent="-171450">
+              <a:buFont typeface="Arial" panose="020B0604020202020204" pitchFamily="34" charset="0"/>
+              <a:buChar char="•"/>
+            </a:pPr>
+            <a:r>
+              <a:rPr lang="en-US" b="0" dirty="0"/>
+              <a:t>Lists (ordered vs unordered)</a:t>
+            </a:r>
+          </a:p>
+          <a:p>
+            <a:pPr marL="171450" indent="-171450">
+              <a:buFont typeface="Arial" panose="020B0604020202020204" pitchFamily="34" charset="0"/>
+              <a:buChar char="•"/>
+            </a:pPr>
+            <a:r>
+              <a:rPr lang="en-US" b="0" dirty="0"/>
+              <a:t>Function</a:t>
+            </a:r>
+          </a:p>
+          <a:p>
+            <a:pPr marL="628650" lvl="1" indent="-171450">
+              <a:buFont typeface="Arial" panose="020B0604020202020204" pitchFamily="34" charset="0"/>
+              <a:buChar char="•"/>
+            </a:pPr>
+            <a:r>
+              <a:rPr lang="en-US" b="0" dirty="0"/>
+              <a:t>links vs buttons</a:t>
+            </a:r>
+          </a:p>
+          <a:p>
+            <a:pPr marL="628650" lvl="1" indent="-171450">
+              <a:buFont typeface="Arial" panose="020B0604020202020204" pitchFamily="34" charset="0"/>
+              <a:buChar char="•"/>
+            </a:pPr>
+            <a:r>
+              <a:rPr lang="en-US" b="0" dirty="0"/>
+              <a:t>radio vs checkbox</a:t>
+            </a:r>
+          </a:p>
+          <a:p>
+            <a:pPr marL="628650" lvl="1" indent="-171450">
+              <a:buFont typeface="Arial" panose="020B0604020202020204" pitchFamily="34" charset="0"/>
+              <a:buChar char="•"/>
+            </a:pPr>
+            <a:r>
+              <a:rPr lang="en-US" b="0" dirty="0"/>
+              <a:t>special formatting requirements for a field to validate</a:t>
+            </a:r>
+          </a:p>
+          <a:p>
+            <a:pPr marL="628650" lvl="1" indent="-171450">
+              <a:buFont typeface="Arial" panose="020B0604020202020204" pitchFamily="34" charset="0"/>
+              <a:buChar char="•"/>
+            </a:pPr>
+            <a:r>
+              <a:rPr lang="en-US" b="0" dirty="0"/>
+              <a:t>how to access/expand a widget</a:t>
+            </a:r>
+          </a:p>
+          <a:p>
+            <a:pPr marL="628650" lvl="1" indent="-171450">
+              <a:buFont typeface="Arial" panose="020B0604020202020204" pitchFamily="34" charset="0"/>
+              <a:buChar char="•"/>
+            </a:pPr>
+            <a:r>
+              <a:rPr lang="en-US" b="0" dirty="0"/>
+              <a:t>conflict with existing common user key shortcuts</a:t>
+            </a:r>
+          </a:p>
+          <a:p>
+            <a:pPr marL="171450" indent="-171450">
+              <a:buFont typeface="Arial" panose="020B0604020202020204" pitchFamily="34" charset="0"/>
+              <a:buChar char="•"/>
+            </a:pPr>
+            <a:r>
+              <a:rPr lang="en-US" b="0" dirty="0"/>
+              <a:t>Information</a:t>
+            </a:r>
+          </a:p>
+          <a:p>
+            <a:pPr marL="628650" lvl="1" indent="-171450">
+              <a:buFont typeface="Arial" panose="020B0604020202020204" pitchFamily="34" charset="0"/>
+              <a:buChar char="•"/>
+            </a:pPr>
+            <a:r>
+              <a:rPr lang="en-US" b="0" dirty="0"/>
+              <a:t>Not just using color</a:t>
+            </a:r>
+          </a:p>
+          <a:p>
+            <a:pPr marL="628650" lvl="1" indent="-171450">
+              <a:buFont typeface="Arial" panose="020B0604020202020204" pitchFamily="34" charset="0"/>
+              <a:buChar char="•"/>
+            </a:pPr>
+            <a:r>
+              <a:rPr lang="en-US" b="0" dirty="0"/>
+              <a:t>Accessible labeling</a:t>
+            </a:r>
+          </a:p>
+          <a:p>
+            <a:pPr marL="628650" lvl="1" indent="-171450">
+              <a:buFont typeface="Arial" panose="020B0604020202020204" pitchFamily="34" charset="0"/>
+              <a:buChar char="•"/>
+            </a:pPr>
+            <a:r>
+              <a:rPr lang="en-US" b="0" dirty="0"/>
+              <a:t>Proper color contrast</a:t>
+            </a:r>
+          </a:p>
+          <a:p>
+            <a:pPr marL="628650" lvl="1" indent="-171450">
+              <a:buFont typeface="Arial" panose="020B0604020202020204" pitchFamily="34" charset="0"/>
+              <a:buChar char="•"/>
+            </a:pPr>
+            <a:r>
+              <a:rPr lang="en-US" b="0" dirty="0"/>
+              <a:t>CSS images not the only way of conveying information</a:t>
             </a:r>
           </a:p>
         </p:txBody>
@@ -1654,7 +1735,7 @@
           <a:p>
             <a:fld id="{DD82C05A-7A07-4286-AA18-B883C0AF9A3B}" type="slidenum">
               <a:rPr lang="en-US" smtClean="0"/>
-              <a:t>6</a:t>
+              <a:t>5</a:t>
             </a:fld>
             <a:endParaRPr lang="en-US" dirty="0"/>
           </a:p>
@@ -1663,7 +1744,7 @@
     </p:spTree>
     <p:extLst>
       <p:ext uri="{BB962C8B-B14F-4D97-AF65-F5344CB8AC3E}">
-        <p14:creationId xmlns:p14="http://schemas.microsoft.com/office/powerpoint/2010/main" val="2134996900"/>
+        <p14:creationId xmlns:p14="http://schemas.microsoft.com/office/powerpoint/2010/main" val="2781781227"/>
       </p:ext>
     </p:extLst>
   </p:cSld>
@@ -1717,284 +1798,9 @@
           <a:bodyPr/>
           <a:lstStyle/>
           <a:p>
-            <a:pPr marL="228600" indent="-228600">
-              <a:buFont typeface="+mj-lt"/>
-              <a:buAutoNum type="arabicPeriod"/>
-            </a:pPr>
             <a:r>
               <a:rPr lang="en-US" dirty="0"/>
-              <a:t>Header</a:t>
-            </a:r>
-          </a:p>
-          <a:p>
-            <a:pPr marL="685800" lvl="1" indent="-228600">
-              <a:buFont typeface="+mj-lt"/>
-              <a:buAutoNum type="arabicPeriod"/>
-            </a:pPr>
-            <a:r>
-              <a:rPr lang="en-US" dirty="0"/>
-              <a:t>Nav: aria-label=“Main”</a:t>
-            </a:r>
-          </a:p>
-          <a:p>
-            <a:pPr marL="228600" lvl="0" indent="-228600">
-              <a:buFont typeface="+mj-lt"/>
-              <a:buAutoNum type="arabicPeriod"/>
-            </a:pPr>
-            <a:r>
-              <a:rPr lang="en-US" dirty="0"/>
-              <a:t>Nav: aria-label=“Breadcrumbs”</a:t>
-            </a:r>
-          </a:p>
-          <a:p>
-            <a:pPr marL="228600" lvl="0" indent="-228600">
-              <a:buFont typeface="+mj-lt"/>
-              <a:buAutoNum type="arabicPeriod"/>
-            </a:pPr>
-            <a:r>
-              <a:rPr lang="en-US" dirty="0"/>
-              <a:t>Main</a:t>
-            </a:r>
-          </a:p>
-          <a:p>
-            <a:pPr marL="685800" lvl="1" indent="-228600">
-              <a:buFont typeface="+mj-lt"/>
-              <a:buAutoNum type="arabicPeriod"/>
-            </a:pPr>
-            <a:r>
-              <a:rPr lang="en-US" dirty="0"/>
-              <a:t>H1</a:t>
-            </a:r>
-          </a:p>
-          <a:p>
-            <a:pPr marL="1143000" lvl="2" indent="-228600">
-              <a:buFont typeface="+mj-lt"/>
-              <a:buAutoNum type="arabicPeriod"/>
-            </a:pPr>
-            <a:r>
-              <a:rPr lang="en-US" dirty="0"/>
-              <a:t>H2</a:t>
-            </a:r>
-          </a:p>
-          <a:p>
-            <a:pPr marL="1600200" lvl="3" indent="-228600">
-              <a:buFont typeface="+mj-lt"/>
-              <a:buAutoNum type="arabicPeriod"/>
-            </a:pPr>
-            <a:r>
-              <a:rPr lang="en-US" dirty="0"/>
-              <a:t>Button with an aria-expanded attribute</a:t>
-            </a:r>
-          </a:p>
-          <a:p>
-            <a:pPr marL="1143000" marR="0" lvl="2" indent="-228600" algn="l" defTabSz="914400" rtl="0" eaLnBrk="1" fontAlgn="auto" latinLnBrk="0" hangingPunct="1">
-              <a:lnSpc>
-                <a:spcPct val="100000"/>
-              </a:lnSpc>
-              <a:spcBef>
-                <a:spcPts val="0"/>
-              </a:spcBef>
-              <a:spcAft>
-                <a:spcPts val="0"/>
-              </a:spcAft>
-              <a:buClrTx/>
-              <a:buSzTx/>
-              <a:buFont typeface="+mj-lt"/>
-              <a:buAutoNum type="arabicPeriod"/>
-              <a:tabLst/>
-              <a:defRPr/>
-            </a:pPr>
-            <a:r>
-              <a:rPr lang="en-US" dirty="0"/>
-              <a:t>H2</a:t>
-            </a:r>
-          </a:p>
-          <a:p>
-            <a:pPr marL="1600200" marR="0" lvl="3" indent="-228600" algn="l" defTabSz="914400" rtl="0" eaLnBrk="1" fontAlgn="auto" latinLnBrk="0" hangingPunct="1">
-              <a:lnSpc>
-                <a:spcPct val="100000"/>
-              </a:lnSpc>
-              <a:spcBef>
-                <a:spcPts val="0"/>
-              </a:spcBef>
-              <a:spcAft>
-                <a:spcPts val="0"/>
-              </a:spcAft>
-              <a:buClrTx/>
-              <a:buSzTx/>
-              <a:buFont typeface="+mj-lt"/>
-              <a:buAutoNum type="arabicPeriod"/>
-              <a:tabLst/>
-              <a:defRPr/>
-            </a:pPr>
-            <a:r>
-              <a:rPr lang="en-US" dirty="0"/>
-              <a:t>Button with an aria-expanded attribute</a:t>
-            </a:r>
-          </a:p>
-          <a:p>
-            <a:pPr marL="1143000" marR="0" lvl="2" indent="-228600" algn="l" defTabSz="914400" rtl="0" eaLnBrk="1" fontAlgn="auto" latinLnBrk="0" hangingPunct="1">
-              <a:lnSpc>
-                <a:spcPct val="100000"/>
-              </a:lnSpc>
-              <a:spcBef>
-                <a:spcPts val="0"/>
-              </a:spcBef>
-              <a:spcAft>
-                <a:spcPts val="0"/>
-              </a:spcAft>
-              <a:buClrTx/>
-              <a:buSzTx/>
-              <a:buFont typeface="+mj-lt"/>
-              <a:buAutoNum type="arabicPeriod"/>
-              <a:tabLst/>
-              <a:defRPr/>
-            </a:pPr>
-            <a:r>
-              <a:rPr lang="en-US" dirty="0"/>
-              <a:t>H2</a:t>
-            </a:r>
-          </a:p>
-          <a:p>
-            <a:pPr marL="1600200" marR="0" lvl="3" indent="-228600" algn="l" defTabSz="914400" rtl="0" eaLnBrk="1" fontAlgn="auto" latinLnBrk="0" hangingPunct="1">
-              <a:lnSpc>
-                <a:spcPct val="100000"/>
-              </a:lnSpc>
-              <a:spcBef>
-                <a:spcPts val="0"/>
-              </a:spcBef>
-              <a:spcAft>
-                <a:spcPts val="0"/>
-              </a:spcAft>
-              <a:buClrTx/>
-              <a:buSzTx/>
-              <a:buFont typeface="+mj-lt"/>
-              <a:buAutoNum type="arabicPeriod"/>
-              <a:tabLst/>
-              <a:defRPr/>
-            </a:pPr>
-            <a:r>
-              <a:rPr lang="en-US" dirty="0"/>
-              <a:t>Button with an aria-expanded attribute</a:t>
-            </a:r>
-          </a:p>
-          <a:p>
-            <a:pPr marL="1143000" marR="0" lvl="2" indent="-228600" algn="l" defTabSz="914400" rtl="0" eaLnBrk="1" fontAlgn="auto" latinLnBrk="0" hangingPunct="1">
-              <a:lnSpc>
-                <a:spcPct val="100000"/>
-              </a:lnSpc>
-              <a:spcBef>
-                <a:spcPts val="0"/>
-              </a:spcBef>
-              <a:spcAft>
-                <a:spcPts val="0"/>
-              </a:spcAft>
-              <a:buClrTx/>
-              <a:buSzTx/>
-              <a:buFont typeface="+mj-lt"/>
-              <a:buAutoNum type="arabicPeriod"/>
-              <a:tabLst/>
-              <a:defRPr/>
-            </a:pPr>
-            <a:r>
-              <a:rPr lang="en-US" dirty="0"/>
-              <a:t>H2</a:t>
-            </a:r>
-          </a:p>
-          <a:p>
-            <a:pPr marL="1600200" marR="0" lvl="3" indent="-228600" algn="l" defTabSz="914400" rtl="0" eaLnBrk="1" fontAlgn="auto" latinLnBrk="0" hangingPunct="1">
-              <a:lnSpc>
-                <a:spcPct val="100000"/>
-              </a:lnSpc>
-              <a:spcBef>
-                <a:spcPts val="0"/>
-              </a:spcBef>
-              <a:spcAft>
-                <a:spcPts val="0"/>
-              </a:spcAft>
-              <a:buClrTx/>
-              <a:buSzTx/>
-              <a:buFont typeface="+mj-lt"/>
-              <a:buAutoNum type="arabicPeriod"/>
-              <a:tabLst/>
-              <a:defRPr/>
-            </a:pPr>
-            <a:r>
-              <a:rPr lang="en-US" dirty="0"/>
-              <a:t>Button with an aria-expanded attribute</a:t>
-            </a:r>
-          </a:p>
-          <a:p>
-            <a:pPr marL="1143000" lvl="2" indent="-228600">
-              <a:buFont typeface="+mj-lt"/>
-              <a:buAutoNum type="arabicPeriod"/>
-            </a:pPr>
-            <a:r>
-              <a:rPr lang="en-US" dirty="0"/>
-              <a:t>H2</a:t>
-            </a:r>
-          </a:p>
-          <a:p>
-            <a:pPr marL="1600200" lvl="3" indent="-228600">
-              <a:buFont typeface="+mj-lt"/>
-              <a:buAutoNum type="arabicPeriod"/>
-            </a:pPr>
-            <a:r>
-              <a:rPr lang="en-US" dirty="0"/>
-              <a:t>Button with an aria-expanded attribute</a:t>
-            </a:r>
-          </a:p>
-          <a:p>
-            <a:pPr marL="1143000" lvl="2" indent="-228600">
-              <a:buFont typeface="+mj-lt"/>
-              <a:buAutoNum type="arabicPeriod"/>
-            </a:pPr>
-            <a:r>
-              <a:rPr lang="en-US" dirty="0"/>
-              <a:t>H2</a:t>
-            </a:r>
-          </a:p>
-          <a:p>
-            <a:pPr marL="1600200" lvl="3" indent="-228600">
-              <a:buFont typeface="+mj-lt"/>
-              <a:buAutoNum type="arabicPeriod"/>
-            </a:pPr>
-            <a:r>
-              <a:rPr lang="en-US" dirty="0"/>
-              <a:t>Button with an aria-expanded attribute</a:t>
-            </a:r>
-          </a:p>
-          <a:p>
-            <a:pPr marL="228600" lvl="0" indent="-228600">
-              <a:buFont typeface="+mj-lt"/>
-              <a:buAutoNum type="arabicPeriod"/>
-            </a:pPr>
-            <a:r>
-              <a:rPr lang="en-US" dirty="0"/>
-              <a:t>Footer</a:t>
-            </a:r>
-          </a:p>
-          <a:p>
-            <a:pPr marL="685800" marR="0" lvl="1" indent="-228600" algn="l" defTabSz="914400" rtl="0" eaLnBrk="1" fontAlgn="auto" latinLnBrk="0" hangingPunct="1">
-              <a:lnSpc>
-                <a:spcPct val="100000"/>
-              </a:lnSpc>
-              <a:spcBef>
-                <a:spcPts val="0"/>
-              </a:spcBef>
-              <a:spcAft>
-                <a:spcPts val="0"/>
-              </a:spcAft>
-              <a:buClrTx/>
-              <a:buSzTx/>
-              <a:buFont typeface="+mj-lt"/>
-              <a:buAutoNum type="arabicPeriod"/>
-              <a:tabLst/>
-              <a:defRPr/>
-            </a:pPr>
-            <a:r>
-              <a:rPr lang="en-US" dirty="0"/>
-              <a:t>Nav: aria-label=“Social Media”</a:t>
+              <a:t>Https://corgidev.com/a11y.html</a:t>
             </a:r>
           </a:p>
         </p:txBody>
@@ -2016,7 +1822,7 @@
           <a:p>
             <a:fld id="{DD82C05A-7A07-4286-AA18-B883C0AF9A3B}" type="slidenum">
               <a:rPr lang="en-US" smtClean="0"/>
-              <a:t>7</a:t>
+              <a:t>6</a:t>
             </a:fld>
             <a:endParaRPr lang="en-US" dirty="0"/>
           </a:p>
@@ -2025,7 +1831,7 @@
     </p:spTree>
     <p:extLst>
       <p:ext uri="{BB962C8B-B14F-4D97-AF65-F5344CB8AC3E}">
-        <p14:creationId xmlns:p14="http://schemas.microsoft.com/office/powerpoint/2010/main" val="2521631742"/>
+        <p14:creationId xmlns:p14="http://schemas.microsoft.com/office/powerpoint/2010/main" val="2134996900"/>
       </p:ext>
     </p:extLst>
   </p:cSld>
@@ -2079,9 +1885,284 @@
           <a:bodyPr/>
           <a:lstStyle/>
           <a:p>
+            <a:pPr marL="228600" indent="-228600">
+              <a:buFont typeface="+mj-lt"/>
+              <a:buAutoNum type="arabicPeriod"/>
+            </a:pPr>
             <a:r>
               <a:rPr lang="en-US" dirty="0"/>
-              <a:t>Azure Vision Studio - https://portal.vision.cognitive.azure.com/demo/image-captioning</a:t>
+              <a:t>Header</a:t>
+            </a:r>
+          </a:p>
+          <a:p>
+            <a:pPr marL="685800" lvl="1" indent="-228600">
+              <a:buFont typeface="+mj-lt"/>
+              <a:buAutoNum type="arabicPeriod"/>
+            </a:pPr>
+            <a:r>
+              <a:rPr lang="en-US" dirty="0"/>
+              <a:t>Nav: aria-label=“Main”</a:t>
+            </a:r>
+          </a:p>
+          <a:p>
+            <a:pPr marL="228600" lvl="0" indent="-228600">
+              <a:buFont typeface="+mj-lt"/>
+              <a:buAutoNum type="arabicPeriod"/>
+            </a:pPr>
+            <a:r>
+              <a:rPr lang="en-US" dirty="0"/>
+              <a:t>Nav: aria-label=“Breadcrumbs”</a:t>
+            </a:r>
+          </a:p>
+          <a:p>
+            <a:pPr marL="228600" lvl="0" indent="-228600">
+              <a:buFont typeface="+mj-lt"/>
+              <a:buAutoNum type="arabicPeriod"/>
+            </a:pPr>
+            <a:r>
+              <a:rPr lang="en-US" dirty="0"/>
+              <a:t>Main</a:t>
+            </a:r>
+          </a:p>
+          <a:p>
+            <a:pPr marL="685800" lvl="1" indent="-228600">
+              <a:buFont typeface="+mj-lt"/>
+              <a:buAutoNum type="arabicPeriod"/>
+            </a:pPr>
+            <a:r>
+              <a:rPr lang="en-US" dirty="0"/>
+              <a:t>H1</a:t>
+            </a:r>
+          </a:p>
+          <a:p>
+            <a:pPr marL="1143000" lvl="2" indent="-228600">
+              <a:buFont typeface="+mj-lt"/>
+              <a:buAutoNum type="arabicPeriod"/>
+            </a:pPr>
+            <a:r>
+              <a:rPr lang="en-US" dirty="0"/>
+              <a:t>H2</a:t>
+            </a:r>
+          </a:p>
+          <a:p>
+            <a:pPr marL="1600200" lvl="3" indent="-228600">
+              <a:buFont typeface="+mj-lt"/>
+              <a:buAutoNum type="arabicPeriod"/>
+            </a:pPr>
+            <a:r>
+              <a:rPr lang="en-US" dirty="0"/>
+              <a:t>Button with an aria-expanded attribute</a:t>
+            </a:r>
+          </a:p>
+          <a:p>
+            <a:pPr marL="1143000" marR="0" lvl="2" indent="-228600" algn="l" defTabSz="914400" rtl="0" eaLnBrk="1" fontAlgn="auto" latinLnBrk="0" hangingPunct="1">
+              <a:lnSpc>
+                <a:spcPct val="100000"/>
+              </a:lnSpc>
+              <a:spcBef>
+                <a:spcPts val="0"/>
+              </a:spcBef>
+              <a:spcAft>
+                <a:spcPts val="0"/>
+              </a:spcAft>
+              <a:buClrTx/>
+              <a:buSzTx/>
+              <a:buFont typeface="+mj-lt"/>
+              <a:buAutoNum type="arabicPeriod"/>
+              <a:tabLst/>
+              <a:defRPr/>
+            </a:pPr>
+            <a:r>
+              <a:rPr lang="en-US" dirty="0"/>
+              <a:t>H2</a:t>
+            </a:r>
+          </a:p>
+          <a:p>
+            <a:pPr marL="1600200" marR="0" lvl="3" indent="-228600" algn="l" defTabSz="914400" rtl="0" eaLnBrk="1" fontAlgn="auto" latinLnBrk="0" hangingPunct="1">
+              <a:lnSpc>
+                <a:spcPct val="100000"/>
+              </a:lnSpc>
+              <a:spcBef>
+                <a:spcPts val="0"/>
+              </a:spcBef>
+              <a:spcAft>
+                <a:spcPts val="0"/>
+              </a:spcAft>
+              <a:buClrTx/>
+              <a:buSzTx/>
+              <a:buFont typeface="+mj-lt"/>
+              <a:buAutoNum type="arabicPeriod"/>
+              <a:tabLst/>
+              <a:defRPr/>
+            </a:pPr>
+            <a:r>
+              <a:rPr lang="en-US" dirty="0"/>
+              <a:t>Button with an aria-expanded attribute</a:t>
+            </a:r>
+          </a:p>
+          <a:p>
+            <a:pPr marL="1143000" marR="0" lvl="2" indent="-228600" algn="l" defTabSz="914400" rtl="0" eaLnBrk="1" fontAlgn="auto" latinLnBrk="0" hangingPunct="1">
+              <a:lnSpc>
+                <a:spcPct val="100000"/>
+              </a:lnSpc>
+              <a:spcBef>
+                <a:spcPts val="0"/>
+              </a:spcBef>
+              <a:spcAft>
+                <a:spcPts val="0"/>
+              </a:spcAft>
+              <a:buClrTx/>
+              <a:buSzTx/>
+              <a:buFont typeface="+mj-lt"/>
+              <a:buAutoNum type="arabicPeriod"/>
+              <a:tabLst/>
+              <a:defRPr/>
+            </a:pPr>
+            <a:r>
+              <a:rPr lang="en-US" dirty="0"/>
+              <a:t>H2</a:t>
+            </a:r>
+          </a:p>
+          <a:p>
+            <a:pPr marL="1600200" marR="0" lvl="3" indent="-228600" algn="l" defTabSz="914400" rtl="0" eaLnBrk="1" fontAlgn="auto" latinLnBrk="0" hangingPunct="1">
+              <a:lnSpc>
+                <a:spcPct val="100000"/>
+              </a:lnSpc>
+              <a:spcBef>
+                <a:spcPts val="0"/>
+              </a:spcBef>
+              <a:spcAft>
+                <a:spcPts val="0"/>
+              </a:spcAft>
+              <a:buClrTx/>
+              <a:buSzTx/>
+              <a:buFont typeface="+mj-lt"/>
+              <a:buAutoNum type="arabicPeriod"/>
+              <a:tabLst/>
+              <a:defRPr/>
+            </a:pPr>
+            <a:r>
+              <a:rPr lang="en-US" dirty="0"/>
+              <a:t>Button with an aria-expanded attribute</a:t>
+            </a:r>
+          </a:p>
+          <a:p>
+            <a:pPr marL="1143000" marR="0" lvl="2" indent="-228600" algn="l" defTabSz="914400" rtl="0" eaLnBrk="1" fontAlgn="auto" latinLnBrk="0" hangingPunct="1">
+              <a:lnSpc>
+                <a:spcPct val="100000"/>
+              </a:lnSpc>
+              <a:spcBef>
+                <a:spcPts val="0"/>
+              </a:spcBef>
+              <a:spcAft>
+                <a:spcPts val="0"/>
+              </a:spcAft>
+              <a:buClrTx/>
+              <a:buSzTx/>
+              <a:buFont typeface="+mj-lt"/>
+              <a:buAutoNum type="arabicPeriod"/>
+              <a:tabLst/>
+              <a:defRPr/>
+            </a:pPr>
+            <a:r>
+              <a:rPr lang="en-US" dirty="0"/>
+              <a:t>H2</a:t>
+            </a:r>
+          </a:p>
+          <a:p>
+            <a:pPr marL="1600200" marR="0" lvl="3" indent="-228600" algn="l" defTabSz="914400" rtl="0" eaLnBrk="1" fontAlgn="auto" latinLnBrk="0" hangingPunct="1">
+              <a:lnSpc>
+                <a:spcPct val="100000"/>
+              </a:lnSpc>
+              <a:spcBef>
+                <a:spcPts val="0"/>
+              </a:spcBef>
+              <a:spcAft>
+                <a:spcPts val="0"/>
+              </a:spcAft>
+              <a:buClrTx/>
+              <a:buSzTx/>
+              <a:buFont typeface="+mj-lt"/>
+              <a:buAutoNum type="arabicPeriod"/>
+              <a:tabLst/>
+              <a:defRPr/>
+            </a:pPr>
+            <a:r>
+              <a:rPr lang="en-US" dirty="0"/>
+              <a:t>Button with an aria-expanded attribute</a:t>
+            </a:r>
+          </a:p>
+          <a:p>
+            <a:pPr marL="1143000" lvl="2" indent="-228600">
+              <a:buFont typeface="+mj-lt"/>
+              <a:buAutoNum type="arabicPeriod"/>
+            </a:pPr>
+            <a:r>
+              <a:rPr lang="en-US" dirty="0"/>
+              <a:t>H2</a:t>
+            </a:r>
+          </a:p>
+          <a:p>
+            <a:pPr marL="1600200" lvl="3" indent="-228600">
+              <a:buFont typeface="+mj-lt"/>
+              <a:buAutoNum type="arabicPeriod"/>
+            </a:pPr>
+            <a:r>
+              <a:rPr lang="en-US" dirty="0"/>
+              <a:t>Button with an aria-expanded attribute</a:t>
+            </a:r>
+          </a:p>
+          <a:p>
+            <a:pPr marL="1143000" lvl="2" indent="-228600">
+              <a:buFont typeface="+mj-lt"/>
+              <a:buAutoNum type="arabicPeriod"/>
+            </a:pPr>
+            <a:r>
+              <a:rPr lang="en-US" dirty="0"/>
+              <a:t>H2</a:t>
+            </a:r>
+          </a:p>
+          <a:p>
+            <a:pPr marL="1600200" lvl="3" indent="-228600">
+              <a:buFont typeface="+mj-lt"/>
+              <a:buAutoNum type="arabicPeriod"/>
+            </a:pPr>
+            <a:r>
+              <a:rPr lang="en-US" dirty="0"/>
+              <a:t>Button with an aria-expanded attribute</a:t>
+            </a:r>
+          </a:p>
+          <a:p>
+            <a:pPr marL="228600" lvl="0" indent="-228600">
+              <a:buFont typeface="+mj-lt"/>
+              <a:buAutoNum type="arabicPeriod"/>
+            </a:pPr>
+            <a:r>
+              <a:rPr lang="en-US" dirty="0"/>
+              <a:t>Footer</a:t>
+            </a:r>
+          </a:p>
+          <a:p>
+            <a:pPr marL="685800" marR="0" lvl="1" indent="-228600" algn="l" defTabSz="914400" rtl="0" eaLnBrk="1" fontAlgn="auto" latinLnBrk="0" hangingPunct="1">
+              <a:lnSpc>
+                <a:spcPct val="100000"/>
+              </a:lnSpc>
+              <a:spcBef>
+                <a:spcPts val="0"/>
+              </a:spcBef>
+              <a:spcAft>
+                <a:spcPts val="0"/>
+              </a:spcAft>
+              <a:buClrTx/>
+              <a:buSzTx/>
+              <a:buFont typeface="+mj-lt"/>
+              <a:buAutoNum type="arabicPeriod"/>
+              <a:tabLst/>
+              <a:defRPr/>
+            </a:pPr>
+            <a:r>
+              <a:rPr lang="en-US" dirty="0"/>
+              <a:t>Nav: aria-label=“Social Media”</a:t>
             </a:r>
           </a:p>
         </p:txBody>
@@ -2103,7 +2184,7 @@
           <a:p>
             <a:fld id="{DD82C05A-7A07-4286-AA18-B883C0AF9A3B}" type="slidenum">
               <a:rPr lang="en-US" smtClean="0"/>
-              <a:t>8</a:t>
+              <a:t>7</a:t>
             </a:fld>
             <a:endParaRPr lang="en-US" dirty="0"/>
           </a:p>
@@ -2112,7 +2193,7 @@
     </p:spTree>
     <p:extLst>
       <p:ext uri="{BB962C8B-B14F-4D97-AF65-F5344CB8AC3E}">
-        <p14:creationId xmlns:p14="http://schemas.microsoft.com/office/powerpoint/2010/main" val="2107896696"/>
+        <p14:creationId xmlns:p14="http://schemas.microsoft.com/office/powerpoint/2010/main" val="2521631742"/>
       </p:ext>
     </p:extLst>
   </p:cSld>
@@ -2166,7 +2247,10 @@
           <a:bodyPr/>
           <a:lstStyle/>
           <a:p>
-            <a:endParaRPr lang="en-US" dirty="0"/>
+            <a:r>
+              <a:rPr lang="en-US" dirty="0"/>
+              <a:t>Azure Vision Studio - https://portal.vision.cognitive.azure.com/demo/image-captioning</a:t>
+            </a:r>
           </a:p>
         </p:txBody>
       </p:sp>
@@ -2187,7 +2271,7 @@
           <a:p>
             <a:fld id="{DD82C05A-7A07-4286-AA18-B883C0AF9A3B}" type="slidenum">
               <a:rPr lang="en-US" smtClean="0"/>
-              <a:t>9</a:t>
+              <a:t>8</a:t>
             </a:fld>
             <a:endParaRPr lang="en-US" dirty="0"/>
           </a:p>
@@ -2196,7 +2280,7 @@
     </p:spTree>
     <p:extLst>
       <p:ext uri="{BB962C8B-B14F-4D97-AF65-F5344CB8AC3E}">
-        <p14:creationId xmlns:p14="http://schemas.microsoft.com/office/powerpoint/2010/main" val="3221064947"/>
+        <p14:creationId xmlns:p14="http://schemas.microsoft.com/office/powerpoint/2010/main" val="2107896696"/>
       </p:ext>
     </p:extLst>
   </p:cSld>
@@ -2271,7 +2355,7 @@
           <a:p>
             <a:fld id="{DD82C05A-7A07-4286-AA18-B883C0AF9A3B}" type="slidenum">
               <a:rPr lang="en-US" smtClean="0"/>
-              <a:t>10</a:t>
+              <a:t>9</a:t>
             </a:fld>
             <a:endParaRPr lang="en-US" dirty="0"/>
           </a:p>
@@ -2280,7 +2364,7 @@
     </p:spTree>
     <p:extLst>
       <p:ext uri="{BB962C8B-B14F-4D97-AF65-F5344CB8AC3E}">
-        <p14:creationId xmlns:p14="http://schemas.microsoft.com/office/powerpoint/2010/main" val="1266515495"/>
+        <p14:creationId xmlns:p14="http://schemas.microsoft.com/office/powerpoint/2010/main" val="3221064947"/>
       </p:ext>
     </p:extLst>
   </p:cSld>
@@ -4873,7 +4957,7 @@
           <a:p>
             <a:fld id="{D40CD771-3B55-4F71-A412-F2B875D7B621}" type="datetime1">
               <a:rPr lang="en-US" smtClean="0"/>
-              <a:t>3/26/2024</a:t>
+              <a:t>3/27/2024</a:t>
             </a:fld>
             <a:endParaRPr lang="en-US" dirty="0"/>
           </a:p>
@@ -5444,7 +5528,7 @@
           <a:p>
             <a:fld id="{DD565FA3-C3AD-4028-B5DD-84D9CECFBB89}" type="datetime1">
               <a:rPr lang="en-US" smtClean="0"/>
-              <a:t>3/26/2024</a:t>
+              <a:t>3/27/2024</a:t>
             </a:fld>
             <a:endParaRPr lang="en-US" dirty="0"/>
           </a:p>
@@ -6479,7 +6563,7 @@
           <a:p>
             <a:fld id="{3BD4ADB0-2200-4ADA-8C14-3FC7CEFC81F7}" type="datetime1">
               <a:rPr lang="en-US" smtClean="0"/>
-              <a:t>3/26/2024</a:t>
+              <a:t>3/27/2024</a:t>
             </a:fld>
             <a:endParaRPr lang="en-US" dirty="0"/>
           </a:p>
@@ -7365,7 +7449,7 @@
           <a:p>
             <a:fld id="{3CD0E6B3-1484-43A7-852A-7CEAE8B79EC0}" type="datetime1">
               <a:rPr lang="en-US" smtClean="0"/>
-              <a:t>3/26/2024</a:t>
+              <a:t>3/27/2024</a:t>
             </a:fld>
             <a:endParaRPr lang="en-US" dirty="0"/>
           </a:p>
@@ -8683,7 +8767,7 @@
           <a:p>
             <a:fld id="{2BEFEC11-A4AD-4C89-8ACD-8FF27A79E89E}" type="datetime1">
               <a:rPr lang="en-US" smtClean="0"/>
-              <a:t>3/26/2024</a:t>
+              <a:t>3/27/2024</a:t>
             </a:fld>
             <a:endParaRPr lang="en-US" dirty="0"/>
           </a:p>
@@ -10399,7 +10483,7 @@
           <a:p>
             <a:fld id="{3135798D-CCB3-4270-966B-D99874338BAB}" type="datetime1">
               <a:rPr lang="en-US" smtClean="0"/>
-              <a:t>3/26/2024</a:t>
+              <a:t>3/27/2024</a:t>
             </a:fld>
             <a:endParaRPr lang="en-US" dirty="0"/>
           </a:p>
@@ -12120,7 +12204,7 @@
           <a:p>
             <a:fld id="{D2A641F7-70A7-4C80-8B54-47DC93A76399}" type="datetime1">
               <a:rPr lang="en-US" smtClean="0"/>
-              <a:t>3/26/2024</a:t>
+              <a:t>3/27/2024</a:t>
             </a:fld>
             <a:endParaRPr lang="en-US" dirty="0"/>
           </a:p>
@@ -12536,7 +12620,7 @@
           <a:p>
             <a:fld id="{1FFC9F40-B774-4ADF-976D-7826EBFC23FC}" type="datetime1">
               <a:rPr lang="en-US" smtClean="0"/>
-              <a:t>3/26/2024</a:t>
+              <a:t>3/27/2024</a:t>
             </a:fld>
             <a:endParaRPr lang="en-US" dirty="0"/>
           </a:p>
@@ -14420,7 +14504,7 @@
           <a:p>
             <a:fld id="{1EA8AE22-5AA9-4E68-B910-53534A46D111}" type="datetime1">
               <a:rPr lang="en-US" smtClean="0"/>
-              <a:t>3/26/2024</a:t>
+              <a:t>3/27/2024</a:t>
             </a:fld>
             <a:endParaRPr lang="en-US" dirty="0"/>
           </a:p>
@@ -15405,7 +15489,7 @@
           <a:p>
             <a:fld id="{F342984A-CABF-4466-A44F-F97A782DF502}" type="datetime1">
               <a:rPr lang="en-US" smtClean="0"/>
-              <a:t>3/26/2024</a:t>
+              <a:t>3/27/2024</a:t>
             </a:fld>
             <a:endParaRPr lang="en-US" dirty="0"/>
           </a:p>
@@ -16377,7 +16461,7 @@
           <a:p>
             <a:fld id="{8D28DA4F-55EE-4774-AFC6-2F73931F16BE}" type="datetime1">
               <a:rPr lang="en-US" smtClean="0"/>
-              <a:t>3/26/2024</a:t>
+              <a:t>3/27/2024</a:t>
             </a:fld>
             <a:endParaRPr lang="en-US" dirty="0"/>
           </a:p>
@@ -17591,7 +17675,7 @@
           <a:p>
             <a:fld id="{49BF4A40-B160-41AB-BD66-51E4EFBE2604}" type="datetime1">
               <a:rPr lang="en-US" smtClean="0"/>
-              <a:t>3/26/2024</a:t>
+              <a:t>3/27/2024</a:t>
             </a:fld>
             <a:endParaRPr lang="en-US" dirty="0"/>
           </a:p>
@@ -18911,7 +18995,7 @@
           <a:p>
             <a:fld id="{A2D678BB-696D-42DB-BEC8-FB9987E03170}" type="datetime1">
               <a:rPr lang="en-US" smtClean="0"/>
-              <a:t>3/26/2024</a:t>
+              <a:t>3/27/2024</a:t>
             </a:fld>
             <a:endParaRPr lang="en-US" dirty="0"/>
           </a:p>
@@ -21290,7 +21374,7 @@
           <a:p>
             <a:fld id="{1162C2D5-1148-46A1-BEF2-DD9C492A8B49}" type="datetime1">
               <a:rPr lang="en-US" smtClean="0"/>
-              <a:t>3/26/2024</a:t>
+              <a:t>3/27/2024</a:t>
             </a:fld>
             <a:endParaRPr lang="en-US" dirty="0"/>
           </a:p>
@@ -23711,7 +23795,7 @@
           <a:p>
             <a:fld id="{965B5B8E-CEE3-4EB8-9D7E-B72C8551397A}" type="datetime1">
               <a:rPr lang="en-US" smtClean="0"/>
-              <a:t>3/26/2024</a:t>
+              <a:t>3/27/2024</a:t>
             </a:fld>
             <a:endParaRPr lang="en-US" dirty="0"/>
           </a:p>
@@ -25396,7 +25480,7 @@
           <a:p>
             <a:fld id="{76A4DFCB-51DE-424A-8B5B-467EFB151E38}" type="datetime1">
               <a:rPr lang="en-US" smtClean="0"/>
-              <a:t>3/26/2024</a:t>
+              <a:t>3/27/2024</a:t>
             </a:fld>
             <a:endParaRPr lang="en-US" dirty="0"/>
           </a:p>
@@ -25646,7 +25730,7 @@
           <a:p>
             <a:fld id="{CE7CABBA-7921-40BC-AA51-20F01765FD57}" type="datetime1">
               <a:rPr lang="en-US" smtClean="0"/>
-              <a:t>3/26/2024</a:t>
+              <a:t>3/27/2024</a:t>
             </a:fld>
             <a:endParaRPr lang="en-US" dirty="0"/>
           </a:p>
@@ -26243,6 +26327,1501 @@
 </file>
 
 <file path=ppt/slides/slide10.xml><?xml version="1.0" encoding="utf-8"?>
+<p:sld xmlns:a="http://schemas.openxmlformats.org/drawingml/2006/main" xmlns:r="http://schemas.openxmlformats.org/officeDocument/2006/relationships" xmlns:p="http://schemas.openxmlformats.org/presentationml/2006/main">
+  <p:cSld>
+    <p:spTree>
+      <p:nvGrpSpPr>
+        <p:cNvPr id="1" name=""/>
+        <p:cNvGrpSpPr/>
+        <p:nvPr/>
+      </p:nvGrpSpPr>
+      <p:grpSpPr>
+        <a:xfrm>
+          <a:off x="0" y="0"/>
+          <a:ext cx="0" cy="0"/>
+          <a:chOff x="0" y="0"/>
+          <a:chExt cx="0" cy="0"/>
+        </a:xfrm>
+      </p:grpSpPr>
+      <p:sp>
+        <p:nvSpPr>
+          <p:cNvPr id="2" name="Title 1">
+            <a:extLst>
+              <a:ext uri="{FF2B5EF4-FFF2-40B4-BE49-F238E27FC236}">
+                <a16:creationId xmlns:a16="http://schemas.microsoft.com/office/drawing/2014/main" id="{65D21D35-735C-5EA0-F614-043B77C30B75}"/>
+              </a:ext>
+            </a:extLst>
+          </p:cNvPr>
+          <p:cNvSpPr>
+            <a:spLocks noGrp="1"/>
+          </p:cNvSpPr>
+          <p:nvPr>
+            <p:ph type="title"/>
+          </p:nvPr>
+        </p:nvSpPr>
+        <p:spPr>
+          <a:xfrm>
+            <a:off x="641350" y="315449"/>
+            <a:ext cx="10907016" cy="1701774"/>
+          </a:xfrm>
+        </p:spPr>
+        <p:txBody>
+          <a:bodyPr/>
+          <a:lstStyle/>
+          <a:p>
+            <a:r>
+              <a:rPr lang="en-US" dirty="0"/>
+              <a:t>Tool Examples</a:t>
+            </a:r>
+          </a:p>
+        </p:txBody>
+      </p:sp>
+      <p:sp>
+        <p:nvSpPr>
+          <p:cNvPr id="9" name="Content Placeholder 8">
+            <a:extLst>
+              <a:ext uri="{FF2B5EF4-FFF2-40B4-BE49-F238E27FC236}">
+                <a16:creationId xmlns:a16="http://schemas.microsoft.com/office/drawing/2014/main" id="{59F4DA42-132C-5B75-60EA-75D18E3E2EC3}"/>
+              </a:ext>
+            </a:extLst>
+          </p:cNvPr>
+          <p:cNvSpPr>
+            <a:spLocks noGrp="1"/>
+          </p:cNvSpPr>
+          <p:nvPr>
+            <p:ph sz="half" idx="1"/>
+          </p:nvPr>
+        </p:nvSpPr>
+        <p:spPr>
+          <a:xfrm>
+            <a:off x="680968" y="2441112"/>
+            <a:ext cx="1959625" cy="2962729"/>
+          </a:xfrm>
+        </p:spPr>
+        <p:txBody>
+          <a:bodyPr/>
+          <a:lstStyle/>
+          <a:p>
+            <a:pPr marL="114300" indent="-114300">
+              <a:buFont typeface="Arial" panose="020B0604020202020204" pitchFamily="34" charset="0"/>
+              <a:buChar char="•"/>
+            </a:pPr>
+            <a:r>
+              <a:rPr lang="en-US" dirty="0">
+                <a:solidFill>
+                  <a:srgbClr val="25715D"/>
+                </a:solidFill>
+                <a:hlinkClick r:id="rId3">
+                  <a:extLst>
+                    <a:ext uri="{A12FA001-AC4F-418D-AE19-62706E023703}">
+                      <ahyp:hlinkClr xmlns:ahyp="http://schemas.microsoft.com/office/drawing/2018/hyperlinkcolor" val="tx"/>
+                    </a:ext>
+                  </a:extLst>
+                </a:hlinkClick>
+              </a:rPr>
+              <a:t>Landmarks</a:t>
+            </a:r>
+            <a:endParaRPr lang="en-US" dirty="0">
+              <a:solidFill>
+                <a:srgbClr val="25715D"/>
+              </a:solidFill>
+            </a:endParaRPr>
+          </a:p>
+          <a:p>
+            <a:pPr marL="114300" indent="-114300">
+              <a:buFont typeface="Arial" panose="020B0604020202020204" pitchFamily="34" charset="0"/>
+              <a:buChar char="•"/>
+            </a:pPr>
+            <a:r>
+              <a:rPr lang="en-US" dirty="0">
+                <a:solidFill>
+                  <a:srgbClr val="25715D"/>
+                </a:solidFill>
+                <a:hlinkClick r:id="rId4">
+                  <a:extLst>
+                    <a:ext uri="{A12FA001-AC4F-418D-AE19-62706E023703}">
+                      <ahyp:hlinkClr xmlns:ahyp="http://schemas.microsoft.com/office/drawing/2018/hyperlinkcolor" val="tx"/>
+                    </a:ext>
+                  </a:extLst>
+                </a:hlinkClick>
+              </a:rPr>
+              <a:t>Headings</a:t>
+            </a:r>
+            <a:endParaRPr lang="en-US" dirty="0">
+              <a:solidFill>
+                <a:srgbClr val="25715D"/>
+              </a:solidFill>
+            </a:endParaRPr>
+          </a:p>
+          <a:p>
+            <a:pPr marL="114300" indent="-114300">
+              <a:buFont typeface="Arial" panose="020B0604020202020204" pitchFamily="34" charset="0"/>
+              <a:buChar char="•"/>
+            </a:pPr>
+            <a:r>
+              <a:rPr lang="en-US" dirty="0">
+                <a:solidFill>
+                  <a:srgbClr val="25715D"/>
+                </a:solidFill>
+                <a:hlinkClick r:id="rId5">
+                  <a:extLst>
+                    <a:ext uri="{A12FA001-AC4F-418D-AE19-62706E023703}">
+                      <ahyp:hlinkClr xmlns:ahyp="http://schemas.microsoft.com/office/drawing/2018/hyperlinkcolor" val="tx"/>
+                    </a:ext>
+                  </a:extLst>
+                </a:hlinkClick>
+              </a:rPr>
+              <a:t>Lists</a:t>
+            </a:r>
+            <a:endParaRPr lang="en-US" dirty="0">
+              <a:solidFill>
+                <a:srgbClr val="25715D"/>
+              </a:solidFill>
+            </a:endParaRPr>
+          </a:p>
+          <a:p>
+            <a:pPr marL="114300" indent="-114300">
+              <a:buFont typeface="Arial" panose="020B0604020202020204" pitchFamily="34" charset="0"/>
+              <a:buChar char="•"/>
+            </a:pPr>
+            <a:r>
+              <a:rPr lang="en-US" dirty="0">
+                <a:solidFill>
+                  <a:srgbClr val="25715D"/>
+                </a:solidFill>
+                <a:hlinkClick r:id="rId6">
+                  <a:extLst>
+                    <a:ext uri="{A12FA001-AC4F-418D-AE19-62706E023703}">
+                      <ahyp:hlinkClr xmlns:ahyp="http://schemas.microsoft.com/office/drawing/2018/hyperlinkcolor" val="tx"/>
+                    </a:ext>
+                  </a:extLst>
+                </a:hlinkClick>
+              </a:rPr>
+              <a:t>Lang</a:t>
+            </a:r>
+            <a:endParaRPr lang="en-US" dirty="0">
+              <a:solidFill>
+                <a:srgbClr val="25715D"/>
+              </a:solidFill>
+            </a:endParaRPr>
+          </a:p>
+          <a:p>
+            <a:pPr marL="114300" indent="-114300">
+              <a:buFont typeface="Arial" panose="020B0604020202020204" pitchFamily="34" charset="0"/>
+              <a:buChar char="•"/>
+            </a:pPr>
+            <a:r>
+              <a:rPr lang="en-US" dirty="0">
+                <a:solidFill>
+                  <a:srgbClr val="25715D"/>
+                </a:solidFill>
+                <a:hlinkClick r:id="rId7">
+                  <a:extLst>
+                    <a:ext uri="{A12FA001-AC4F-418D-AE19-62706E023703}">
+                      <ahyp:hlinkClr xmlns:ahyp="http://schemas.microsoft.com/office/drawing/2018/hyperlinkcolor" val="tx"/>
+                    </a:ext>
+                  </a:extLst>
+                </a:hlinkClick>
+              </a:rPr>
+              <a:t>Text Spacing</a:t>
+            </a:r>
+            <a:endParaRPr lang="en-US" dirty="0">
+              <a:solidFill>
+                <a:srgbClr val="25715D"/>
+              </a:solidFill>
+            </a:endParaRPr>
+          </a:p>
+          <a:p>
+            <a:pPr marL="114300" indent="-114300">
+              <a:buFont typeface="Arial" panose="020B0604020202020204" pitchFamily="34" charset="0"/>
+              <a:buChar char="•"/>
+            </a:pPr>
+            <a:r>
+              <a:rPr lang="en-US" dirty="0">
+                <a:solidFill>
+                  <a:srgbClr val="25715D"/>
+                </a:solidFill>
+                <a:hlinkClick r:id="rId8">
+                  <a:extLst>
+                    <a:ext uri="{A12FA001-AC4F-418D-AE19-62706E023703}">
+                      <ahyp:hlinkClr xmlns:ahyp="http://schemas.microsoft.com/office/drawing/2018/hyperlinkcolor" val="tx"/>
+                    </a:ext>
+                  </a:extLst>
+                </a:hlinkClick>
+              </a:rPr>
+              <a:t>ANDI</a:t>
+            </a:r>
+            <a:endParaRPr lang="en-US" dirty="0">
+              <a:solidFill>
+                <a:srgbClr val="25715D"/>
+              </a:solidFill>
+            </a:endParaRPr>
+          </a:p>
+          <a:p>
+            <a:pPr marL="114300" indent="-114300">
+              <a:buFont typeface="Arial" panose="020B0604020202020204" pitchFamily="34" charset="0"/>
+              <a:buChar char="•"/>
+            </a:pPr>
+            <a:r>
+              <a:rPr lang="en-US" dirty="0">
+                <a:solidFill>
+                  <a:srgbClr val="25715D"/>
+                </a:solidFill>
+                <a:hlinkClick r:id="rId9">
+                  <a:extLst>
+                    <a:ext uri="{A12FA001-AC4F-418D-AE19-62706E023703}">
+                      <ahyp:hlinkClr xmlns:ahyp="http://schemas.microsoft.com/office/drawing/2018/hyperlinkcolor" val="tx"/>
+                    </a:ext>
+                  </a:extLst>
+                </a:hlinkClick>
+              </a:rPr>
+              <a:t>Target Size</a:t>
+            </a:r>
+            <a:endParaRPr lang="en-US" dirty="0">
+              <a:solidFill>
+                <a:srgbClr val="25715D"/>
+              </a:solidFill>
+            </a:endParaRPr>
+          </a:p>
+        </p:txBody>
+      </p:sp>
+      <p:sp>
+        <p:nvSpPr>
+          <p:cNvPr id="10" name="Text Placeholder 9">
+            <a:extLst>
+              <a:ext uri="{FF2B5EF4-FFF2-40B4-BE49-F238E27FC236}">
+                <a16:creationId xmlns:a16="http://schemas.microsoft.com/office/drawing/2014/main" id="{84819E92-35A7-1399-61A6-BEA27420944B}"/>
+              </a:ext>
+            </a:extLst>
+          </p:cNvPr>
+          <p:cNvSpPr>
+            <a:spLocks noGrp="1"/>
+          </p:cNvSpPr>
+          <p:nvPr>
+            <p:ph type="body" sz="quarter" idx="14"/>
+          </p:nvPr>
+        </p:nvSpPr>
+        <p:spPr>
+          <a:xfrm>
+            <a:off x="933174" y="2128442"/>
+            <a:ext cx="1495838" cy="634262"/>
+          </a:xfrm>
+        </p:spPr>
+        <p:txBody>
+          <a:bodyPr/>
+          <a:lstStyle/>
+          <a:p>
+            <a:r>
+              <a:rPr lang="en-US" sz="1500" dirty="0"/>
+              <a:t>Bookmarklets</a:t>
+            </a:r>
+          </a:p>
+        </p:txBody>
+      </p:sp>
+      <p:sp>
+        <p:nvSpPr>
+          <p:cNvPr id="11" name="Content Placeholder 10">
+            <a:extLst>
+              <a:ext uri="{FF2B5EF4-FFF2-40B4-BE49-F238E27FC236}">
+                <a16:creationId xmlns:a16="http://schemas.microsoft.com/office/drawing/2014/main" id="{FE0A986A-5F20-07B8-5DF9-B14A7F745BE5}"/>
+              </a:ext>
+            </a:extLst>
+          </p:cNvPr>
+          <p:cNvSpPr>
+            <a:spLocks noGrp="1"/>
+          </p:cNvSpPr>
+          <p:nvPr>
+            <p:ph sz="half" idx="15"/>
+          </p:nvPr>
+        </p:nvSpPr>
+        <p:spPr>
+          <a:xfrm>
+            <a:off x="2890796" y="2441112"/>
+            <a:ext cx="1997845" cy="2962735"/>
+          </a:xfrm>
+        </p:spPr>
+        <p:txBody>
+          <a:bodyPr/>
+          <a:lstStyle/>
+          <a:p>
+            <a:pPr marL="114300" indent="-114300">
+              <a:buFont typeface="Arial" panose="020B0604020202020204" pitchFamily="34" charset="0"/>
+              <a:buChar char="•"/>
+            </a:pPr>
+            <a:r>
+              <a:rPr lang="en-US" dirty="0">
+                <a:solidFill>
+                  <a:srgbClr val="25715D"/>
+                </a:solidFill>
+                <a:hlinkClick r:id="rId10">
+                  <a:extLst>
+                    <a:ext uri="{A12FA001-AC4F-418D-AE19-62706E023703}">
+                      <ahyp:hlinkClr xmlns:ahyp="http://schemas.microsoft.com/office/drawing/2018/hyperlinkcolor" val="tx"/>
+                    </a:ext>
+                  </a:extLst>
+                </a:hlinkClick>
+              </a:rPr>
+              <a:t>Accessibility Insights</a:t>
+            </a:r>
+            <a:endParaRPr lang="en-US" dirty="0">
+              <a:solidFill>
+                <a:srgbClr val="25715D"/>
+              </a:solidFill>
+            </a:endParaRPr>
+          </a:p>
+          <a:p>
+            <a:pPr marL="114300" indent="-114300">
+              <a:buFont typeface="Arial" panose="020B0604020202020204" pitchFamily="34" charset="0"/>
+              <a:buChar char="•"/>
+            </a:pPr>
+            <a:r>
+              <a:rPr lang="en-US" dirty="0">
+                <a:solidFill>
+                  <a:srgbClr val="25715D"/>
+                </a:solidFill>
+                <a:hlinkClick r:id="rId11">
+                  <a:extLst>
+                    <a:ext uri="{A12FA001-AC4F-418D-AE19-62706E023703}">
+                      <ahyp:hlinkClr xmlns:ahyp="http://schemas.microsoft.com/office/drawing/2018/hyperlinkcolor" val="tx"/>
+                    </a:ext>
+                  </a:extLst>
+                </a:hlinkClick>
+              </a:rPr>
+              <a:t>Axe </a:t>
+            </a:r>
+            <a:r>
+              <a:rPr lang="en-US" dirty="0" err="1">
+                <a:solidFill>
+                  <a:srgbClr val="25715D"/>
+                </a:solidFill>
+                <a:hlinkClick r:id="rId11">
+                  <a:extLst>
+                    <a:ext uri="{A12FA001-AC4F-418D-AE19-62706E023703}">
+                      <ahyp:hlinkClr xmlns:ahyp="http://schemas.microsoft.com/office/drawing/2018/hyperlinkcolor" val="tx"/>
+                    </a:ext>
+                  </a:extLst>
+                </a:hlinkClick>
+              </a:rPr>
+              <a:t>DevTools</a:t>
+            </a:r>
+            <a:endParaRPr lang="en-US" dirty="0">
+              <a:solidFill>
+                <a:srgbClr val="25715D"/>
+              </a:solidFill>
+            </a:endParaRPr>
+          </a:p>
+          <a:p>
+            <a:pPr marL="114300" indent="-114300">
+              <a:buFont typeface="Arial" panose="020B0604020202020204" pitchFamily="34" charset="0"/>
+              <a:buChar char="•"/>
+            </a:pPr>
+            <a:r>
+              <a:rPr lang="en-US" dirty="0">
+                <a:solidFill>
+                  <a:srgbClr val="25715D"/>
+                </a:solidFill>
+                <a:hlinkClick r:id="rId12">
+                  <a:extLst>
+                    <a:ext uri="{A12FA001-AC4F-418D-AE19-62706E023703}">
+                      <ahyp:hlinkClr xmlns:ahyp="http://schemas.microsoft.com/office/drawing/2018/hyperlinkcolor" val="tx"/>
+                    </a:ext>
+                  </a:extLst>
+                </a:hlinkClick>
+              </a:rPr>
+              <a:t>WAVE</a:t>
+            </a:r>
+            <a:endParaRPr lang="en-US" dirty="0">
+              <a:solidFill>
+                <a:srgbClr val="25715D"/>
+              </a:solidFill>
+            </a:endParaRPr>
+          </a:p>
+          <a:p>
+            <a:pPr marL="114300" indent="-114300">
+              <a:buFont typeface="Arial" panose="020B0604020202020204" pitchFamily="34" charset="0"/>
+              <a:buChar char="•"/>
+            </a:pPr>
+            <a:r>
+              <a:rPr lang="en-US" dirty="0">
+                <a:solidFill>
+                  <a:srgbClr val="25715D"/>
+                </a:solidFill>
+                <a:hlinkClick r:id="rId13">
+                  <a:extLst>
+                    <a:ext uri="{A12FA001-AC4F-418D-AE19-62706E023703}">
+                      <ahyp:hlinkClr xmlns:ahyp="http://schemas.microsoft.com/office/drawing/2018/hyperlinkcolor" val="tx"/>
+                    </a:ext>
+                  </a:extLst>
+                </a:hlinkClick>
+              </a:rPr>
+              <a:t>Web Developer</a:t>
+            </a:r>
+            <a:endParaRPr lang="en-US" dirty="0">
+              <a:solidFill>
+                <a:srgbClr val="25715D"/>
+              </a:solidFill>
+            </a:endParaRPr>
+          </a:p>
+        </p:txBody>
+      </p:sp>
+      <p:sp>
+        <p:nvSpPr>
+          <p:cNvPr id="12" name="Text Placeholder 11">
+            <a:extLst>
+              <a:ext uri="{FF2B5EF4-FFF2-40B4-BE49-F238E27FC236}">
+                <a16:creationId xmlns:a16="http://schemas.microsoft.com/office/drawing/2014/main" id="{6C924181-2B43-A66E-1EF3-65E5FB49B797}"/>
+              </a:ext>
+            </a:extLst>
+          </p:cNvPr>
+          <p:cNvSpPr>
+            <a:spLocks noGrp="1"/>
+          </p:cNvSpPr>
+          <p:nvPr>
+            <p:ph type="body" sz="quarter" idx="16"/>
+          </p:nvPr>
+        </p:nvSpPr>
+        <p:spPr>
+          <a:xfrm>
+            <a:off x="3143002" y="2128231"/>
+            <a:ext cx="1495838" cy="634262"/>
+          </a:xfrm>
+        </p:spPr>
+        <p:txBody>
+          <a:bodyPr/>
+          <a:lstStyle/>
+          <a:p>
+            <a:r>
+              <a:rPr lang="en-US" dirty="0"/>
+              <a:t>Browser Extensions</a:t>
+            </a:r>
+          </a:p>
+        </p:txBody>
+      </p:sp>
+      <p:sp>
+        <p:nvSpPr>
+          <p:cNvPr id="13" name="Content Placeholder 12">
+            <a:extLst>
+              <a:ext uri="{FF2B5EF4-FFF2-40B4-BE49-F238E27FC236}">
+                <a16:creationId xmlns:a16="http://schemas.microsoft.com/office/drawing/2014/main" id="{C8141AF0-BE6F-42CE-E837-9F76576DD115}"/>
+              </a:ext>
+            </a:extLst>
+          </p:cNvPr>
+          <p:cNvSpPr>
+            <a:spLocks noGrp="1"/>
+          </p:cNvSpPr>
+          <p:nvPr>
+            <p:ph sz="half" idx="17"/>
+          </p:nvPr>
+        </p:nvSpPr>
+        <p:spPr>
+          <a:xfrm>
+            <a:off x="5097324" y="2441113"/>
+            <a:ext cx="1997846" cy="2962733"/>
+          </a:xfrm>
+        </p:spPr>
+        <p:txBody>
+          <a:bodyPr/>
+          <a:lstStyle/>
+          <a:p>
+            <a:pPr marL="114300" indent="-114300">
+              <a:buFont typeface="Arial" panose="020B0604020202020204" pitchFamily="34" charset="0"/>
+              <a:buChar char="•"/>
+            </a:pPr>
+            <a:r>
+              <a:rPr lang="en-US" sz="1200" dirty="0">
+                <a:solidFill>
+                  <a:srgbClr val="25715D"/>
+                </a:solidFill>
+                <a:hlinkClick r:id="rId14">
+                  <a:extLst>
+                    <a:ext uri="{A12FA001-AC4F-418D-AE19-62706E023703}">
+                      <ahyp:hlinkClr xmlns:ahyp="http://schemas.microsoft.com/office/drawing/2018/hyperlinkcolor" val="tx"/>
+                    </a:ext>
+                  </a:extLst>
+                </a:hlinkClick>
+              </a:rPr>
+              <a:t>Color Contrast </a:t>
+            </a:r>
+            <a:r>
+              <a:rPr lang="en-US" sz="1200" dirty="0" err="1">
+                <a:solidFill>
+                  <a:srgbClr val="25715D"/>
+                </a:solidFill>
+                <a:hlinkClick r:id="rId14">
+                  <a:extLst>
+                    <a:ext uri="{A12FA001-AC4F-418D-AE19-62706E023703}">
+                      <ahyp:hlinkClr xmlns:ahyp="http://schemas.microsoft.com/office/drawing/2018/hyperlinkcolor" val="tx"/>
+                    </a:ext>
+                  </a:extLst>
+                </a:hlinkClick>
+              </a:rPr>
+              <a:t>Analyser</a:t>
+            </a:r>
+            <a:r>
+              <a:rPr lang="en-US" sz="1200" dirty="0">
+                <a:solidFill>
+                  <a:srgbClr val="25715D"/>
+                </a:solidFill>
+                <a:hlinkClick r:id="rId14">
+                  <a:extLst>
+                    <a:ext uri="{A12FA001-AC4F-418D-AE19-62706E023703}">
+                      <ahyp:hlinkClr xmlns:ahyp="http://schemas.microsoft.com/office/drawing/2018/hyperlinkcolor" val="tx"/>
+                    </a:ext>
+                  </a:extLst>
+                </a:hlinkClick>
+              </a:rPr>
+              <a:t> (CCA)</a:t>
+            </a:r>
+            <a:endParaRPr lang="en-US" sz="1200" dirty="0">
+              <a:solidFill>
+                <a:srgbClr val="25715D"/>
+              </a:solidFill>
+            </a:endParaRPr>
+          </a:p>
+          <a:p>
+            <a:pPr marL="114300" indent="-114300">
+              <a:buFont typeface="Arial" panose="020B0604020202020204" pitchFamily="34" charset="0"/>
+              <a:buChar char="•"/>
+            </a:pPr>
+            <a:r>
+              <a:rPr lang="en-US" sz="1200" dirty="0">
+                <a:solidFill>
+                  <a:srgbClr val="25715D"/>
+                </a:solidFill>
+                <a:hlinkClick r:id="rId15">
+                  <a:extLst>
+                    <a:ext uri="{A12FA001-AC4F-418D-AE19-62706E023703}">
+                      <ahyp:hlinkClr xmlns:ahyp="http://schemas.microsoft.com/office/drawing/2018/hyperlinkcolor" val="tx"/>
+                    </a:ext>
+                  </a:extLst>
+                </a:hlinkClick>
+              </a:rPr>
+              <a:t>PDF Accessibility Checker (PAC)</a:t>
+            </a:r>
+            <a:endParaRPr lang="en-US" sz="1200" dirty="0">
+              <a:solidFill>
+                <a:srgbClr val="25715D"/>
+              </a:solidFill>
+            </a:endParaRPr>
+          </a:p>
+          <a:p>
+            <a:pPr marL="114300" indent="-114300">
+              <a:buFont typeface="Arial" panose="020B0604020202020204" pitchFamily="34" charset="0"/>
+              <a:buChar char="•"/>
+            </a:pPr>
+            <a:r>
+              <a:rPr lang="en-US" sz="1200" dirty="0">
+                <a:solidFill>
+                  <a:srgbClr val="25715D"/>
+                </a:solidFill>
+                <a:hlinkClick r:id="rId16">
+                  <a:extLst>
+                    <a:ext uri="{A12FA001-AC4F-418D-AE19-62706E023703}">
+                      <ahyp:hlinkClr xmlns:ahyp="http://schemas.microsoft.com/office/drawing/2018/hyperlinkcolor" val="tx"/>
+                    </a:ext>
+                  </a:extLst>
+                </a:hlinkClick>
+              </a:rPr>
+              <a:t>Photosensitive Epilepsy Analysis Tool (PEAT)</a:t>
+            </a:r>
+            <a:endParaRPr lang="en-US" sz="1200" dirty="0">
+              <a:solidFill>
+                <a:srgbClr val="25715D"/>
+              </a:solidFill>
+            </a:endParaRPr>
+          </a:p>
+          <a:p>
+            <a:pPr marL="114300" indent="-114300">
+              <a:buFont typeface="Arial" panose="020B0604020202020204" pitchFamily="34" charset="0"/>
+              <a:buChar char="•"/>
+            </a:pPr>
+            <a:r>
+              <a:rPr lang="en-US" sz="1200" dirty="0">
+                <a:solidFill>
+                  <a:srgbClr val="25715D"/>
+                </a:solidFill>
+                <a:hlinkClick r:id="rId17">
+                  <a:extLst>
+                    <a:ext uri="{A12FA001-AC4F-418D-AE19-62706E023703}">
+                      <ahyp:hlinkClr xmlns:ahyp="http://schemas.microsoft.com/office/drawing/2018/hyperlinkcolor" val="tx"/>
+                    </a:ext>
+                  </a:extLst>
+                </a:hlinkClick>
+              </a:rPr>
+              <a:t>ZoomText</a:t>
+            </a:r>
+            <a:endParaRPr lang="en-US" sz="1200" dirty="0">
+              <a:solidFill>
+                <a:srgbClr val="25715D"/>
+              </a:solidFill>
+            </a:endParaRPr>
+          </a:p>
+          <a:p>
+            <a:pPr marL="114300" indent="-114300">
+              <a:buFont typeface="Arial" panose="020B0604020202020204" pitchFamily="34" charset="0"/>
+              <a:buChar char="•"/>
+            </a:pPr>
+            <a:r>
+              <a:rPr lang="en-US" sz="1200" dirty="0">
+                <a:solidFill>
+                  <a:srgbClr val="25715D"/>
+                </a:solidFill>
+                <a:hlinkClick r:id="rId18">
+                  <a:extLst>
+                    <a:ext uri="{A12FA001-AC4F-418D-AE19-62706E023703}">
+                      <ahyp:hlinkClr xmlns:ahyp="http://schemas.microsoft.com/office/drawing/2018/hyperlinkcolor" val="tx"/>
+                    </a:ext>
+                  </a:extLst>
+                </a:hlinkClick>
+              </a:rPr>
+              <a:t>Fusion</a:t>
+            </a:r>
+            <a:endParaRPr lang="en-US" sz="1200" dirty="0">
+              <a:solidFill>
+                <a:srgbClr val="25715D"/>
+              </a:solidFill>
+            </a:endParaRPr>
+          </a:p>
+          <a:p>
+            <a:pPr marL="114300" indent="-114300">
+              <a:buFont typeface="Arial" panose="020B0604020202020204" pitchFamily="34" charset="0"/>
+              <a:buChar char="•"/>
+            </a:pPr>
+            <a:r>
+              <a:rPr lang="en-US" sz="1200" dirty="0">
+                <a:solidFill>
+                  <a:srgbClr val="25715D"/>
+                </a:solidFill>
+                <a:hlinkClick r:id="rId19">
+                  <a:extLst>
+                    <a:ext uri="{A12FA001-AC4F-418D-AE19-62706E023703}">
+                      <ahyp:hlinkClr xmlns:ahyp="http://schemas.microsoft.com/office/drawing/2018/hyperlinkcolor" val="tx"/>
+                    </a:ext>
+                  </a:extLst>
+                </a:hlinkClick>
+              </a:rPr>
+              <a:t>Dragon</a:t>
+            </a:r>
+            <a:endParaRPr lang="en-US" sz="1200" dirty="0">
+              <a:solidFill>
+                <a:srgbClr val="25715D"/>
+              </a:solidFill>
+            </a:endParaRPr>
+          </a:p>
+        </p:txBody>
+      </p:sp>
+      <p:sp>
+        <p:nvSpPr>
+          <p:cNvPr id="14" name="Text Placeholder 13">
+            <a:extLst>
+              <a:ext uri="{FF2B5EF4-FFF2-40B4-BE49-F238E27FC236}">
+                <a16:creationId xmlns:a16="http://schemas.microsoft.com/office/drawing/2014/main" id="{780C656F-E056-400A-17D5-22E323B4C625}"/>
+              </a:ext>
+            </a:extLst>
+          </p:cNvPr>
+          <p:cNvSpPr>
+            <a:spLocks noGrp="1"/>
+          </p:cNvSpPr>
+          <p:nvPr>
+            <p:ph type="body" sz="quarter" idx="18"/>
+          </p:nvPr>
+        </p:nvSpPr>
+        <p:spPr>
+          <a:xfrm>
+            <a:off x="5349530" y="2128231"/>
+            <a:ext cx="1495838" cy="634262"/>
+          </a:xfrm>
+        </p:spPr>
+        <p:txBody>
+          <a:bodyPr/>
+          <a:lstStyle/>
+          <a:p>
+            <a:r>
+              <a:rPr lang="en-US" dirty="0"/>
+              <a:t>Desktop Applications</a:t>
+            </a:r>
+          </a:p>
+        </p:txBody>
+      </p:sp>
+      <p:sp>
+        <p:nvSpPr>
+          <p:cNvPr id="15" name="Content Placeholder 14">
+            <a:extLst>
+              <a:ext uri="{FF2B5EF4-FFF2-40B4-BE49-F238E27FC236}">
+                <a16:creationId xmlns:a16="http://schemas.microsoft.com/office/drawing/2014/main" id="{43ED3826-F8BA-4C9A-B154-D3D1808E8074}"/>
+              </a:ext>
+            </a:extLst>
+          </p:cNvPr>
+          <p:cNvSpPr>
+            <a:spLocks noGrp="1"/>
+          </p:cNvSpPr>
+          <p:nvPr>
+            <p:ph sz="half" idx="19"/>
+          </p:nvPr>
+        </p:nvSpPr>
+        <p:spPr>
+          <a:xfrm>
+            <a:off x="7303852" y="2441113"/>
+            <a:ext cx="1997352" cy="2962731"/>
+          </a:xfrm>
+        </p:spPr>
+        <p:txBody>
+          <a:bodyPr/>
+          <a:lstStyle/>
+          <a:p>
+            <a:pPr marL="114300" indent="-114300">
+              <a:buFont typeface="Arial" panose="020B0604020202020204" pitchFamily="34" charset="0"/>
+              <a:buChar char="•"/>
+            </a:pPr>
+            <a:r>
+              <a:rPr lang="en-US" dirty="0">
+                <a:solidFill>
+                  <a:srgbClr val="25715D"/>
+                </a:solidFill>
+                <a:hlinkClick r:id="rId20">
+                  <a:extLst>
+                    <a:ext uri="{A12FA001-AC4F-418D-AE19-62706E023703}">
+                      <ahyp:hlinkClr xmlns:ahyp="http://schemas.microsoft.com/office/drawing/2018/hyperlinkcolor" val="tx"/>
+                    </a:ext>
+                  </a:extLst>
+                </a:hlinkClick>
+              </a:rPr>
+              <a:t>JAWS</a:t>
+            </a:r>
+            <a:endParaRPr lang="en-US" dirty="0">
+              <a:solidFill>
+                <a:srgbClr val="25715D"/>
+              </a:solidFill>
+            </a:endParaRPr>
+          </a:p>
+          <a:p>
+            <a:pPr marL="114300" indent="-114300">
+              <a:buFont typeface="Arial" panose="020B0604020202020204" pitchFamily="34" charset="0"/>
+              <a:buChar char="•"/>
+            </a:pPr>
+            <a:r>
+              <a:rPr lang="en-US" dirty="0">
+                <a:solidFill>
+                  <a:srgbClr val="25715D"/>
+                </a:solidFill>
+                <a:hlinkClick r:id="rId21">
+                  <a:extLst>
+                    <a:ext uri="{A12FA001-AC4F-418D-AE19-62706E023703}">
+                      <ahyp:hlinkClr xmlns:ahyp="http://schemas.microsoft.com/office/drawing/2018/hyperlinkcolor" val="tx"/>
+                    </a:ext>
+                  </a:extLst>
+                </a:hlinkClick>
+              </a:rPr>
+              <a:t>NVDA</a:t>
+            </a:r>
+            <a:endParaRPr lang="en-US" dirty="0">
+              <a:solidFill>
+                <a:srgbClr val="25715D"/>
+              </a:solidFill>
+            </a:endParaRPr>
+          </a:p>
+          <a:p>
+            <a:pPr marL="114300" indent="-114300">
+              <a:buFont typeface="Arial" panose="020B0604020202020204" pitchFamily="34" charset="0"/>
+              <a:buChar char="•"/>
+            </a:pPr>
+            <a:r>
+              <a:rPr lang="en-US" dirty="0" err="1">
+                <a:solidFill>
+                  <a:srgbClr val="25715D"/>
+                </a:solidFill>
+                <a:hlinkClick r:id="rId22">
+                  <a:extLst>
+                    <a:ext uri="{A12FA001-AC4F-418D-AE19-62706E023703}">
+                      <ahyp:hlinkClr xmlns:ahyp="http://schemas.microsoft.com/office/drawing/2018/hyperlinkcolor" val="tx"/>
+                    </a:ext>
+                  </a:extLst>
+                </a:hlinkClick>
+              </a:rPr>
+              <a:t>VoiceOver</a:t>
+            </a:r>
+            <a:endParaRPr lang="en-US" dirty="0">
+              <a:solidFill>
+                <a:srgbClr val="25715D"/>
+              </a:solidFill>
+            </a:endParaRPr>
+          </a:p>
+          <a:p>
+            <a:pPr marL="114300" indent="-114300">
+              <a:buFont typeface="Arial" panose="020B0604020202020204" pitchFamily="34" charset="0"/>
+              <a:buChar char="•"/>
+            </a:pPr>
+            <a:r>
+              <a:rPr lang="en-US" dirty="0">
+                <a:solidFill>
+                  <a:srgbClr val="25715D"/>
+                </a:solidFill>
+                <a:hlinkClick r:id="rId23">
+                  <a:extLst>
+                    <a:ext uri="{A12FA001-AC4F-418D-AE19-62706E023703}">
+                      <ahyp:hlinkClr xmlns:ahyp="http://schemas.microsoft.com/office/drawing/2018/hyperlinkcolor" val="tx"/>
+                    </a:ext>
+                  </a:extLst>
+                </a:hlinkClick>
+              </a:rPr>
+              <a:t>Narrator</a:t>
+            </a:r>
+            <a:endParaRPr lang="en-US" dirty="0">
+              <a:solidFill>
+                <a:srgbClr val="25715D"/>
+              </a:solidFill>
+            </a:endParaRPr>
+          </a:p>
+          <a:p>
+            <a:pPr marL="114300" indent="-114300">
+              <a:buFont typeface="Arial" panose="020B0604020202020204" pitchFamily="34" charset="0"/>
+              <a:buChar char="•"/>
+            </a:pPr>
+            <a:r>
+              <a:rPr lang="en-US" dirty="0" err="1">
+                <a:solidFill>
+                  <a:srgbClr val="25715D"/>
+                </a:solidFill>
+                <a:hlinkClick r:id="rId24">
+                  <a:extLst>
+                    <a:ext uri="{A12FA001-AC4F-418D-AE19-62706E023703}">
+                      <ahyp:hlinkClr xmlns:ahyp="http://schemas.microsoft.com/office/drawing/2018/hyperlinkcolor" val="tx"/>
+                    </a:ext>
+                  </a:extLst>
+                </a:hlinkClick>
+              </a:rPr>
+              <a:t>TalkBack</a:t>
+            </a:r>
+            <a:endParaRPr lang="en-US" dirty="0">
+              <a:solidFill>
+                <a:srgbClr val="25715D"/>
+              </a:solidFill>
+            </a:endParaRPr>
+          </a:p>
+        </p:txBody>
+      </p:sp>
+      <p:sp>
+        <p:nvSpPr>
+          <p:cNvPr id="16" name="Text Placeholder 15">
+            <a:extLst>
+              <a:ext uri="{FF2B5EF4-FFF2-40B4-BE49-F238E27FC236}">
+                <a16:creationId xmlns:a16="http://schemas.microsoft.com/office/drawing/2014/main" id="{03956195-E635-6CF8-F8BB-F1166EC52696}"/>
+              </a:ext>
+            </a:extLst>
+          </p:cNvPr>
+          <p:cNvSpPr>
+            <a:spLocks noGrp="1"/>
+          </p:cNvSpPr>
+          <p:nvPr>
+            <p:ph type="body" sz="quarter" idx="20"/>
+          </p:nvPr>
+        </p:nvSpPr>
+        <p:spPr>
+          <a:xfrm>
+            <a:off x="7556058" y="2128231"/>
+            <a:ext cx="1495838" cy="634262"/>
+          </a:xfrm>
+        </p:spPr>
+        <p:txBody>
+          <a:bodyPr/>
+          <a:lstStyle/>
+          <a:p>
+            <a:r>
+              <a:rPr lang="en-US" dirty="0"/>
+              <a:t>Screen Readers</a:t>
+            </a:r>
+          </a:p>
+        </p:txBody>
+      </p:sp>
+      <p:sp>
+        <p:nvSpPr>
+          <p:cNvPr id="19" name="Content Placeholder 10">
+            <a:extLst>
+              <a:ext uri="{FF2B5EF4-FFF2-40B4-BE49-F238E27FC236}">
+                <a16:creationId xmlns:a16="http://schemas.microsoft.com/office/drawing/2014/main" id="{7138FD2D-1691-0D77-E86B-BE1219D72BD9}"/>
+              </a:ext>
+            </a:extLst>
+          </p:cNvPr>
+          <p:cNvSpPr>
+            <a:spLocks noGrp="1"/>
+          </p:cNvSpPr>
+          <p:nvPr>
+            <p:ph sz="half" idx="21"/>
+          </p:nvPr>
+        </p:nvSpPr>
+        <p:spPr>
+          <a:xfrm>
+            <a:off x="9512784" y="2441113"/>
+            <a:ext cx="1998247" cy="2962729"/>
+          </a:xfrm>
+        </p:spPr>
+        <p:txBody>
+          <a:bodyPr/>
+          <a:lstStyle/>
+          <a:p>
+            <a:pPr marL="285750" indent="-285750">
+              <a:buFont typeface="Arial" panose="020B0604020202020204" pitchFamily="34" charset="0"/>
+              <a:buChar char="•"/>
+            </a:pPr>
+            <a:r>
+              <a:rPr lang="en-US" dirty="0">
+                <a:solidFill>
+                  <a:srgbClr val="25715D"/>
+                </a:solidFill>
+                <a:hlinkClick r:id="rId25">
+                  <a:extLst>
+                    <a:ext uri="{A12FA001-AC4F-418D-AE19-62706E023703}">
+                      <ahyp:hlinkClr xmlns:ahyp="http://schemas.microsoft.com/office/drawing/2018/hyperlinkcolor" val="tx"/>
+                    </a:ext>
+                  </a:extLst>
+                </a:hlinkClick>
+              </a:rPr>
+              <a:t>Axe Linter</a:t>
+            </a:r>
+            <a:endParaRPr lang="en-US" dirty="0">
+              <a:solidFill>
+                <a:srgbClr val="25715D"/>
+              </a:solidFill>
+            </a:endParaRPr>
+          </a:p>
+        </p:txBody>
+      </p:sp>
+      <p:sp>
+        <p:nvSpPr>
+          <p:cNvPr id="20" name="Text Placeholder 11">
+            <a:extLst>
+              <a:ext uri="{FF2B5EF4-FFF2-40B4-BE49-F238E27FC236}">
+                <a16:creationId xmlns:a16="http://schemas.microsoft.com/office/drawing/2014/main" id="{9106859F-3A7F-C0FE-56B0-BF942EDD7D13}"/>
+              </a:ext>
+            </a:extLst>
+          </p:cNvPr>
+          <p:cNvSpPr>
+            <a:spLocks noGrp="1"/>
+          </p:cNvSpPr>
+          <p:nvPr>
+            <p:ph type="body" sz="quarter" idx="22"/>
+          </p:nvPr>
+        </p:nvSpPr>
+        <p:spPr>
+          <a:xfrm>
+            <a:off x="9764990" y="2128231"/>
+            <a:ext cx="1495838" cy="634262"/>
+          </a:xfrm>
+        </p:spPr>
+        <p:txBody>
+          <a:bodyPr/>
+          <a:lstStyle/>
+          <a:p>
+            <a:r>
+              <a:rPr lang="en-US" dirty="0"/>
+              <a:t>Other</a:t>
+            </a:r>
+          </a:p>
+        </p:txBody>
+      </p:sp>
+      <p:sp>
+        <p:nvSpPr>
+          <p:cNvPr id="28" name="Text Placeholder 27">
+            <a:extLst>
+              <a:ext uri="{FF2B5EF4-FFF2-40B4-BE49-F238E27FC236}">
+                <a16:creationId xmlns:a16="http://schemas.microsoft.com/office/drawing/2014/main" id="{0686F713-14E6-58C2-345E-1840444B1308}"/>
+              </a:ext>
+            </a:extLst>
+          </p:cNvPr>
+          <p:cNvSpPr>
+            <a:spLocks noGrp="1"/>
+          </p:cNvSpPr>
+          <p:nvPr>
+            <p:ph type="body" sz="quarter" idx="12"/>
+          </p:nvPr>
+        </p:nvSpPr>
+        <p:spPr>
+          <a:xfrm>
+            <a:off x="381001" y="6347724"/>
+            <a:ext cx="1306286" cy="402336"/>
+          </a:xfrm>
+        </p:spPr>
+        <p:txBody>
+          <a:bodyPr/>
+          <a:lstStyle/>
+          <a:p>
+            <a:r>
+              <a:rPr lang="en-US" dirty="0"/>
+              <a:t>Erissa</a:t>
+            </a:r>
+          </a:p>
+        </p:txBody>
+      </p:sp>
+      <p:sp>
+        <p:nvSpPr>
+          <p:cNvPr id="3" name="Date Placeholder 2">
+            <a:extLst>
+              <a:ext uri="{FF2B5EF4-FFF2-40B4-BE49-F238E27FC236}">
+                <a16:creationId xmlns:a16="http://schemas.microsoft.com/office/drawing/2014/main" id="{16E2D73A-AC2A-7DAF-C2F4-726317A5AEA8}"/>
+              </a:ext>
+            </a:extLst>
+          </p:cNvPr>
+          <p:cNvSpPr>
+            <a:spLocks noGrp="1"/>
+          </p:cNvSpPr>
+          <p:nvPr>
+            <p:ph type="dt" sz="half" idx="2"/>
+          </p:nvPr>
+        </p:nvSpPr>
+        <p:spPr>
+          <a:xfrm>
+            <a:off x="10552926" y="6226628"/>
+            <a:ext cx="1143773" cy="631372"/>
+          </a:xfrm>
+        </p:spPr>
+        <p:txBody>
+          <a:bodyPr/>
+          <a:lstStyle/>
+          <a:p>
+            <a:fld id="{2DE70F3C-A523-425F-99C2-A38FEF5AAA8E}" type="datetime1">
+              <a:rPr lang="en-US" smtClean="0"/>
+              <a:t>3/27/2024</a:t>
+            </a:fld>
+            <a:endParaRPr lang="en-US" dirty="0"/>
+          </a:p>
+        </p:txBody>
+      </p:sp>
+      <p:sp>
+        <p:nvSpPr>
+          <p:cNvPr id="4" name="Slide Number Placeholder 3">
+            <a:extLst>
+              <a:ext uri="{FF2B5EF4-FFF2-40B4-BE49-F238E27FC236}">
+                <a16:creationId xmlns:a16="http://schemas.microsoft.com/office/drawing/2014/main" id="{7D41B366-5F26-3254-A1AC-88211732E741}"/>
+              </a:ext>
+            </a:extLst>
+          </p:cNvPr>
+          <p:cNvSpPr>
+            <a:spLocks noGrp="1"/>
+          </p:cNvSpPr>
+          <p:nvPr>
+            <p:ph type="sldNum" sz="quarter" idx="4"/>
+          </p:nvPr>
+        </p:nvSpPr>
+        <p:spPr>
+          <a:xfrm>
+            <a:off x="11696699" y="6226628"/>
+            <a:ext cx="506186" cy="631372"/>
+          </a:xfrm>
+        </p:spPr>
+        <p:txBody>
+          <a:bodyPr/>
+          <a:lstStyle/>
+          <a:p>
+            <a:fld id="{294A09A9-5501-47C1-A89A-A340965A2BE2}" type="slidenum">
+              <a:rPr lang="en-US" smtClean="0"/>
+              <a:pPr/>
+              <a:t>10</a:t>
+            </a:fld>
+            <a:endParaRPr lang="en-US" dirty="0"/>
+          </a:p>
+        </p:txBody>
+      </p:sp>
+    </p:spTree>
+    <p:extLst>
+      <p:ext uri="{BB962C8B-B14F-4D97-AF65-F5344CB8AC3E}">
+        <p14:creationId xmlns:p14="http://schemas.microsoft.com/office/powerpoint/2010/main" val="122729185"/>
+      </p:ext>
+    </p:extLst>
+  </p:cSld>
+  <p:clrMapOvr>
+    <a:masterClrMapping/>
+  </p:clrMapOvr>
+</p:sld>
+</file>
+
+<file path=ppt/slides/slide11.xml><?xml version="1.0" encoding="utf-8"?>
+<p:sld xmlns:a="http://schemas.openxmlformats.org/drawingml/2006/main" xmlns:r="http://schemas.openxmlformats.org/officeDocument/2006/relationships" xmlns:p="http://schemas.openxmlformats.org/presentationml/2006/main">
+  <p:cSld>
+    <p:spTree>
+      <p:nvGrpSpPr>
+        <p:cNvPr id="1" name=""/>
+        <p:cNvGrpSpPr/>
+        <p:nvPr/>
+      </p:nvGrpSpPr>
+      <p:grpSpPr>
+        <a:xfrm>
+          <a:off x="0" y="0"/>
+          <a:ext cx="0" cy="0"/>
+          <a:chOff x="0" y="0"/>
+          <a:chExt cx="0" cy="0"/>
+        </a:xfrm>
+      </p:grpSpPr>
+      <p:sp>
+        <p:nvSpPr>
+          <p:cNvPr id="2" name="Title 1">
+            <a:extLst>
+              <a:ext uri="{FF2B5EF4-FFF2-40B4-BE49-F238E27FC236}">
+                <a16:creationId xmlns:a16="http://schemas.microsoft.com/office/drawing/2014/main" id="{D543047E-FBFD-4F79-BCA5-10E69740F030}"/>
+              </a:ext>
+            </a:extLst>
+          </p:cNvPr>
+          <p:cNvSpPr>
+            <a:spLocks noGrp="1"/>
+          </p:cNvSpPr>
+          <p:nvPr>
+            <p:ph type="title"/>
+          </p:nvPr>
+        </p:nvSpPr>
+        <p:spPr>
+          <a:xfrm>
+            <a:off x="641350" y="851548"/>
+            <a:ext cx="10907016" cy="1491602"/>
+          </a:xfrm>
+        </p:spPr>
+        <p:txBody>
+          <a:bodyPr/>
+          <a:lstStyle/>
+          <a:p>
+            <a:r>
+              <a:rPr lang="en-US" dirty="0"/>
+              <a:t>Known Issues</a:t>
+            </a:r>
+          </a:p>
+        </p:txBody>
+      </p:sp>
+      <p:sp>
+        <p:nvSpPr>
+          <p:cNvPr id="6" name="TextBox 5">
+            <a:extLst>
+              <a:ext uri="{FF2B5EF4-FFF2-40B4-BE49-F238E27FC236}">
+                <a16:creationId xmlns:a16="http://schemas.microsoft.com/office/drawing/2014/main" id="{D8ED466E-770B-D96A-AAB6-F93F22AF2391}"/>
+              </a:ext>
+            </a:extLst>
+          </p:cNvPr>
+          <p:cNvSpPr txBox="1"/>
+          <p:nvPr/>
+        </p:nvSpPr>
+        <p:spPr>
+          <a:xfrm>
+            <a:off x="397766" y="3023017"/>
+            <a:ext cx="11395916" cy="2831544"/>
+          </a:xfrm>
+          <a:prstGeom prst="rect">
+            <a:avLst/>
+          </a:prstGeom>
+          <a:noFill/>
+        </p:spPr>
+        <p:txBody>
+          <a:bodyPr wrap="square" rtlCol="0">
+            <a:spAutoFit/>
+          </a:bodyPr>
+          <a:lstStyle/>
+          <a:p>
+            <a:r>
+              <a:rPr lang="en-US" b="1" dirty="0"/>
+              <a:t>Issue Trackers</a:t>
+            </a:r>
+          </a:p>
+          <a:p>
+            <a:pPr marL="285750" indent="-285750">
+              <a:buFont typeface="Arial" panose="020B0604020202020204" pitchFamily="34" charset="0"/>
+              <a:buChar char="•"/>
+            </a:pPr>
+            <a:r>
+              <a:rPr lang="en-US" sz="1600" dirty="0">
+                <a:solidFill>
+                  <a:srgbClr val="25715D"/>
+                </a:solidFill>
+                <a:hlinkClick r:id="rId3">
+                  <a:extLst>
+                    <a:ext uri="{A12FA001-AC4F-418D-AE19-62706E023703}">
+                      <ahyp:hlinkClr xmlns:ahyp="http://schemas.microsoft.com/office/drawing/2018/hyperlinkcolor" val="tx"/>
+                    </a:ext>
+                  </a:extLst>
+                </a:hlinkClick>
+              </a:rPr>
+              <a:t>https://issuetracker.google.com/</a:t>
+            </a:r>
+            <a:endParaRPr lang="en-US" sz="1600" dirty="0">
+              <a:solidFill>
+                <a:srgbClr val="25715D"/>
+              </a:solidFill>
+            </a:endParaRPr>
+          </a:p>
+          <a:p>
+            <a:pPr marL="285750" indent="-285750">
+              <a:buFont typeface="Arial" panose="020B0604020202020204" pitchFamily="34" charset="0"/>
+              <a:buChar char="•"/>
+            </a:pPr>
+            <a:r>
+              <a:rPr lang="en-US" sz="1600" dirty="0">
+                <a:solidFill>
+                  <a:srgbClr val="25715D"/>
+                </a:solidFill>
+                <a:hlinkClick r:id="rId4">
+                  <a:extLst>
+                    <a:ext uri="{A12FA001-AC4F-418D-AE19-62706E023703}">
+                      <ahyp:hlinkClr xmlns:ahyp="http://schemas.microsoft.com/office/drawing/2018/hyperlinkcolor" val="tx"/>
+                    </a:ext>
+                  </a:extLst>
+                </a:hlinkClick>
+              </a:rPr>
+              <a:t>https://issues.chromium.org/</a:t>
+            </a:r>
+            <a:endParaRPr lang="en-US" sz="1600" dirty="0">
+              <a:solidFill>
+                <a:srgbClr val="25715D"/>
+              </a:solidFill>
+            </a:endParaRPr>
+          </a:p>
+          <a:p>
+            <a:pPr marL="285750" indent="-285750">
+              <a:buFont typeface="Arial" panose="020B0604020202020204" pitchFamily="34" charset="0"/>
+              <a:buChar char="•"/>
+            </a:pPr>
+            <a:r>
+              <a:rPr lang="en-US" sz="1600" dirty="0">
+                <a:solidFill>
+                  <a:srgbClr val="25715D"/>
+                </a:solidFill>
+                <a:hlinkClick r:id="rId5">
+                  <a:extLst>
+                    <a:ext uri="{A12FA001-AC4F-418D-AE19-62706E023703}">
+                      <ahyp:hlinkClr xmlns:ahyp="http://schemas.microsoft.com/office/drawing/2018/hyperlinkcolor" val="tx"/>
+                    </a:ext>
+                  </a:extLst>
+                </a:hlinkClick>
+              </a:rPr>
+              <a:t>https://bugs.webkit.org/</a:t>
+            </a:r>
+            <a:endParaRPr lang="en-US" sz="1600" dirty="0">
+              <a:solidFill>
+                <a:srgbClr val="25715D"/>
+              </a:solidFill>
+            </a:endParaRPr>
+          </a:p>
+          <a:p>
+            <a:pPr marL="285750" indent="-285750">
+              <a:buFont typeface="Arial" panose="020B0604020202020204" pitchFamily="34" charset="0"/>
+              <a:buChar char="•"/>
+            </a:pPr>
+            <a:r>
+              <a:rPr lang="en-US" sz="1600" dirty="0">
+                <a:solidFill>
+                  <a:srgbClr val="25715D"/>
+                </a:solidFill>
+                <a:hlinkClick r:id="rId6">
+                  <a:extLst>
+                    <a:ext uri="{A12FA001-AC4F-418D-AE19-62706E023703}">
+                      <ahyp:hlinkClr xmlns:ahyp="http://schemas.microsoft.com/office/drawing/2018/hyperlinkcolor" val="tx"/>
+                    </a:ext>
+                  </a:extLst>
+                </a:hlinkClick>
+              </a:rPr>
+              <a:t>https://github.com/nvaccess/nvda/issues</a:t>
+            </a:r>
+            <a:endParaRPr lang="en-US" sz="1600" dirty="0">
+              <a:solidFill>
+                <a:srgbClr val="25715D"/>
+              </a:solidFill>
+            </a:endParaRPr>
+          </a:p>
+          <a:p>
+            <a:pPr marL="285750" indent="-285750">
+              <a:buFont typeface="Arial" panose="020B0604020202020204" pitchFamily="34" charset="0"/>
+              <a:buChar char="•"/>
+            </a:pPr>
+            <a:r>
+              <a:rPr lang="en-US" sz="1600" dirty="0">
+                <a:solidFill>
+                  <a:srgbClr val="25715D"/>
+                </a:solidFill>
+                <a:hlinkClick r:id="rId7">
+                  <a:extLst>
+                    <a:ext uri="{A12FA001-AC4F-418D-AE19-62706E023703}">
+                      <ahyp:hlinkClr xmlns:ahyp="http://schemas.microsoft.com/office/drawing/2018/hyperlinkcolor" val="tx"/>
+                    </a:ext>
+                  </a:extLst>
+                </a:hlinkClick>
+              </a:rPr>
+              <a:t>https://applevis.com</a:t>
+            </a:r>
+            <a:endParaRPr lang="en-US" sz="1600" dirty="0">
+              <a:solidFill>
+                <a:srgbClr val="25715D"/>
+              </a:solidFill>
+            </a:endParaRPr>
+          </a:p>
+          <a:p>
+            <a:endParaRPr lang="en-US" sz="1600" dirty="0">
+              <a:solidFill>
+                <a:srgbClr val="25715D"/>
+              </a:solidFill>
+            </a:endParaRPr>
+          </a:p>
+          <a:p>
+            <a:r>
+              <a:rPr lang="en-US" sz="1600" b="1" dirty="0"/>
+              <a:t>Example Known Issues</a:t>
+            </a:r>
+          </a:p>
+          <a:p>
+            <a:pPr marL="285750" indent="-285750">
+              <a:buFont typeface="Arial" panose="020B0604020202020204" pitchFamily="34" charset="0"/>
+              <a:buChar char="•"/>
+            </a:pPr>
+            <a:r>
+              <a:rPr lang="en-US" sz="1600" b="1" dirty="0"/>
+              <a:t>Android</a:t>
+            </a:r>
+            <a:r>
+              <a:rPr lang="en-US" sz="1600" dirty="0"/>
+              <a:t>: </a:t>
+            </a:r>
+            <a:r>
+              <a:rPr lang="en-US" sz="1600" dirty="0" err="1"/>
+              <a:t>TalkBack</a:t>
+            </a:r>
+            <a:r>
+              <a:rPr lang="en-US" sz="1600" dirty="0"/>
+              <a:t> doesn’t always read required attributes even when you use aria-required.</a:t>
+            </a:r>
+          </a:p>
+          <a:p>
+            <a:pPr marL="285750" indent="-285750">
+              <a:buFont typeface="Arial" panose="020B0604020202020204" pitchFamily="34" charset="0"/>
+              <a:buChar char="•"/>
+            </a:pPr>
+            <a:r>
+              <a:rPr lang="en-US" sz="1600" b="1" dirty="0"/>
+              <a:t>MacOS &amp; iOS</a:t>
+            </a:r>
+            <a:r>
+              <a:rPr lang="en-US" sz="1600" dirty="0"/>
+              <a:t>: When using </a:t>
+            </a:r>
+            <a:r>
+              <a:rPr lang="en-US" sz="1600" dirty="0" err="1"/>
+              <a:t>VoiceOver</a:t>
+            </a:r>
+            <a:r>
+              <a:rPr lang="en-US" sz="1600" dirty="0"/>
+              <a:t> &amp; Safari, unordered lists that have had their styling removed won’t be read as lists consistently.</a:t>
+            </a:r>
+          </a:p>
+        </p:txBody>
+      </p:sp>
+      <p:sp>
+        <p:nvSpPr>
+          <p:cNvPr id="11" name="Text Placeholder 10">
+            <a:extLst>
+              <a:ext uri="{FF2B5EF4-FFF2-40B4-BE49-F238E27FC236}">
+                <a16:creationId xmlns:a16="http://schemas.microsoft.com/office/drawing/2014/main" id="{41DA0D3E-DF05-DC76-9E57-9A38A6E2513F}"/>
+              </a:ext>
+            </a:extLst>
+          </p:cNvPr>
+          <p:cNvSpPr>
+            <a:spLocks noGrp="1"/>
+          </p:cNvSpPr>
+          <p:nvPr>
+            <p:ph type="body" sz="quarter" idx="12"/>
+          </p:nvPr>
+        </p:nvSpPr>
+        <p:spPr>
+          <a:xfrm>
+            <a:off x="381001" y="6347724"/>
+            <a:ext cx="1306286" cy="402336"/>
+          </a:xfrm>
+        </p:spPr>
+        <p:txBody>
+          <a:bodyPr/>
+          <a:lstStyle/>
+          <a:p>
+            <a:r>
+              <a:rPr lang="en-US" dirty="0"/>
+              <a:t>Erissa</a:t>
+            </a:r>
+          </a:p>
+        </p:txBody>
+      </p:sp>
+      <p:sp>
+        <p:nvSpPr>
+          <p:cNvPr id="3" name="Date Placeholder 2">
+            <a:extLst>
+              <a:ext uri="{FF2B5EF4-FFF2-40B4-BE49-F238E27FC236}">
+                <a16:creationId xmlns:a16="http://schemas.microsoft.com/office/drawing/2014/main" id="{74CDBCEE-BAE9-227E-1B67-DAFF929A9A1A}"/>
+              </a:ext>
+            </a:extLst>
+          </p:cNvPr>
+          <p:cNvSpPr>
+            <a:spLocks noGrp="1"/>
+          </p:cNvSpPr>
+          <p:nvPr>
+            <p:ph type="dt" sz="half" idx="2"/>
+          </p:nvPr>
+        </p:nvSpPr>
+        <p:spPr>
+          <a:xfrm>
+            <a:off x="10552926" y="6226628"/>
+            <a:ext cx="1143773" cy="631372"/>
+          </a:xfrm>
+        </p:spPr>
+        <p:txBody>
+          <a:bodyPr/>
+          <a:lstStyle/>
+          <a:p>
+            <a:fld id="{365C6142-4DC0-4393-AD7A-3943A8E630E4}" type="datetime1">
+              <a:rPr lang="en-US" smtClean="0"/>
+              <a:t>3/27/2024</a:t>
+            </a:fld>
+            <a:endParaRPr lang="en-US" dirty="0"/>
+          </a:p>
+        </p:txBody>
+      </p:sp>
+      <p:sp>
+        <p:nvSpPr>
+          <p:cNvPr id="4" name="Slide Number Placeholder 3">
+            <a:extLst>
+              <a:ext uri="{FF2B5EF4-FFF2-40B4-BE49-F238E27FC236}">
+                <a16:creationId xmlns:a16="http://schemas.microsoft.com/office/drawing/2014/main" id="{C1D58C14-DDB7-A845-BB06-BE79D4FE3836}"/>
+              </a:ext>
+            </a:extLst>
+          </p:cNvPr>
+          <p:cNvSpPr>
+            <a:spLocks noGrp="1"/>
+          </p:cNvSpPr>
+          <p:nvPr>
+            <p:ph type="sldNum" sz="quarter" idx="4"/>
+          </p:nvPr>
+        </p:nvSpPr>
+        <p:spPr>
+          <a:xfrm>
+            <a:off x="11696699" y="6226628"/>
+            <a:ext cx="506186" cy="631372"/>
+          </a:xfrm>
+        </p:spPr>
+        <p:txBody>
+          <a:bodyPr/>
+          <a:lstStyle/>
+          <a:p>
+            <a:fld id="{294A09A9-5501-47C1-A89A-A340965A2BE2}" type="slidenum">
+              <a:rPr lang="en-US" smtClean="0"/>
+              <a:pPr/>
+              <a:t>11</a:t>
+            </a:fld>
+            <a:endParaRPr lang="en-US" dirty="0"/>
+          </a:p>
+        </p:txBody>
+      </p:sp>
+    </p:spTree>
+    <p:extLst>
+      <p:ext uri="{BB962C8B-B14F-4D97-AF65-F5344CB8AC3E}">
+        <p14:creationId xmlns:p14="http://schemas.microsoft.com/office/powerpoint/2010/main" val="2411977817"/>
+      </p:ext>
+    </p:extLst>
+  </p:cSld>
+  <p:clrMapOvr>
+    <a:masterClrMapping/>
+  </p:clrMapOvr>
+</p:sld>
+</file>
+
+<file path=ppt/slides/slide12.xml><?xml version="1.0" encoding="utf-8"?>
 <p:sld xmlns:a="http://schemas.openxmlformats.org/drawingml/2006/main" xmlns:r="http://schemas.openxmlformats.org/officeDocument/2006/relationships" xmlns:p="http://schemas.openxmlformats.org/presentationml/2006/main">
   <p:cSld>
     <p:spTree>
@@ -26937,7 +28516,7 @@
           <a:p>
             <a:fld id="{EBA72B5A-673D-4607-9FF7-CCF53A6CFB8C}" type="datetime1">
               <a:rPr lang="en-US" smtClean="0"/>
-              <a:t>3/26/2024</a:t>
+              <a:t>3/27/2024</a:t>
             </a:fld>
             <a:endParaRPr lang="en-US" dirty="0"/>
           </a:p>
@@ -26972,7 +28551,7 @@
             <a:fld id="{294A09A9-5501-47C1-A89A-A340965A2BE2}" type="slidenum">
               <a:rPr lang="en-US" smtClean="0"/>
               <a:pPr/>
-              <a:t>10</a:t>
+              <a:t>12</a:t>
             </a:fld>
             <a:endParaRPr lang="en-US" dirty="0"/>
           </a:p>
@@ -26982,1501 +28561,6 @@
     <p:extLst>
       <p:ext uri="{BB962C8B-B14F-4D97-AF65-F5344CB8AC3E}">
         <p14:creationId xmlns:p14="http://schemas.microsoft.com/office/powerpoint/2010/main" val="1527386939"/>
-      </p:ext>
-    </p:extLst>
-  </p:cSld>
-  <p:clrMapOvr>
-    <a:masterClrMapping/>
-  </p:clrMapOvr>
-</p:sld>
-</file>
-
-<file path=ppt/slides/slide11.xml><?xml version="1.0" encoding="utf-8"?>
-<p:sld xmlns:a="http://schemas.openxmlformats.org/drawingml/2006/main" xmlns:r="http://schemas.openxmlformats.org/officeDocument/2006/relationships" xmlns:p="http://schemas.openxmlformats.org/presentationml/2006/main">
-  <p:cSld>
-    <p:spTree>
-      <p:nvGrpSpPr>
-        <p:cNvPr id="1" name=""/>
-        <p:cNvGrpSpPr/>
-        <p:nvPr/>
-      </p:nvGrpSpPr>
-      <p:grpSpPr>
-        <a:xfrm>
-          <a:off x="0" y="0"/>
-          <a:ext cx="0" cy="0"/>
-          <a:chOff x="0" y="0"/>
-          <a:chExt cx="0" cy="0"/>
-        </a:xfrm>
-      </p:grpSpPr>
-      <p:sp>
-        <p:nvSpPr>
-          <p:cNvPr id="2" name="Title 1">
-            <a:extLst>
-              <a:ext uri="{FF2B5EF4-FFF2-40B4-BE49-F238E27FC236}">
-                <a16:creationId xmlns:a16="http://schemas.microsoft.com/office/drawing/2014/main" id="{D543047E-FBFD-4F79-BCA5-10E69740F030}"/>
-              </a:ext>
-            </a:extLst>
-          </p:cNvPr>
-          <p:cNvSpPr>
-            <a:spLocks noGrp="1"/>
-          </p:cNvSpPr>
-          <p:nvPr>
-            <p:ph type="title"/>
-          </p:nvPr>
-        </p:nvSpPr>
-        <p:spPr>
-          <a:xfrm>
-            <a:off x="641350" y="851548"/>
-            <a:ext cx="10907016" cy="1491602"/>
-          </a:xfrm>
-        </p:spPr>
-        <p:txBody>
-          <a:bodyPr/>
-          <a:lstStyle/>
-          <a:p>
-            <a:r>
-              <a:rPr lang="en-US" dirty="0"/>
-              <a:t>Known Issues</a:t>
-            </a:r>
-          </a:p>
-        </p:txBody>
-      </p:sp>
-      <p:sp>
-        <p:nvSpPr>
-          <p:cNvPr id="6" name="TextBox 5">
-            <a:extLst>
-              <a:ext uri="{FF2B5EF4-FFF2-40B4-BE49-F238E27FC236}">
-                <a16:creationId xmlns:a16="http://schemas.microsoft.com/office/drawing/2014/main" id="{D8ED466E-770B-D96A-AAB6-F93F22AF2391}"/>
-              </a:ext>
-            </a:extLst>
-          </p:cNvPr>
-          <p:cNvSpPr txBox="1"/>
-          <p:nvPr/>
-        </p:nvSpPr>
-        <p:spPr>
-          <a:xfrm>
-            <a:off x="397766" y="3023017"/>
-            <a:ext cx="11395916" cy="2831544"/>
-          </a:xfrm>
-          <a:prstGeom prst="rect">
-            <a:avLst/>
-          </a:prstGeom>
-          <a:noFill/>
-        </p:spPr>
-        <p:txBody>
-          <a:bodyPr wrap="square" rtlCol="0">
-            <a:spAutoFit/>
-          </a:bodyPr>
-          <a:lstStyle/>
-          <a:p>
-            <a:r>
-              <a:rPr lang="en-US" b="1" dirty="0"/>
-              <a:t>Issue Trackers</a:t>
-            </a:r>
-          </a:p>
-          <a:p>
-            <a:pPr marL="285750" indent="-285750">
-              <a:buFont typeface="Arial" panose="020B0604020202020204" pitchFamily="34" charset="0"/>
-              <a:buChar char="•"/>
-            </a:pPr>
-            <a:r>
-              <a:rPr lang="en-US" sz="1600" dirty="0">
-                <a:solidFill>
-                  <a:srgbClr val="25715D"/>
-                </a:solidFill>
-                <a:hlinkClick r:id="rId3">
-                  <a:extLst>
-                    <a:ext uri="{A12FA001-AC4F-418D-AE19-62706E023703}">
-                      <ahyp:hlinkClr xmlns:ahyp="http://schemas.microsoft.com/office/drawing/2018/hyperlinkcolor" val="tx"/>
-                    </a:ext>
-                  </a:extLst>
-                </a:hlinkClick>
-              </a:rPr>
-              <a:t>https://issuetracker.google.com/</a:t>
-            </a:r>
-            <a:endParaRPr lang="en-US" sz="1600" dirty="0">
-              <a:solidFill>
-                <a:srgbClr val="25715D"/>
-              </a:solidFill>
-            </a:endParaRPr>
-          </a:p>
-          <a:p>
-            <a:pPr marL="285750" indent="-285750">
-              <a:buFont typeface="Arial" panose="020B0604020202020204" pitchFamily="34" charset="0"/>
-              <a:buChar char="•"/>
-            </a:pPr>
-            <a:r>
-              <a:rPr lang="en-US" sz="1600" dirty="0">
-                <a:solidFill>
-                  <a:srgbClr val="25715D"/>
-                </a:solidFill>
-                <a:hlinkClick r:id="rId4">
-                  <a:extLst>
-                    <a:ext uri="{A12FA001-AC4F-418D-AE19-62706E023703}">
-                      <ahyp:hlinkClr xmlns:ahyp="http://schemas.microsoft.com/office/drawing/2018/hyperlinkcolor" val="tx"/>
-                    </a:ext>
-                  </a:extLst>
-                </a:hlinkClick>
-              </a:rPr>
-              <a:t>https://issues.chromium.org/</a:t>
-            </a:r>
-            <a:endParaRPr lang="en-US" sz="1600" dirty="0">
-              <a:solidFill>
-                <a:srgbClr val="25715D"/>
-              </a:solidFill>
-            </a:endParaRPr>
-          </a:p>
-          <a:p>
-            <a:pPr marL="285750" indent="-285750">
-              <a:buFont typeface="Arial" panose="020B0604020202020204" pitchFamily="34" charset="0"/>
-              <a:buChar char="•"/>
-            </a:pPr>
-            <a:r>
-              <a:rPr lang="en-US" sz="1600" dirty="0">
-                <a:solidFill>
-                  <a:srgbClr val="25715D"/>
-                </a:solidFill>
-                <a:hlinkClick r:id="rId5">
-                  <a:extLst>
-                    <a:ext uri="{A12FA001-AC4F-418D-AE19-62706E023703}">
-                      <ahyp:hlinkClr xmlns:ahyp="http://schemas.microsoft.com/office/drawing/2018/hyperlinkcolor" val="tx"/>
-                    </a:ext>
-                  </a:extLst>
-                </a:hlinkClick>
-              </a:rPr>
-              <a:t>https://bugs.webkit.org/</a:t>
-            </a:r>
-            <a:endParaRPr lang="en-US" sz="1600" dirty="0">
-              <a:solidFill>
-                <a:srgbClr val="25715D"/>
-              </a:solidFill>
-            </a:endParaRPr>
-          </a:p>
-          <a:p>
-            <a:pPr marL="285750" indent="-285750">
-              <a:buFont typeface="Arial" panose="020B0604020202020204" pitchFamily="34" charset="0"/>
-              <a:buChar char="•"/>
-            </a:pPr>
-            <a:r>
-              <a:rPr lang="en-US" sz="1600" dirty="0">
-                <a:solidFill>
-                  <a:srgbClr val="25715D"/>
-                </a:solidFill>
-                <a:hlinkClick r:id="rId6">
-                  <a:extLst>
-                    <a:ext uri="{A12FA001-AC4F-418D-AE19-62706E023703}">
-                      <ahyp:hlinkClr xmlns:ahyp="http://schemas.microsoft.com/office/drawing/2018/hyperlinkcolor" val="tx"/>
-                    </a:ext>
-                  </a:extLst>
-                </a:hlinkClick>
-              </a:rPr>
-              <a:t>https://github.com/nvaccess/nvda/issues</a:t>
-            </a:r>
-            <a:endParaRPr lang="en-US" sz="1600" dirty="0">
-              <a:solidFill>
-                <a:srgbClr val="25715D"/>
-              </a:solidFill>
-            </a:endParaRPr>
-          </a:p>
-          <a:p>
-            <a:pPr marL="285750" indent="-285750">
-              <a:buFont typeface="Arial" panose="020B0604020202020204" pitchFamily="34" charset="0"/>
-              <a:buChar char="•"/>
-            </a:pPr>
-            <a:r>
-              <a:rPr lang="en-US" sz="1600" dirty="0">
-                <a:solidFill>
-                  <a:srgbClr val="25715D"/>
-                </a:solidFill>
-                <a:hlinkClick r:id="rId7">
-                  <a:extLst>
-                    <a:ext uri="{A12FA001-AC4F-418D-AE19-62706E023703}">
-                      <ahyp:hlinkClr xmlns:ahyp="http://schemas.microsoft.com/office/drawing/2018/hyperlinkcolor" val="tx"/>
-                    </a:ext>
-                  </a:extLst>
-                </a:hlinkClick>
-              </a:rPr>
-              <a:t>https://applevis.com</a:t>
-            </a:r>
-            <a:endParaRPr lang="en-US" sz="1600" dirty="0">
-              <a:solidFill>
-                <a:srgbClr val="25715D"/>
-              </a:solidFill>
-            </a:endParaRPr>
-          </a:p>
-          <a:p>
-            <a:endParaRPr lang="en-US" sz="1600" dirty="0">
-              <a:solidFill>
-                <a:srgbClr val="25715D"/>
-              </a:solidFill>
-            </a:endParaRPr>
-          </a:p>
-          <a:p>
-            <a:r>
-              <a:rPr lang="en-US" sz="1600" b="1" dirty="0"/>
-              <a:t>Example Known Issues</a:t>
-            </a:r>
-          </a:p>
-          <a:p>
-            <a:pPr marL="285750" indent="-285750">
-              <a:buFont typeface="Arial" panose="020B0604020202020204" pitchFamily="34" charset="0"/>
-              <a:buChar char="•"/>
-            </a:pPr>
-            <a:r>
-              <a:rPr lang="en-US" sz="1600" b="1" dirty="0"/>
-              <a:t>Android</a:t>
-            </a:r>
-            <a:r>
-              <a:rPr lang="en-US" sz="1600" dirty="0"/>
-              <a:t>: </a:t>
-            </a:r>
-            <a:r>
-              <a:rPr lang="en-US" sz="1600" dirty="0" err="1"/>
-              <a:t>TalkBack</a:t>
-            </a:r>
-            <a:r>
-              <a:rPr lang="en-US" sz="1600" dirty="0"/>
-              <a:t> doesn’t always read required attributes even when you use aria-required.</a:t>
-            </a:r>
-          </a:p>
-          <a:p>
-            <a:pPr marL="285750" indent="-285750">
-              <a:buFont typeface="Arial" panose="020B0604020202020204" pitchFamily="34" charset="0"/>
-              <a:buChar char="•"/>
-            </a:pPr>
-            <a:r>
-              <a:rPr lang="en-US" sz="1600" b="1" dirty="0"/>
-              <a:t>MacOS &amp; iOS</a:t>
-            </a:r>
-            <a:r>
-              <a:rPr lang="en-US" sz="1600" dirty="0"/>
-              <a:t>: When using </a:t>
-            </a:r>
-            <a:r>
-              <a:rPr lang="en-US" sz="1600" dirty="0" err="1"/>
-              <a:t>VoiceOver</a:t>
-            </a:r>
-            <a:r>
-              <a:rPr lang="en-US" sz="1600" dirty="0"/>
-              <a:t> &amp; Safari, unordered lists that have had their styling removed won’t be read as lists consistently.</a:t>
-            </a:r>
-          </a:p>
-        </p:txBody>
-      </p:sp>
-      <p:sp>
-        <p:nvSpPr>
-          <p:cNvPr id="11" name="Text Placeholder 10">
-            <a:extLst>
-              <a:ext uri="{FF2B5EF4-FFF2-40B4-BE49-F238E27FC236}">
-                <a16:creationId xmlns:a16="http://schemas.microsoft.com/office/drawing/2014/main" id="{41DA0D3E-DF05-DC76-9E57-9A38A6E2513F}"/>
-              </a:ext>
-            </a:extLst>
-          </p:cNvPr>
-          <p:cNvSpPr>
-            <a:spLocks noGrp="1"/>
-          </p:cNvSpPr>
-          <p:nvPr>
-            <p:ph type="body" sz="quarter" idx="12"/>
-          </p:nvPr>
-        </p:nvSpPr>
-        <p:spPr>
-          <a:xfrm>
-            <a:off x="381001" y="6347724"/>
-            <a:ext cx="1306286" cy="402336"/>
-          </a:xfrm>
-        </p:spPr>
-        <p:txBody>
-          <a:bodyPr/>
-          <a:lstStyle/>
-          <a:p>
-            <a:r>
-              <a:rPr lang="en-US" dirty="0"/>
-              <a:t>Erissa</a:t>
-            </a:r>
-          </a:p>
-        </p:txBody>
-      </p:sp>
-      <p:sp>
-        <p:nvSpPr>
-          <p:cNvPr id="3" name="Date Placeholder 2">
-            <a:extLst>
-              <a:ext uri="{FF2B5EF4-FFF2-40B4-BE49-F238E27FC236}">
-                <a16:creationId xmlns:a16="http://schemas.microsoft.com/office/drawing/2014/main" id="{74CDBCEE-BAE9-227E-1B67-DAFF929A9A1A}"/>
-              </a:ext>
-            </a:extLst>
-          </p:cNvPr>
-          <p:cNvSpPr>
-            <a:spLocks noGrp="1"/>
-          </p:cNvSpPr>
-          <p:nvPr>
-            <p:ph type="dt" sz="half" idx="2"/>
-          </p:nvPr>
-        </p:nvSpPr>
-        <p:spPr>
-          <a:xfrm>
-            <a:off x="10552926" y="6226628"/>
-            <a:ext cx="1143773" cy="631372"/>
-          </a:xfrm>
-        </p:spPr>
-        <p:txBody>
-          <a:bodyPr/>
-          <a:lstStyle/>
-          <a:p>
-            <a:fld id="{365C6142-4DC0-4393-AD7A-3943A8E630E4}" type="datetime1">
-              <a:rPr lang="en-US" smtClean="0"/>
-              <a:t>3/26/2024</a:t>
-            </a:fld>
-            <a:endParaRPr lang="en-US" dirty="0"/>
-          </a:p>
-        </p:txBody>
-      </p:sp>
-      <p:sp>
-        <p:nvSpPr>
-          <p:cNvPr id="4" name="Slide Number Placeholder 3">
-            <a:extLst>
-              <a:ext uri="{FF2B5EF4-FFF2-40B4-BE49-F238E27FC236}">
-                <a16:creationId xmlns:a16="http://schemas.microsoft.com/office/drawing/2014/main" id="{C1D58C14-DDB7-A845-BB06-BE79D4FE3836}"/>
-              </a:ext>
-            </a:extLst>
-          </p:cNvPr>
-          <p:cNvSpPr>
-            <a:spLocks noGrp="1"/>
-          </p:cNvSpPr>
-          <p:nvPr>
-            <p:ph type="sldNum" sz="quarter" idx="4"/>
-          </p:nvPr>
-        </p:nvSpPr>
-        <p:spPr>
-          <a:xfrm>
-            <a:off x="11696699" y="6226628"/>
-            <a:ext cx="506186" cy="631372"/>
-          </a:xfrm>
-        </p:spPr>
-        <p:txBody>
-          <a:bodyPr/>
-          <a:lstStyle/>
-          <a:p>
-            <a:fld id="{294A09A9-5501-47C1-A89A-A340965A2BE2}" type="slidenum">
-              <a:rPr lang="en-US" smtClean="0"/>
-              <a:pPr/>
-              <a:t>11</a:t>
-            </a:fld>
-            <a:endParaRPr lang="en-US" dirty="0"/>
-          </a:p>
-        </p:txBody>
-      </p:sp>
-    </p:spTree>
-    <p:extLst>
-      <p:ext uri="{BB962C8B-B14F-4D97-AF65-F5344CB8AC3E}">
-        <p14:creationId xmlns:p14="http://schemas.microsoft.com/office/powerpoint/2010/main" val="2411977817"/>
-      </p:ext>
-    </p:extLst>
-  </p:cSld>
-  <p:clrMapOvr>
-    <a:masterClrMapping/>
-  </p:clrMapOvr>
-</p:sld>
-</file>
-
-<file path=ppt/slides/slide12.xml><?xml version="1.0" encoding="utf-8"?>
-<p:sld xmlns:a="http://schemas.openxmlformats.org/drawingml/2006/main" xmlns:r="http://schemas.openxmlformats.org/officeDocument/2006/relationships" xmlns:p="http://schemas.openxmlformats.org/presentationml/2006/main">
-  <p:cSld>
-    <p:spTree>
-      <p:nvGrpSpPr>
-        <p:cNvPr id="1" name=""/>
-        <p:cNvGrpSpPr/>
-        <p:nvPr/>
-      </p:nvGrpSpPr>
-      <p:grpSpPr>
-        <a:xfrm>
-          <a:off x="0" y="0"/>
-          <a:ext cx="0" cy="0"/>
-          <a:chOff x="0" y="0"/>
-          <a:chExt cx="0" cy="0"/>
-        </a:xfrm>
-      </p:grpSpPr>
-      <p:sp>
-        <p:nvSpPr>
-          <p:cNvPr id="2" name="Title 1">
-            <a:extLst>
-              <a:ext uri="{FF2B5EF4-FFF2-40B4-BE49-F238E27FC236}">
-                <a16:creationId xmlns:a16="http://schemas.microsoft.com/office/drawing/2014/main" id="{65D21D35-735C-5EA0-F614-043B77C30B75}"/>
-              </a:ext>
-            </a:extLst>
-          </p:cNvPr>
-          <p:cNvSpPr>
-            <a:spLocks noGrp="1"/>
-          </p:cNvSpPr>
-          <p:nvPr>
-            <p:ph type="title"/>
-          </p:nvPr>
-        </p:nvSpPr>
-        <p:spPr>
-          <a:xfrm>
-            <a:off x="641350" y="315449"/>
-            <a:ext cx="10907016" cy="1701774"/>
-          </a:xfrm>
-        </p:spPr>
-        <p:txBody>
-          <a:bodyPr/>
-          <a:lstStyle/>
-          <a:p>
-            <a:r>
-              <a:rPr lang="en-US" dirty="0"/>
-              <a:t>Tool Examples</a:t>
-            </a:r>
-          </a:p>
-        </p:txBody>
-      </p:sp>
-      <p:sp>
-        <p:nvSpPr>
-          <p:cNvPr id="9" name="Content Placeholder 8">
-            <a:extLst>
-              <a:ext uri="{FF2B5EF4-FFF2-40B4-BE49-F238E27FC236}">
-                <a16:creationId xmlns:a16="http://schemas.microsoft.com/office/drawing/2014/main" id="{59F4DA42-132C-5B75-60EA-75D18E3E2EC3}"/>
-              </a:ext>
-            </a:extLst>
-          </p:cNvPr>
-          <p:cNvSpPr>
-            <a:spLocks noGrp="1"/>
-          </p:cNvSpPr>
-          <p:nvPr>
-            <p:ph sz="half" idx="1"/>
-          </p:nvPr>
-        </p:nvSpPr>
-        <p:spPr>
-          <a:xfrm>
-            <a:off x="680968" y="2441112"/>
-            <a:ext cx="1959625" cy="2962729"/>
-          </a:xfrm>
-        </p:spPr>
-        <p:txBody>
-          <a:bodyPr/>
-          <a:lstStyle/>
-          <a:p>
-            <a:pPr marL="114300" indent="-114300">
-              <a:buFont typeface="Arial" panose="020B0604020202020204" pitchFamily="34" charset="0"/>
-              <a:buChar char="•"/>
-            </a:pPr>
-            <a:r>
-              <a:rPr lang="en-US" dirty="0">
-                <a:solidFill>
-                  <a:srgbClr val="25715D"/>
-                </a:solidFill>
-                <a:hlinkClick r:id="rId3">
-                  <a:extLst>
-                    <a:ext uri="{A12FA001-AC4F-418D-AE19-62706E023703}">
-                      <ahyp:hlinkClr xmlns:ahyp="http://schemas.microsoft.com/office/drawing/2018/hyperlinkcolor" val="tx"/>
-                    </a:ext>
-                  </a:extLst>
-                </a:hlinkClick>
-              </a:rPr>
-              <a:t>Landmarks</a:t>
-            </a:r>
-            <a:endParaRPr lang="en-US" dirty="0">
-              <a:solidFill>
-                <a:srgbClr val="25715D"/>
-              </a:solidFill>
-            </a:endParaRPr>
-          </a:p>
-          <a:p>
-            <a:pPr marL="114300" indent="-114300">
-              <a:buFont typeface="Arial" panose="020B0604020202020204" pitchFamily="34" charset="0"/>
-              <a:buChar char="•"/>
-            </a:pPr>
-            <a:r>
-              <a:rPr lang="en-US" dirty="0">
-                <a:solidFill>
-                  <a:srgbClr val="25715D"/>
-                </a:solidFill>
-                <a:hlinkClick r:id="rId4">
-                  <a:extLst>
-                    <a:ext uri="{A12FA001-AC4F-418D-AE19-62706E023703}">
-                      <ahyp:hlinkClr xmlns:ahyp="http://schemas.microsoft.com/office/drawing/2018/hyperlinkcolor" val="tx"/>
-                    </a:ext>
-                  </a:extLst>
-                </a:hlinkClick>
-              </a:rPr>
-              <a:t>Headings</a:t>
-            </a:r>
-            <a:endParaRPr lang="en-US" dirty="0">
-              <a:solidFill>
-                <a:srgbClr val="25715D"/>
-              </a:solidFill>
-            </a:endParaRPr>
-          </a:p>
-          <a:p>
-            <a:pPr marL="114300" indent="-114300">
-              <a:buFont typeface="Arial" panose="020B0604020202020204" pitchFamily="34" charset="0"/>
-              <a:buChar char="•"/>
-            </a:pPr>
-            <a:r>
-              <a:rPr lang="en-US" dirty="0">
-                <a:solidFill>
-                  <a:srgbClr val="25715D"/>
-                </a:solidFill>
-                <a:hlinkClick r:id="rId5">
-                  <a:extLst>
-                    <a:ext uri="{A12FA001-AC4F-418D-AE19-62706E023703}">
-                      <ahyp:hlinkClr xmlns:ahyp="http://schemas.microsoft.com/office/drawing/2018/hyperlinkcolor" val="tx"/>
-                    </a:ext>
-                  </a:extLst>
-                </a:hlinkClick>
-              </a:rPr>
-              <a:t>Lists</a:t>
-            </a:r>
-            <a:endParaRPr lang="en-US" dirty="0">
-              <a:solidFill>
-                <a:srgbClr val="25715D"/>
-              </a:solidFill>
-            </a:endParaRPr>
-          </a:p>
-          <a:p>
-            <a:pPr marL="114300" indent="-114300">
-              <a:buFont typeface="Arial" panose="020B0604020202020204" pitchFamily="34" charset="0"/>
-              <a:buChar char="•"/>
-            </a:pPr>
-            <a:r>
-              <a:rPr lang="en-US" dirty="0">
-                <a:solidFill>
-                  <a:srgbClr val="25715D"/>
-                </a:solidFill>
-                <a:hlinkClick r:id="rId6">
-                  <a:extLst>
-                    <a:ext uri="{A12FA001-AC4F-418D-AE19-62706E023703}">
-                      <ahyp:hlinkClr xmlns:ahyp="http://schemas.microsoft.com/office/drawing/2018/hyperlinkcolor" val="tx"/>
-                    </a:ext>
-                  </a:extLst>
-                </a:hlinkClick>
-              </a:rPr>
-              <a:t>Lang</a:t>
-            </a:r>
-            <a:endParaRPr lang="en-US" dirty="0">
-              <a:solidFill>
-                <a:srgbClr val="25715D"/>
-              </a:solidFill>
-            </a:endParaRPr>
-          </a:p>
-          <a:p>
-            <a:pPr marL="114300" indent="-114300">
-              <a:buFont typeface="Arial" panose="020B0604020202020204" pitchFamily="34" charset="0"/>
-              <a:buChar char="•"/>
-            </a:pPr>
-            <a:r>
-              <a:rPr lang="en-US" dirty="0">
-                <a:solidFill>
-                  <a:srgbClr val="25715D"/>
-                </a:solidFill>
-                <a:hlinkClick r:id="rId7">
-                  <a:extLst>
-                    <a:ext uri="{A12FA001-AC4F-418D-AE19-62706E023703}">
-                      <ahyp:hlinkClr xmlns:ahyp="http://schemas.microsoft.com/office/drawing/2018/hyperlinkcolor" val="tx"/>
-                    </a:ext>
-                  </a:extLst>
-                </a:hlinkClick>
-              </a:rPr>
-              <a:t>Text Spacing</a:t>
-            </a:r>
-            <a:endParaRPr lang="en-US" dirty="0">
-              <a:solidFill>
-                <a:srgbClr val="25715D"/>
-              </a:solidFill>
-            </a:endParaRPr>
-          </a:p>
-          <a:p>
-            <a:pPr marL="114300" indent="-114300">
-              <a:buFont typeface="Arial" panose="020B0604020202020204" pitchFamily="34" charset="0"/>
-              <a:buChar char="•"/>
-            </a:pPr>
-            <a:r>
-              <a:rPr lang="en-US" dirty="0">
-                <a:solidFill>
-                  <a:srgbClr val="25715D"/>
-                </a:solidFill>
-                <a:hlinkClick r:id="rId8">
-                  <a:extLst>
-                    <a:ext uri="{A12FA001-AC4F-418D-AE19-62706E023703}">
-                      <ahyp:hlinkClr xmlns:ahyp="http://schemas.microsoft.com/office/drawing/2018/hyperlinkcolor" val="tx"/>
-                    </a:ext>
-                  </a:extLst>
-                </a:hlinkClick>
-              </a:rPr>
-              <a:t>ANDI</a:t>
-            </a:r>
-            <a:endParaRPr lang="en-US" dirty="0">
-              <a:solidFill>
-                <a:srgbClr val="25715D"/>
-              </a:solidFill>
-            </a:endParaRPr>
-          </a:p>
-          <a:p>
-            <a:pPr marL="114300" indent="-114300">
-              <a:buFont typeface="Arial" panose="020B0604020202020204" pitchFamily="34" charset="0"/>
-              <a:buChar char="•"/>
-            </a:pPr>
-            <a:r>
-              <a:rPr lang="en-US" dirty="0">
-                <a:solidFill>
-                  <a:srgbClr val="25715D"/>
-                </a:solidFill>
-                <a:hlinkClick r:id="rId9">
-                  <a:extLst>
-                    <a:ext uri="{A12FA001-AC4F-418D-AE19-62706E023703}">
-                      <ahyp:hlinkClr xmlns:ahyp="http://schemas.microsoft.com/office/drawing/2018/hyperlinkcolor" val="tx"/>
-                    </a:ext>
-                  </a:extLst>
-                </a:hlinkClick>
-              </a:rPr>
-              <a:t>Target Size</a:t>
-            </a:r>
-            <a:endParaRPr lang="en-US" dirty="0">
-              <a:solidFill>
-                <a:srgbClr val="25715D"/>
-              </a:solidFill>
-            </a:endParaRPr>
-          </a:p>
-        </p:txBody>
-      </p:sp>
-      <p:sp>
-        <p:nvSpPr>
-          <p:cNvPr id="10" name="Text Placeholder 9">
-            <a:extLst>
-              <a:ext uri="{FF2B5EF4-FFF2-40B4-BE49-F238E27FC236}">
-                <a16:creationId xmlns:a16="http://schemas.microsoft.com/office/drawing/2014/main" id="{84819E92-35A7-1399-61A6-BEA27420944B}"/>
-              </a:ext>
-            </a:extLst>
-          </p:cNvPr>
-          <p:cNvSpPr>
-            <a:spLocks noGrp="1"/>
-          </p:cNvSpPr>
-          <p:nvPr>
-            <p:ph type="body" sz="quarter" idx="14"/>
-          </p:nvPr>
-        </p:nvSpPr>
-        <p:spPr>
-          <a:xfrm>
-            <a:off x="933174" y="2128442"/>
-            <a:ext cx="1495838" cy="634262"/>
-          </a:xfrm>
-        </p:spPr>
-        <p:txBody>
-          <a:bodyPr/>
-          <a:lstStyle/>
-          <a:p>
-            <a:r>
-              <a:rPr lang="en-US" sz="1500" dirty="0"/>
-              <a:t>Bookmarklets</a:t>
-            </a:r>
-          </a:p>
-        </p:txBody>
-      </p:sp>
-      <p:sp>
-        <p:nvSpPr>
-          <p:cNvPr id="11" name="Content Placeholder 10">
-            <a:extLst>
-              <a:ext uri="{FF2B5EF4-FFF2-40B4-BE49-F238E27FC236}">
-                <a16:creationId xmlns:a16="http://schemas.microsoft.com/office/drawing/2014/main" id="{FE0A986A-5F20-07B8-5DF9-B14A7F745BE5}"/>
-              </a:ext>
-            </a:extLst>
-          </p:cNvPr>
-          <p:cNvSpPr>
-            <a:spLocks noGrp="1"/>
-          </p:cNvSpPr>
-          <p:nvPr>
-            <p:ph sz="half" idx="15"/>
-          </p:nvPr>
-        </p:nvSpPr>
-        <p:spPr>
-          <a:xfrm>
-            <a:off x="2890796" y="2441112"/>
-            <a:ext cx="1997845" cy="2962735"/>
-          </a:xfrm>
-        </p:spPr>
-        <p:txBody>
-          <a:bodyPr/>
-          <a:lstStyle/>
-          <a:p>
-            <a:pPr marL="114300" indent="-114300">
-              <a:buFont typeface="Arial" panose="020B0604020202020204" pitchFamily="34" charset="0"/>
-              <a:buChar char="•"/>
-            </a:pPr>
-            <a:r>
-              <a:rPr lang="en-US" dirty="0">
-                <a:solidFill>
-                  <a:srgbClr val="25715D"/>
-                </a:solidFill>
-                <a:hlinkClick r:id="rId10">
-                  <a:extLst>
-                    <a:ext uri="{A12FA001-AC4F-418D-AE19-62706E023703}">
-                      <ahyp:hlinkClr xmlns:ahyp="http://schemas.microsoft.com/office/drawing/2018/hyperlinkcolor" val="tx"/>
-                    </a:ext>
-                  </a:extLst>
-                </a:hlinkClick>
-              </a:rPr>
-              <a:t>Accessibility Insights</a:t>
-            </a:r>
-            <a:endParaRPr lang="en-US" dirty="0">
-              <a:solidFill>
-                <a:srgbClr val="25715D"/>
-              </a:solidFill>
-            </a:endParaRPr>
-          </a:p>
-          <a:p>
-            <a:pPr marL="114300" indent="-114300">
-              <a:buFont typeface="Arial" panose="020B0604020202020204" pitchFamily="34" charset="0"/>
-              <a:buChar char="•"/>
-            </a:pPr>
-            <a:r>
-              <a:rPr lang="en-US" dirty="0">
-                <a:solidFill>
-                  <a:srgbClr val="25715D"/>
-                </a:solidFill>
-                <a:hlinkClick r:id="rId11">
-                  <a:extLst>
-                    <a:ext uri="{A12FA001-AC4F-418D-AE19-62706E023703}">
-                      <ahyp:hlinkClr xmlns:ahyp="http://schemas.microsoft.com/office/drawing/2018/hyperlinkcolor" val="tx"/>
-                    </a:ext>
-                  </a:extLst>
-                </a:hlinkClick>
-              </a:rPr>
-              <a:t>Axe </a:t>
-            </a:r>
-            <a:r>
-              <a:rPr lang="en-US" dirty="0" err="1">
-                <a:solidFill>
-                  <a:srgbClr val="25715D"/>
-                </a:solidFill>
-                <a:hlinkClick r:id="rId11">
-                  <a:extLst>
-                    <a:ext uri="{A12FA001-AC4F-418D-AE19-62706E023703}">
-                      <ahyp:hlinkClr xmlns:ahyp="http://schemas.microsoft.com/office/drawing/2018/hyperlinkcolor" val="tx"/>
-                    </a:ext>
-                  </a:extLst>
-                </a:hlinkClick>
-              </a:rPr>
-              <a:t>DevTools</a:t>
-            </a:r>
-            <a:endParaRPr lang="en-US" dirty="0">
-              <a:solidFill>
-                <a:srgbClr val="25715D"/>
-              </a:solidFill>
-            </a:endParaRPr>
-          </a:p>
-          <a:p>
-            <a:pPr marL="114300" indent="-114300">
-              <a:buFont typeface="Arial" panose="020B0604020202020204" pitchFamily="34" charset="0"/>
-              <a:buChar char="•"/>
-            </a:pPr>
-            <a:r>
-              <a:rPr lang="en-US" dirty="0">
-                <a:solidFill>
-                  <a:srgbClr val="25715D"/>
-                </a:solidFill>
-                <a:hlinkClick r:id="rId12">
-                  <a:extLst>
-                    <a:ext uri="{A12FA001-AC4F-418D-AE19-62706E023703}">
-                      <ahyp:hlinkClr xmlns:ahyp="http://schemas.microsoft.com/office/drawing/2018/hyperlinkcolor" val="tx"/>
-                    </a:ext>
-                  </a:extLst>
-                </a:hlinkClick>
-              </a:rPr>
-              <a:t>WAVE</a:t>
-            </a:r>
-            <a:endParaRPr lang="en-US" dirty="0">
-              <a:solidFill>
-                <a:srgbClr val="25715D"/>
-              </a:solidFill>
-            </a:endParaRPr>
-          </a:p>
-          <a:p>
-            <a:pPr marL="114300" indent="-114300">
-              <a:buFont typeface="Arial" panose="020B0604020202020204" pitchFamily="34" charset="0"/>
-              <a:buChar char="•"/>
-            </a:pPr>
-            <a:r>
-              <a:rPr lang="en-US" dirty="0">
-                <a:solidFill>
-                  <a:srgbClr val="25715D"/>
-                </a:solidFill>
-                <a:hlinkClick r:id="rId13">
-                  <a:extLst>
-                    <a:ext uri="{A12FA001-AC4F-418D-AE19-62706E023703}">
-                      <ahyp:hlinkClr xmlns:ahyp="http://schemas.microsoft.com/office/drawing/2018/hyperlinkcolor" val="tx"/>
-                    </a:ext>
-                  </a:extLst>
-                </a:hlinkClick>
-              </a:rPr>
-              <a:t>Web Developer</a:t>
-            </a:r>
-            <a:endParaRPr lang="en-US" dirty="0">
-              <a:solidFill>
-                <a:srgbClr val="25715D"/>
-              </a:solidFill>
-            </a:endParaRPr>
-          </a:p>
-        </p:txBody>
-      </p:sp>
-      <p:sp>
-        <p:nvSpPr>
-          <p:cNvPr id="12" name="Text Placeholder 11">
-            <a:extLst>
-              <a:ext uri="{FF2B5EF4-FFF2-40B4-BE49-F238E27FC236}">
-                <a16:creationId xmlns:a16="http://schemas.microsoft.com/office/drawing/2014/main" id="{6C924181-2B43-A66E-1EF3-65E5FB49B797}"/>
-              </a:ext>
-            </a:extLst>
-          </p:cNvPr>
-          <p:cNvSpPr>
-            <a:spLocks noGrp="1"/>
-          </p:cNvSpPr>
-          <p:nvPr>
-            <p:ph type="body" sz="quarter" idx="16"/>
-          </p:nvPr>
-        </p:nvSpPr>
-        <p:spPr>
-          <a:xfrm>
-            <a:off x="3143002" y="2128231"/>
-            <a:ext cx="1495838" cy="634262"/>
-          </a:xfrm>
-        </p:spPr>
-        <p:txBody>
-          <a:bodyPr/>
-          <a:lstStyle/>
-          <a:p>
-            <a:r>
-              <a:rPr lang="en-US" dirty="0"/>
-              <a:t>Browser Extensions</a:t>
-            </a:r>
-          </a:p>
-        </p:txBody>
-      </p:sp>
-      <p:sp>
-        <p:nvSpPr>
-          <p:cNvPr id="13" name="Content Placeholder 12">
-            <a:extLst>
-              <a:ext uri="{FF2B5EF4-FFF2-40B4-BE49-F238E27FC236}">
-                <a16:creationId xmlns:a16="http://schemas.microsoft.com/office/drawing/2014/main" id="{C8141AF0-BE6F-42CE-E837-9F76576DD115}"/>
-              </a:ext>
-            </a:extLst>
-          </p:cNvPr>
-          <p:cNvSpPr>
-            <a:spLocks noGrp="1"/>
-          </p:cNvSpPr>
-          <p:nvPr>
-            <p:ph sz="half" idx="17"/>
-          </p:nvPr>
-        </p:nvSpPr>
-        <p:spPr>
-          <a:xfrm>
-            <a:off x="5097324" y="2441113"/>
-            <a:ext cx="1997846" cy="2962733"/>
-          </a:xfrm>
-        </p:spPr>
-        <p:txBody>
-          <a:bodyPr/>
-          <a:lstStyle/>
-          <a:p>
-            <a:pPr marL="114300" indent="-114300">
-              <a:buFont typeface="Arial" panose="020B0604020202020204" pitchFamily="34" charset="0"/>
-              <a:buChar char="•"/>
-            </a:pPr>
-            <a:r>
-              <a:rPr lang="en-US" sz="1200" dirty="0">
-                <a:solidFill>
-                  <a:srgbClr val="25715D"/>
-                </a:solidFill>
-                <a:hlinkClick r:id="rId14">
-                  <a:extLst>
-                    <a:ext uri="{A12FA001-AC4F-418D-AE19-62706E023703}">
-                      <ahyp:hlinkClr xmlns:ahyp="http://schemas.microsoft.com/office/drawing/2018/hyperlinkcolor" val="tx"/>
-                    </a:ext>
-                  </a:extLst>
-                </a:hlinkClick>
-              </a:rPr>
-              <a:t>Color Contrast </a:t>
-            </a:r>
-            <a:r>
-              <a:rPr lang="en-US" sz="1200" dirty="0" err="1">
-                <a:solidFill>
-                  <a:srgbClr val="25715D"/>
-                </a:solidFill>
-                <a:hlinkClick r:id="rId14">
-                  <a:extLst>
-                    <a:ext uri="{A12FA001-AC4F-418D-AE19-62706E023703}">
-                      <ahyp:hlinkClr xmlns:ahyp="http://schemas.microsoft.com/office/drawing/2018/hyperlinkcolor" val="tx"/>
-                    </a:ext>
-                  </a:extLst>
-                </a:hlinkClick>
-              </a:rPr>
-              <a:t>Analyser</a:t>
-            </a:r>
-            <a:r>
-              <a:rPr lang="en-US" sz="1200" dirty="0">
-                <a:solidFill>
-                  <a:srgbClr val="25715D"/>
-                </a:solidFill>
-                <a:hlinkClick r:id="rId14">
-                  <a:extLst>
-                    <a:ext uri="{A12FA001-AC4F-418D-AE19-62706E023703}">
-                      <ahyp:hlinkClr xmlns:ahyp="http://schemas.microsoft.com/office/drawing/2018/hyperlinkcolor" val="tx"/>
-                    </a:ext>
-                  </a:extLst>
-                </a:hlinkClick>
-              </a:rPr>
-              <a:t> (CCA)</a:t>
-            </a:r>
-            <a:endParaRPr lang="en-US" sz="1200" dirty="0">
-              <a:solidFill>
-                <a:srgbClr val="25715D"/>
-              </a:solidFill>
-            </a:endParaRPr>
-          </a:p>
-          <a:p>
-            <a:pPr marL="114300" indent="-114300">
-              <a:buFont typeface="Arial" panose="020B0604020202020204" pitchFamily="34" charset="0"/>
-              <a:buChar char="•"/>
-            </a:pPr>
-            <a:r>
-              <a:rPr lang="en-US" sz="1200" dirty="0">
-                <a:solidFill>
-                  <a:srgbClr val="25715D"/>
-                </a:solidFill>
-                <a:hlinkClick r:id="rId15">
-                  <a:extLst>
-                    <a:ext uri="{A12FA001-AC4F-418D-AE19-62706E023703}">
-                      <ahyp:hlinkClr xmlns:ahyp="http://schemas.microsoft.com/office/drawing/2018/hyperlinkcolor" val="tx"/>
-                    </a:ext>
-                  </a:extLst>
-                </a:hlinkClick>
-              </a:rPr>
-              <a:t>PDF Accessibility Checker (PAC)</a:t>
-            </a:r>
-            <a:endParaRPr lang="en-US" sz="1200" dirty="0">
-              <a:solidFill>
-                <a:srgbClr val="25715D"/>
-              </a:solidFill>
-            </a:endParaRPr>
-          </a:p>
-          <a:p>
-            <a:pPr marL="114300" indent="-114300">
-              <a:buFont typeface="Arial" panose="020B0604020202020204" pitchFamily="34" charset="0"/>
-              <a:buChar char="•"/>
-            </a:pPr>
-            <a:r>
-              <a:rPr lang="en-US" sz="1200" dirty="0">
-                <a:solidFill>
-                  <a:srgbClr val="25715D"/>
-                </a:solidFill>
-                <a:hlinkClick r:id="rId16">
-                  <a:extLst>
-                    <a:ext uri="{A12FA001-AC4F-418D-AE19-62706E023703}">
-                      <ahyp:hlinkClr xmlns:ahyp="http://schemas.microsoft.com/office/drawing/2018/hyperlinkcolor" val="tx"/>
-                    </a:ext>
-                  </a:extLst>
-                </a:hlinkClick>
-              </a:rPr>
-              <a:t>Photosensitive Epilepsy Analysis Tool (PEAT)</a:t>
-            </a:r>
-            <a:endParaRPr lang="en-US" sz="1200" dirty="0">
-              <a:solidFill>
-                <a:srgbClr val="25715D"/>
-              </a:solidFill>
-            </a:endParaRPr>
-          </a:p>
-          <a:p>
-            <a:pPr marL="114300" indent="-114300">
-              <a:buFont typeface="Arial" panose="020B0604020202020204" pitchFamily="34" charset="0"/>
-              <a:buChar char="•"/>
-            </a:pPr>
-            <a:r>
-              <a:rPr lang="en-US" sz="1200" dirty="0">
-                <a:solidFill>
-                  <a:srgbClr val="25715D"/>
-                </a:solidFill>
-                <a:hlinkClick r:id="rId17">
-                  <a:extLst>
-                    <a:ext uri="{A12FA001-AC4F-418D-AE19-62706E023703}">
-                      <ahyp:hlinkClr xmlns:ahyp="http://schemas.microsoft.com/office/drawing/2018/hyperlinkcolor" val="tx"/>
-                    </a:ext>
-                  </a:extLst>
-                </a:hlinkClick>
-              </a:rPr>
-              <a:t>ZoomText</a:t>
-            </a:r>
-            <a:endParaRPr lang="en-US" sz="1200" dirty="0">
-              <a:solidFill>
-                <a:srgbClr val="25715D"/>
-              </a:solidFill>
-            </a:endParaRPr>
-          </a:p>
-          <a:p>
-            <a:pPr marL="114300" indent="-114300">
-              <a:buFont typeface="Arial" panose="020B0604020202020204" pitchFamily="34" charset="0"/>
-              <a:buChar char="•"/>
-            </a:pPr>
-            <a:r>
-              <a:rPr lang="en-US" sz="1200" dirty="0">
-                <a:solidFill>
-                  <a:srgbClr val="25715D"/>
-                </a:solidFill>
-                <a:hlinkClick r:id="rId18">
-                  <a:extLst>
-                    <a:ext uri="{A12FA001-AC4F-418D-AE19-62706E023703}">
-                      <ahyp:hlinkClr xmlns:ahyp="http://schemas.microsoft.com/office/drawing/2018/hyperlinkcolor" val="tx"/>
-                    </a:ext>
-                  </a:extLst>
-                </a:hlinkClick>
-              </a:rPr>
-              <a:t>Fusion</a:t>
-            </a:r>
-            <a:endParaRPr lang="en-US" sz="1200" dirty="0">
-              <a:solidFill>
-                <a:srgbClr val="25715D"/>
-              </a:solidFill>
-            </a:endParaRPr>
-          </a:p>
-          <a:p>
-            <a:pPr marL="114300" indent="-114300">
-              <a:buFont typeface="Arial" panose="020B0604020202020204" pitchFamily="34" charset="0"/>
-              <a:buChar char="•"/>
-            </a:pPr>
-            <a:r>
-              <a:rPr lang="en-US" sz="1200" dirty="0">
-                <a:solidFill>
-                  <a:srgbClr val="25715D"/>
-                </a:solidFill>
-                <a:hlinkClick r:id="rId19">
-                  <a:extLst>
-                    <a:ext uri="{A12FA001-AC4F-418D-AE19-62706E023703}">
-                      <ahyp:hlinkClr xmlns:ahyp="http://schemas.microsoft.com/office/drawing/2018/hyperlinkcolor" val="tx"/>
-                    </a:ext>
-                  </a:extLst>
-                </a:hlinkClick>
-              </a:rPr>
-              <a:t>Dragon</a:t>
-            </a:r>
-            <a:endParaRPr lang="en-US" sz="1200" dirty="0">
-              <a:solidFill>
-                <a:srgbClr val="25715D"/>
-              </a:solidFill>
-            </a:endParaRPr>
-          </a:p>
-        </p:txBody>
-      </p:sp>
-      <p:sp>
-        <p:nvSpPr>
-          <p:cNvPr id="14" name="Text Placeholder 13">
-            <a:extLst>
-              <a:ext uri="{FF2B5EF4-FFF2-40B4-BE49-F238E27FC236}">
-                <a16:creationId xmlns:a16="http://schemas.microsoft.com/office/drawing/2014/main" id="{780C656F-E056-400A-17D5-22E323B4C625}"/>
-              </a:ext>
-            </a:extLst>
-          </p:cNvPr>
-          <p:cNvSpPr>
-            <a:spLocks noGrp="1"/>
-          </p:cNvSpPr>
-          <p:nvPr>
-            <p:ph type="body" sz="quarter" idx="18"/>
-          </p:nvPr>
-        </p:nvSpPr>
-        <p:spPr>
-          <a:xfrm>
-            <a:off x="5349530" y="2128231"/>
-            <a:ext cx="1495838" cy="634262"/>
-          </a:xfrm>
-        </p:spPr>
-        <p:txBody>
-          <a:bodyPr/>
-          <a:lstStyle/>
-          <a:p>
-            <a:r>
-              <a:rPr lang="en-US" dirty="0"/>
-              <a:t>Desktop Applications</a:t>
-            </a:r>
-          </a:p>
-        </p:txBody>
-      </p:sp>
-      <p:sp>
-        <p:nvSpPr>
-          <p:cNvPr id="15" name="Content Placeholder 14">
-            <a:extLst>
-              <a:ext uri="{FF2B5EF4-FFF2-40B4-BE49-F238E27FC236}">
-                <a16:creationId xmlns:a16="http://schemas.microsoft.com/office/drawing/2014/main" id="{43ED3826-F8BA-4C9A-B154-D3D1808E8074}"/>
-              </a:ext>
-            </a:extLst>
-          </p:cNvPr>
-          <p:cNvSpPr>
-            <a:spLocks noGrp="1"/>
-          </p:cNvSpPr>
-          <p:nvPr>
-            <p:ph sz="half" idx="19"/>
-          </p:nvPr>
-        </p:nvSpPr>
-        <p:spPr>
-          <a:xfrm>
-            <a:off x="7303852" y="2441113"/>
-            <a:ext cx="1997352" cy="2962731"/>
-          </a:xfrm>
-        </p:spPr>
-        <p:txBody>
-          <a:bodyPr/>
-          <a:lstStyle/>
-          <a:p>
-            <a:pPr marL="114300" indent="-114300">
-              <a:buFont typeface="Arial" panose="020B0604020202020204" pitchFamily="34" charset="0"/>
-              <a:buChar char="•"/>
-            </a:pPr>
-            <a:r>
-              <a:rPr lang="en-US" dirty="0">
-                <a:solidFill>
-                  <a:srgbClr val="25715D"/>
-                </a:solidFill>
-                <a:hlinkClick r:id="rId20">
-                  <a:extLst>
-                    <a:ext uri="{A12FA001-AC4F-418D-AE19-62706E023703}">
-                      <ahyp:hlinkClr xmlns:ahyp="http://schemas.microsoft.com/office/drawing/2018/hyperlinkcolor" val="tx"/>
-                    </a:ext>
-                  </a:extLst>
-                </a:hlinkClick>
-              </a:rPr>
-              <a:t>JAWS</a:t>
-            </a:r>
-            <a:endParaRPr lang="en-US" dirty="0">
-              <a:solidFill>
-                <a:srgbClr val="25715D"/>
-              </a:solidFill>
-            </a:endParaRPr>
-          </a:p>
-          <a:p>
-            <a:pPr marL="114300" indent="-114300">
-              <a:buFont typeface="Arial" panose="020B0604020202020204" pitchFamily="34" charset="0"/>
-              <a:buChar char="•"/>
-            </a:pPr>
-            <a:r>
-              <a:rPr lang="en-US" dirty="0">
-                <a:solidFill>
-                  <a:srgbClr val="25715D"/>
-                </a:solidFill>
-                <a:hlinkClick r:id="rId21">
-                  <a:extLst>
-                    <a:ext uri="{A12FA001-AC4F-418D-AE19-62706E023703}">
-                      <ahyp:hlinkClr xmlns:ahyp="http://schemas.microsoft.com/office/drawing/2018/hyperlinkcolor" val="tx"/>
-                    </a:ext>
-                  </a:extLst>
-                </a:hlinkClick>
-              </a:rPr>
-              <a:t>NVDA</a:t>
-            </a:r>
-            <a:endParaRPr lang="en-US" dirty="0">
-              <a:solidFill>
-                <a:srgbClr val="25715D"/>
-              </a:solidFill>
-            </a:endParaRPr>
-          </a:p>
-          <a:p>
-            <a:pPr marL="114300" indent="-114300">
-              <a:buFont typeface="Arial" panose="020B0604020202020204" pitchFamily="34" charset="0"/>
-              <a:buChar char="•"/>
-            </a:pPr>
-            <a:r>
-              <a:rPr lang="en-US" dirty="0" err="1">
-                <a:solidFill>
-                  <a:srgbClr val="25715D"/>
-                </a:solidFill>
-                <a:hlinkClick r:id="rId22">
-                  <a:extLst>
-                    <a:ext uri="{A12FA001-AC4F-418D-AE19-62706E023703}">
-                      <ahyp:hlinkClr xmlns:ahyp="http://schemas.microsoft.com/office/drawing/2018/hyperlinkcolor" val="tx"/>
-                    </a:ext>
-                  </a:extLst>
-                </a:hlinkClick>
-              </a:rPr>
-              <a:t>VoiceOver</a:t>
-            </a:r>
-            <a:endParaRPr lang="en-US" dirty="0">
-              <a:solidFill>
-                <a:srgbClr val="25715D"/>
-              </a:solidFill>
-            </a:endParaRPr>
-          </a:p>
-          <a:p>
-            <a:pPr marL="114300" indent="-114300">
-              <a:buFont typeface="Arial" panose="020B0604020202020204" pitchFamily="34" charset="0"/>
-              <a:buChar char="•"/>
-            </a:pPr>
-            <a:r>
-              <a:rPr lang="en-US" dirty="0">
-                <a:solidFill>
-                  <a:srgbClr val="25715D"/>
-                </a:solidFill>
-                <a:hlinkClick r:id="rId23">
-                  <a:extLst>
-                    <a:ext uri="{A12FA001-AC4F-418D-AE19-62706E023703}">
-                      <ahyp:hlinkClr xmlns:ahyp="http://schemas.microsoft.com/office/drawing/2018/hyperlinkcolor" val="tx"/>
-                    </a:ext>
-                  </a:extLst>
-                </a:hlinkClick>
-              </a:rPr>
-              <a:t>Narrator</a:t>
-            </a:r>
-            <a:endParaRPr lang="en-US" dirty="0">
-              <a:solidFill>
-                <a:srgbClr val="25715D"/>
-              </a:solidFill>
-            </a:endParaRPr>
-          </a:p>
-          <a:p>
-            <a:pPr marL="114300" indent="-114300">
-              <a:buFont typeface="Arial" panose="020B0604020202020204" pitchFamily="34" charset="0"/>
-              <a:buChar char="•"/>
-            </a:pPr>
-            <a:r>
-              <a:rPr lang="en-US" dirty="0" err="1">
-                <a:solidFill>
-                  <a:srgbClr val="25715D"/>
-                </a:solidFill>
-                <a:hlinkClick r:id="rId24">
-                  <a:extLst>
-                    <a:ext uri="{A12FA001-AC4F-418D-AE19-62706E023703}">
-                      <ahyp:hlinkClr xmlns:ahyp="http://schemas.microsoft.com/office/drawing/2018/hyperlinkcolor" val="tx"/>
-                    </a:ext>
-                  </a:extLst>
-                </a:hlinkClick>
-              </a:rPr>
-              <a:t>TalkBack</a:t>
-            </a:r>
-            <a:endParaRPr lang="en-US" dirty="0">
-              <a:solidFill>
-                <a:srgbClr val="25715D"/>
-              </a:solidFill>
-            </a:endParaRPr>
-          </a:p>
-        </p:txBody>
-      </p:sp>
-      <p:sp>
-        <p:nvSpPr>
-          <p:cNvPr id="16" name="Text Placeholder 15">
-            <a:extLst>
-              <a:ext uri="{FF2B5EF4-FFF2-40B4-BE49-F238E27FC236}">
-                <a16:creationId xmlns:a16="http://schemas.microsoft.com/office/drawing/2014/main" id="{03956195-E635-6CF8-F8BB-F1166EC52696}"/>
-              </a:ext>
-            </a:extLst>
-          </p:cNvPr>
-          <p:cNvSpPr>
-            <a:spLocks noGrp="1"/>
-          </p:cNvSpPr>
-          <p:nvPr>
-            <p:ph type="body" sz="quarter" idx="20"/>
-          </p:nvPr>
-        </p:nvSpPr>
-        <p:spPr>
-          <a:xfrm>
-            <a:off x="7556058" y="2128231"/>
-            <a:ext cx="1495838" cy="634262"/>
-          </a:xfrm>
-        </p:spPr>
-        <p:txBody>
-          <a:bodyPr/>
-          <a:lstStyle/>
-          <a:p>
-            <a:r>
-              <a:rPr lang="en-US" dirty="0"/>
-              <a:t>Screen Readers</a:t>
-            </a:r>
-          </a:p>
-        </p:txBody>
-      </p:sp>
-      <p:sp>
-        <p:nvSpPr>
-          <p:cNvPr id="19" name="Content Placeholder 10">
-            <a:extLst>
-              <a:ext uri="{FF2B5EF4-FFF2-40B4-BE49-F238E27FC236}">
-                <a16:creationId xmlns:a16="http://schemas.microsoft.com/office/drawing/2014/main" id="{7138FD2D-1691-0D77-E86B-BE1219D72BD9}"/>
-              </a:ext>
-            </a:extLst>
-          </p:cNvPr>
-          <p:cNvSpPr>
-            <a:spLocks noGrp="1"/>
-          </p:cNvSpPr>
-          <p:nvPr>
-            <p:ph sz="half" idx="21"/>
-          </p:nvPr>
-        </p:nvSpPr>
-        <p:spPr>
-          <a:xfrm>
-            <a:off x="9512784" y="2441113"/>
-            <a:ext cx="1998247" cy="2962729"/>
-          </a:xfrm>
-        </p:spPr>
-        <p:txBody>
-          <a:bodyPr/>
-          <a:lstStyle/>
-          <a:p>
-            <a:pPr marL="285750" indent="-285750">
-              <a:buFont typeface="Arial" panose="020B0604020202020204" pitchFamily="34" charset="0"/>
-              <a:buChar char="•"/>
-            </a:pPr>
-            <a:r>
-              <a:rPr lang="en-US" dirty="0">
-                <a:solidFill>
-                  <a:srgbClr val="25715D"/>
-                </a:solidFill>
-                <a:hlinkClick r:id="rId25">
-                  <a:extLst>
-                    <a:ext uri="{A12FA001-AC4F-418D-AE19-62706E023703}">
-                      <ahyp:hlinkClr xmlns:ahyp="http://schemas.microsoft.com/office/drawing/2018/hyperlinkcolor" val="tx"/>
-                    </a:ext>
-                  </a:extLst>
-                </a:hlinkClick>
-              </a:rPr>
-              <a:t>Axe Linter</a:t>
-            </a:r>
-            <a:endParaRPr lang="en-US" dirty="0">
-              <a:solidFill>
-                <a:srgbClr val="25715D"/>
-              </a:solidFill>
-            </a:endParaRPr>
-          </a:p>
-        </p:txBody>
-      </p:sp>
-      <p:sp>
-        <p:nvSpPr>
-          <p:cNvPr id="20" name="Text Placeholder 11">
-            <a:extLst>
-              <a:ext uri="{FF2B5EF4-FFF2-40B4-BE49-F238E27FC236}">
-                <a16:creationId xmlns:a16="http://schemas.microsoft.com/office/drawing/2014/main" id="{9106859F-3A7F-C0FE-56B0-BF942EDD7D13}"/>
-              </a:ext>
-            </a:extLst>
-          </p:cNvPr>
-          <p:cNvSpPr>
-            <a:spLocks noGrp="1"/>
-          </p:cNvSpPr>
-          <p:nvPr>
-            <p:ph type="body" sz="quarter" idx="22"/>
-          </p:nvPr>
-        </p:nvSpPr>
-        <p:spPr>
-          <a:xfrm>
-            <a:off x="9764990" y="2128231"/>
-            <a:ext cx="1495838" cy="634262"/>
-          </a:xfrm>
-        </p:spPr>
-        <p:txBody>
-          <a:bodyPr/>
-          <a:lstStyle/>
-          <a:p>
-            <a:r>
-              <a:rPr lang="en-US" dirty="0"/>
-              <a:t>Other</a:t>
-            </a:r>
-          </a:p>
-        </p:txBody>
-      </p:sp>
-      <p:sp>
-        <p:nvSpPr>
-          <p:cNvPr id="28" name="Text Placeholder 27">
-            <a:extLst>
-              <a:ext uri="{FF2B5EF4-FFF2-40B4-BE49-F238E27FC236}">
-                <a16:creationId xmlns:a16="http://schemas.microsoft.com/office/drawing/2014/main" id="{0686F713-14E6-58C2-345E-1840444B1308}"/>
-              </a:ext>
-            </a:extLst>
-          </p:cNvPr>
-          <p:cNvSpPr>
-            <a:spLocks noGrp="1"/>
-          </p:cNvSpPr>
-          <p:nvPr>
-            <p:ph type="body" sz="quarter" idx="12"/>
-          </p:nvPr>
-        </p:nvSpPr>
-        <p:spPr>
-          <a:xfrm>
-            <a:off x="381001" y="6347724"/>
-            <a:ext cx="1306286" cy="402336"/>
-          </a:xfrm>
-        </p:spPr>
-        <p:txBody>
-          <a:bodyPr/>
-          <a:lstStyle/>
-          <a:p>
-            <a:r>
-              <a:rPr lang="en-US" dirty="0"/>
-              <a:t>Erissa</a:t>
-            </a:r>
-          </a:p>
-        </p:txBody>
-      </p:sp>
-      <p:sp>
-        <p:nvSpPr>
-          <p:cNvPr id="3" name="Date Placeholder 2">
-            <a:extLst>
-              <a:ext uri="{FF2B5EF4-FFF2-40B4-BE49-F238E27FC236}">
-                <a16:creationId xmlns:a16="http://schemas.microsoft.com/office/drawing/2014/main" id="{16E2D73A-AC2A-7DAF-C2F4-726317A5AEA8}"/>
-              </a:ext>
-            </a:extLst>
-          </p:cNvPr>
-          <p:cNvSpPr>
-            <a:spLocks noGrp="1"/>
-          </p:cNvSpPr>
-          <p:nvPr>
-            <p:ph type="dt" sz="half" idx="2"/>
-          </p:nvPr>
-        </p:nvSpPr>
-        <p:spPr>
-          <a:xfrm>
-            <a:off x="10552926" y="6226628"/>
-            <a:ext cx="1143773" cy="631372"/>
-          </a:xfrm>
-        </p:spPr>
-        <p:txBody>
-          <a:bodyPr/>
-          <a:lstStyle/>
-          <a:p>
-            <a:fld id="{2DE70F3C-A523-425F-99C2-A38FEF5AAA8E}" type="datetime1">
-              <a:rPr lang="en-US" smtClean="0"/>
-              <a:t>3/26/2024</a:t>
-            </a:fld>
-            <a:endParaRPr lang="en-US" dirty="0"/>
-          </a:p>
-        </p:txBody>
-      </p:sp>
-      <p:sp>
-        <p:nvSpPr>
-          <p:cNvPr id="4" name="Slide Number Placeholder 3">
-            <a:extLst>
-              <a:ext uri="{FF2B5EF4-FFF2-40B4-BE49-F238E27FC236}">
-                <a16:creationId xmlns:a16="http://schemas.microsoft.com/office/drawing/2014/main" id="{7D41B366-5F26-3254-A1AC-88211732E741}"/>
-              </a:ext>
-            </a:extLst>
-          </p:cNvPr>
-          <p:cNvSpPr>
-            <a:spLocks noGrp="1"/>
-          </p:cNvSpPr>
-          <p:nvPr>
-            <p:ph type="sldNum" sz="quarter" idx="4"/>
-          </p:nvPr>
-        </p:nvSpPr>
-        <p:spPr>
-          <a:xfrm>
-            <a:off x="11696699" y="6226628"/>
-            <a:ext cx="506186" cy="631372"/>
-          </a:xfrm>
-        </p:spPr>
-        <p:txBody>
-          <a:bodyPr/>
-          <a:lstStyle/>
-          <a:p>
-            <a:fld id="{294A09A9-5501-47C1-A89A-A340965A2BE2}" type="slidenum">
-              <a:rPr lang="en-US" smtClean="0"/>
-              <a:pPr/>
-              <a:t>12</a:t>
-            </a:fld>
-            <a:endParaRPr lang="en-US" dirty="0"/>
-          </a:p>
-        </p:txBody>
-      </p:sp>
-    </p:spTree>
-    <p:extLst>
-      <p:ext uri="{BB962C8B-B14F-4D97-AF65-F5344CB8AC3E}">
-        <p14:creationId xmlns:p14="http://schemas.microsoft.com/office/powerpoint/2010/main" val="122729185"/>
       </p:ext>
     </p:extLst>
   </p:cSld>
@@ -28677,7 +28761,7 @@
           <a:p>
             <a:fld id="{2A82BCC9-1E0F-4681-A8CA-371CB2B2FD36}" type="datetime1">
               <a:rPr lang="en-US" smtClean="0"/>
-              <a:t>3/26/2024</a:t>
+              <a:t>3/27/2024</a:t>
             </a:fld>
             <a:endParaRPr lang="en-US" dirty="0"/>
           </a:p>
@@ -28957,7 +29041,7 @@
           <a:p>
             <a:fld id="{1E6DE020-595E-4414-9FD4-E492968BB4DD}" type="datetime1">
               <a:rPr lang="en-US" smtClean="0"/>
-              <a:t>3/26/2024</a:t>
+              <a:t>3/27/2024</a:t>
             </a:fld>
             <a:endParaRPr lang="en-US" dirty="0"/>
           </a:p>
@@ -29147,7 +29231,7 @@
           <a:p>
             <a:fld id="{09C89640-83B5-41BC-A234-8A25CEA3CA37}" type="datetime1">
               <a:rPr lang="en-US" smtClean="0"/>
-              <a:t>3/26/2024</a:t>
+              <a:t>3/27/2024</a:t>
             </a:fld>
             <a:endParaRPr lang="en-US" dirty="0"/>
           </a:p>
@@ -29480,7 +29564,7 @@
           <a:p>
             <a:r>
               <a:rPr lang="en-US" dirty="0"/>
-              <a:t>Testing Combinations</a:t>
+              <a:t>Tool Examples</a:t>
             </a:r>
           </a:p>
         </p:txBody>
@@ -29519,7 +29603,7 @@
           <a:p>
             <a:r>
               <a:rPr lang="en-US" dirty="0"/>
-              <a:t>Tool Examples</a:t>
+              <a:t>Testing Combinations</a:t>
             </a:r>
           </a:p>
           <a:p>
@@ -29553,7 +29637,7 @@
           </p:nvPr>
         </p:nvPicPr>
         <p:blipFill>
-          <a:blip r:embed="rId2">
+          <a:blip r:embed="rId3">
             <a:extLst>
               <a:ext uri="{28A0092B-C50C-407E-A947-70E740481C1C}">
                 <a14:useLocalDpi xmlns:a14="http://schemas.microsoft.com/office/drawing/2010/main" val="0"/>
@@ -29584,7 +29668,7 @@
           </p:nvPr>
         </p:nvPicPr>
         <p:blipFill>
-          <a:blip r:embed="rId3">
+          <a:blip r:embed="rId4">
             <a:extLst>
               <a:ext uri="{28A0092B-C50C-407E-A947-70E740481C1C}">
                 <a14:useLocalDpi xmlns:a14="http://schemas.microsoft.com/office/drawing/2010/main" val="0"/>
@@ -29646,7 +29730,7 @@
           <a:p>
             <a:fld id="{1EA8AE22-5AA9-4E68-B910-53534A46D111}" type="datetime1">
               <a:rPr lang="en-US" smtClean="0"/>
-              <a:t>3/26/2024</a:t>
+              <a:t>3/27/2024</a:t>
             </a:fld>
             <a:endParaRPr lang="en-US" dirty="0"/>
           </a:p>
@@ -29839,7 +29923,7 @@
           <a:p>
             <a:fld id="{02020E9F-7472-46E2-925D-3834C3399EB8}" type="datetime1">
               <a:rPr lang="en-US" smtClean="0"/>
-              <a:t>3/26/2024</a:t>
+              <a:t>3/27/2024</a:t>
             </a:fld>
             <a:endParaRPr lang="en-US" dirty="0"/>
           </a:p>
@@ -30042,7 +30126,7 @@
           <a:p>
             <a:fld id="{FE57B65C-736A-463A-B878-00376E835189}" type="datetime1">
               <a:rPr lang="en-US" smtClean="0"/>
-              <a:t>3/26/2024</a:t>
+              <a:t>3/27/2024</a:t>
             </a:fld>
             <a:endParaRPr lang="en-US" dirty="0"/>
           </a:p>
@@ -30243,7 +30327,7 @@
           <a:p>
             <a:fld id="{F62B3EC1-C48E-40CA-B644-780608C10782}" type="datetime1">
               <a:rPr lang="en-US" smtClean="0"/>
-              <a:t>3/26/2024</a:t>
+              <a:t>3/27/2024</a:t>
             </a:fld>
             <a:endParaRPr lang="en-US" dirty="0"/>
           </a:p>
@@ -30503,7 +30587,7 @@
           <a:p>
             <a:fld id="{D848C455-CDB2-4208-A65A-BF4D86A5E68B}" type="datetime1">
               <a:rPr lang="en-US" smtClean="0"/>
-              <a:t>3/26/2024</a:t>
+              <a:t>3/27/2024</a:t>
             </a:fld>
             <a:endParaRPr lang="en-US" dirty="0"/>
           </a:p>
@@ -30681,7 +30765,7 @@
           <a:p>
             <a:fld id="{CDC15CAB-FD5C-4E8D-A715-31333DAF8D3F}" type="datetime1">
               <a:rPr lang="en-US" smtClean="0"/>
-              <a:t>3/26/2024</a:t>
+              <a:t>3/27/2024</a:t>
             </a:fld>
             <a:endParaRPr lang="en-US" dirty="0"/>
           </a:p>
@@ -30884,7 +30968,7 @@
           <a:p>
             <a:fld id="{11B39263-7CDE-4839-88A7-EB9F08F894B1}" type="datetime1">
               <a:rPr lang="en-US" smtClean="0"/>
-              <a:t>3/26/2024</a:t>
+              <a:t>3/27/2024</a:t>
             </a:fld>
             <a:endParaRPr lang="en-US" dirty="0"/>
           </a:p>
@@ -31787,12 +31871,23 @@
 </file>
 
 <file path=customXml/item1.xml><?xml version="1.0" encoding="utf-8"?>
-<?mso-contentType ?>
-<FormTemplates xmlns="http://schemas.microsoft.com/sharepoint/v3/contenttype/forms">
-  <Display>DocumentLibraryForm</Display>
-  <Edit>DocumentLibraryForm</Edit>
-  <New>DocumentLibraryForm</New>
-</FormTemplates>
+<p:properties xmlns:p="http://schemas.microsoft.com/office/2006/metadata/properties" xmlns:xsi="http://www.w3.org/2001/XMLSchema-instance" xmlns:pc="http://schemas.microsoft.com/office/infopath/2007/PartnerControls">
+  <documentManagement>
+    <_ip_UnifiedCompliancePolicyUIAction xmlns="http://schemas.microsoft.com/sharepoint/v3" xsi:nil="true"/>
+    <Image xmlns="71af3243-3dd4-4a8d-8c0d-dd76da1f02a5">
+      <Url xsi:nil="true"/>
+      <Description xsi:nil="true"/>
+    </Image>
+    <Status xmlns="71af3243-3dd4-4a8d-8c0d-dd76da1f02a5">Not started</Status>
+    <Background xmlns="71af3243-3dd4-4a8d-8c0d-dd76da1f02a5">false</Background>
+    <_ip_UnifiedCompliancePolicyProperties xmlns="http://schemas.microsoft.com/sharepoint/v3" xsi:nil="true"/>
+    <ImageTagsTaxHTField xmlns="71af3243-3dd4-4a8d-8c0d-dd76da1f02a5">
+      <Terms xmlns="http://schemas.microsoft.com/office/infopath/2007/PartnerControls"/>
+    </ImageTagsTaxHTField>
+    <TaxCatchAll xmlns="230e9df3-be65-4c73-a93b-d1236ebd677e" xsi:nil="true"/>
+    <MediaServiceKeyPoints xmlns="71af3243-3dd4-4a8d-8c0d-dd76da1f02a5" xsi:nil="true"/>
+  </documentManagement>
+</p:properties>
 </file>
 
 <file path=customXml/item2.xml><?xml version="1.0" encoding="utf-8"?>
@@ -32108,29 +32203,29 @@
 </file>
 
 <file path=customXml/item3.xml><?xml version="1.0" encoding="utf-8"?>
-<p:properties xmlns:p="http://schemas.microsoft.com/office/2006/metadata/properties" xmlns:xsi="http://www.w3.org/2001/XMLSchema-instance" xmlns:pc="http://schemas.microsoft.com/office/infopath/2007/PartnerControls">
-  <documentManagement>
-    <_ip_UnifiedCompliancePolicyUIAction xmlns="http://schemas.microsoft.com/sharepoint/v3" xsi:nil="true"/>
-    <Image xmlns="71af3243-3dd4-4a8d-8c0d-dd76da1f02a5">
-      <Url xsi:nil="true"/>
-      <Description xsi:nil="true"/>
-    </Image>
-    <Status xmlns="71af3243-3dd4-4a8d-8c0d-dd76da1f02a5">Not started</Status>
-    <Background xmlns="71af3243-3dd4-4a8d-8c0d-dd76da1f02a5">false</Background>
-    <_ip_UnifiedCompliancePolicyProperties xmlns="http://schemas.microsoft.com/sharepoint/v3" xsi:nil="true"/>
-    <ImageTagsTaxHTField xmlns="71af3243-3dd4-4a8d-8c0d-dd76da1f02a5">
-      <Terms xmlns="http://schemas.microsoft.com/office/infopath/2007/PartnerControls"/>
-    </ImageTagsTaxHTField>
-    <TaxCatchAll xmlns="230e9df3-be65-4c73-a93b-d1236ebd677e" xsi:nil="true"/>
-    <MediaServiceKeyPoints xmlns="71af3243-3dd4-4a8d-8c0d-dd76da1f02a5" xsi:nil="true"/>
-  </documentManagement>
-</p:properties>
+<?mso-contentType ?>
+<FormTemplates xmlns="http://schemas.microsoft.com/sharepoint/v3/contenttype/forms">
+  <Display>DocumentLibraryForm</Display>
+  <Edit>DocumentLibraryForm</Edit>
+  <New>DocumentLibraryForm</New>
+</FormTemplates>
 </file>
 
 <file path=customXml/itemProps1.xml><?xml version="1.0" encoding="utf-8"?>
-<ds:datastoreItem xmlns:ds="http://schemas.openxmlformats.org/officeDocument/2006/customXml" ds:itemID="{E6C52E68-191B-4883-A1EE-52F93DB694AA}">
+<ds:datastoreItem xmlns:ds="http://schemas.openxmlformats.org/officeDocument/2006/customXml" ds:itemID="{55F65D0A-9CCC-4F61-B2C0-E968BCA5F60A}">
   <ds:schemaRefs>
-    <ds:schemaRef ds:uri="http://schemas.microsoft.com/sharepoint/v3/contenttype/forms"/>
+    <ds:schemaRef ds:uri="http://schemas.microsoft.com/office/2006/metadata/properties"/>
+    <ds:schemaRef ds:uri="http://schemas.microsoft.com/sharepoint/v3"/>
+    <ds:schemaRef ds:uri="http://schemas.microsoft.com/office/2006/documentManagement/types"/>
+    <ds:schemaRef ds:uri="http://purl.org/dc/elements/1.1/"/>
+    <ds:schemaRef ds:uri="http://schemas.openxmlformats.org/package/2006/metadata/core-properties"/>
+    <ds:schemaRef ds:uri="http://www.w3.org/XML/1998/namespace"/>
+    <ds:schemaRef ds:uri="http://purl.org/dc/dcmitype/"/>
+    <ds:schemaRef ds:uri="http://schemas.microsoft.com/office/infopath/2007/PartnerControls"/>
+    <ds:schemaRef ds:uri="230e9df3-be65-4c73-a93b-d1236ebd677e"/>
+    <ds:schemaRef ds:uri="16c05727-aa75-4e4a-9b5f-8a80a1165891"/>
+    <ds:schemaRef ds:uri="71af3243-3dd4-4a8d-8c0d-dd76da1f02a5"/>
+    <ds:schemaRef ds:uri="http://purl.org/dc/terms/"/>
   </ds:schemaRefs>
 </ds:datastoreItem>
 </file>
@@ -32157,20 +32252,9 @@
 </file>
 
 <file path=customXml/itemProps3.xml><?xml version="1.0" encoding="utf-8"?>
-<ds:datastoreItem xmlns:ds="http://schemas.openxmlformats.org/officeDocument/2006/customXml" ds:itemID="{55F65D0A-9CCC-4F61-B2C0-E968BCA5F60A}">
+<ds:datastoreItem xmlns:ds="http://schemas.openxmlformats.org/officeDocument/2006/customXml" ds:itemID="{E6C52E68-191B-4883-A1EE-52F93DB694AA}">
   <ds:schemaRefs>
-    <ds:schemaRef ds:uri="http://schemas.microsoft.com/office/2006/metadata/properties"/>
-    <ds:schemaRef ds:uri="http://schemas.microsoft.com/sharepoint/v3"/>
-    <ds:schemaRef ds:uri="http://schemas.microsoft.com/office/2006/documentManagement/types"/>
-    <ds:schemaRef ds:uri="http://purl.org/dc/elements/1.1/"/>
-    <ds:schemaRef ds:uri="http://schemas.openxmlformats.org/package/2006/metadata/core-properties"/>
-    <ds:schemaRef ds:uri="http://www.w3.org/XML/1998/namespace"/>
-    <ds:schemaRef ds:uri="http://purl.org/dc/dcmitype/"/>
-    <ds:schemaRef ds:uri="http://schemas.microsoft.com/office/infopath/2007/PartnerControls"/>
-    <ds:schemaRef ds:uri="230e9df3-be65-4c73-a93b-d1236ebd677e"/>
-    <ds:schemaRef ds:uri="16c05727-aa75-4e4a-9b5f-8a80a1165891"/>
-    <ds:schemaRef ds:uri="71af3243-3dd4-4a8d-8c0d-dd76da1f02a5"/>
-    <ds:schemaRef ds:uri="http://purl.org/dc/terms/"/>
+    <ds:schemaRef ds:uri="http://schemas.microsoft.com/sharepoint/v3/contenttype/forms"/>
   </ds:schemaRefs>
 </ds:datastoreItem>
 </file>

--- a/Presentations/2024 Presentations/Accessibility Testing with Screen Reader.pptx
+++ b/Presentations/2024 Presentations/Accessibility Testing with Screen Reader.pptx
@@ -23,11 +23,11 @@
     <p:sldId id="271" r:id="rId14"/>
     <p:sldId id="278" r:id="rId15"/>
     <p:sldId id="261" r:id="rId16"/>
-    <p:sldId id="275" r:id="rId17"/>
+    <p:sldId id="288" r:id="rId17"/>
     <p:sldId id="268" r:id="rId18"/>
   </p:sldIdLst>
   <p:sldSz cx="12192000" cy="6858000"/>
-  <p:notesSz cx="6858000" cy="9144000"/>
+  <p:notesSz cx="7099300" cy="9385300"/>
   <p:defaultTextStyle>
     <a:defPPr>
       <a:defRPr lang="en-US"/>
@@ -187,14 +187,14 @@
         <p:spPr>
           <a:xfrm>
             <a:off x="0" y="0"/>
-            <a:ext cx="2971800" cy="458788"/>
+            <a:ext cx="3076363" cy="470895"/>
           </a:xfrm>
           <a:prstGeom prst="rect">
             <a:avLst/>
           </a:prstGeom>
         </p:spPr>
         <p:txBody>
-          <a:bodyPr vert="horz" lIns="91440" tIns="45720" rIns="91440" bIns="45720" rtlCol="0"/>
+          <a:bodyPr vert="horz" lIns="94192" tIns="47096" rIns="94192" bIns="47096" rtlCol="0"/>
           <a:lstStyle>
             <a:lvl1pPr algn="l">
               <a:defRPr sz="1200"/>
@@ -223,15 +223,15 @@
         </p:nvSpPr>
         <p:spPr>
           <a:xfrm>
-            <a:off x="3884613" y="0"/>
-            <a:ext cx="2971800" cy="458788"/>
+            <a:off x="4021294" y="0"/>
+            <a:ext cx="3076363" cy="470895"/>
           </a:xfrm>
           <a:prstGeom prst="rect">
             <a:avLst/>
           </a:prstGeom>
         </p:spPr>
         <p:txBody>
-          <a:bodyPr vert="horz" lIns="91440" tIns="45720" rIns="91440" bIns="45720" rtlCol="0"/>
+          <a:bodyPr vert="horz" lIns="94192" tIns="47096" rIns="94192" bIns="47096" rtlCol="0"/>
           <a:lstStyle>
             <a:lvl1pPr algn="r">
               <a:defRPr sz="1200"/>
@@ -240,7 +240,7 @@
           <a:p>
             <a:fld id="{EE5432EF-245E-40EF-B3FF-B189D54EF7CF}" type="datetimeFigureOut">
               <a:rPr lang="en-US" smtClean="0"/>
-              <a:t>3/27/2024</a:t>
+              <a:t>3/28/2024</a:t>
             </a:fld>
             <a:endParaRPr lang="en-US" dirty="0"/>
           </a:p>
@@ -264,15 +264,15 @@
         </p:nvSpPr>
         <p:spPr>
           <a:xfrm>
-            <a:off x="0" y="8685213"/>
-            <a:ext cx="2971800" cy="458787"/>
+            <a:off x="0" y="8914407"/>
+            <a:ext cx="3076363" cy="470894"/>
           </a:xfrm>
           <a:prstGeom prst="rect">
             <a:avLst/>
           </a:prstGeom>
         </p:spPr>
         <p:txBody>
-          <a:bodyPr vert="horz" lIns="91440" tIns="45720" rIns="91440" bIns="45720" rtlCol="0" anchor="b"/>
+          <a:bodyPr vert="horz" lIns="94192" tIns="47096" rIns="94192" bIns="47096" rtlCol="0" anchor="b"/>
           <a:lstStyle>
             <a:lvl1pPr algn="l">
               <a:defRPr sz="1200"/>
@@ -301,15 +301,15 @@
         </p:nvSpPr>
         <p:spPr>
           <a:xfrm>
-            <a:off x="3884613" y="8685213"/>
-            <a:ext cx="2971800" cy="458787"/>
+            <a:off x="4021294" y="8914407"/>
+            <a:ext cx="3076363" cy="470894"/>
           </a:xfrm>
           <a:prstGeom prst="rect">
             <a:avLst/>
           </a:prstGeom>
         </p:spPr>
         <p:txBody>
-          <a:bodyPr vert="horz" lIns="91440" tIns="45720" rIns="91440" bIns="45720" rtlCol="0" anchor="b"/>
+          <a:bodyPr vert="horz" lIns="94192" tIns="47096" rIns="94192" bIns="47096" rtlCol="0" anchor="b"/>
           <a:lstStyle>
             <a:lvl1pPr algn="r">
               <a:defRPr sz="1200"/>
@@ -370,14 +370,14 @@
         <p:spPr>
           <a:xfrm>
             <a:off x="0" y="0"/>
-            <a:ext cx="2971800" cy="458788"/>
+            <a:ext cx="3076363" cy="470895"/>
           </a:xfrm>
           <a:prstGeom prst="rect">
             <a:avLst/>
           </a:prstGeom>
         </p:spPr>
         <p:txBody>
-          <a:bodyPr vert="horz" lIns="91440" tIns="45720" rIns="91440" bIns="45720" rtlCol="0"/>
+          <a:bodyPr vert="horz" lIns="94192" tIns="47096" rIns="94192" bIns="47096" rtlCol="0"/>
           <a:lstStyle>
             <a:lvl1pPr algn="l">
               <a:defRPr sz="1200"/>
@@ -400,15 +400,15 @@
         </p:nvSpPr>
         <p:spPr>
           <a:xfrm>
-            <a:off x="3884613" y="0"/>
-            <a:ext cx="2971800" cy="458788"/>
+            <a:off x="4021294" y="0"/>
+            <a:ext cx="3076363" cy="470895"/>
           </a:xfrm>
           <a:prstGeom prst="rect">
             <a:avLst/>
           </a:prstGeom>
         </p:spPr>
         <p:txBody>
-          <a:bodyPr vert="horz" lIns="91440" tIns="45720" rIns="91440" bIns="45720" rtlCol="0"/>
+          <a:bodyPr vert="horz" lIns="94192" tIns="47096" rIns="94192" bIns="47096" rtlCol="0"/>
           <a:lstStyle>
             <a:lvl1pPr algn="r">
               <a:defRPr sz="1200"/>
@@ -417,7 +417,7 @@
           <a:p>
             <a:fld id="{6AF08D30-F807-4561-A81E-6E077448AA00}" type="datetimeFigureOut">
               <a:rPr lang="en-US" smtClean="0"/>
-              <a:t>3/27/2024</a:t>
+              <a:t>3/28/2024</a:t>
             </a:fld>
             <a:endParaRPr lang="en-US" dirty="0"/>
           </a:p>
@@ -435,8 +435,8 @@
         </p:nvSpPr>
         <p:spPr>
           <a:xfrm>
-            <a:off x="685800" y="1143000"/>
-            <a:ext cx="5486400" cy="3086100"/>
+            <a:off x="735013" y="1173163"/>
+            <a:ext cx="5629275" cy="3167062"/>
           </a:xfrm>
           <a:prstGeom prst="rect">
             <a:avLst/>
@@ -449,7 +449,7 @@
           </a:ln>
         </p:spPr>
         <p:txBody>
-          <a:bodyPr vert="horz" lIns="91440" tIns="45720" rIns="91440" bIns="45720" rtlCol="0" anchor="ctr"/>
+          <a:bodyPr vert="horz" lIns="94192" tIns="47096" rIns="94192" bIns="47096" rtlCol="0" anchor="ctr"/>
           <a:lstStyle/>
           <a:p>
             <a:endParaRPr lang="en-US" dirty="0"/>
@@ -468,15 +468,15 @@
         </p:nvSpPr>
         <p:spPr>
           <a:xfrm>
-            <a:off x="685800" y="4400550"/>
-            <a:ext cx="5486400" cy="3600450"/>
+            <a:off x="709930" y="4516676"/>
+            <a:ext cx="5679440" cy="3695462"/>
           </a:xfrm>
           <a:prstGeom prst="rect">
             <a:avLst/>
           </a:prstGeom>
         </p:spPr>
         <p:txBody>
-          <a:bodyPr vert="horz" lIns="91440" tIns="45720" rIns="91440" bIns="45720" rtlCol="0"/>
+          <a:bodyPr vert="horz" lIns="94192" tIns="47096" rIns="94192" bIns="47096" rtlCol="0"/>
           <a:lstStyle/>
           <a:p>
             <a:pPr lvl="0"/>
@@ -527,15 +527,15 @@
         </p:nvSpPr>
         <p:spPr>
           <a:xfrm>
-            <a:off x="0" y="8685213"/>
-            <a:ext cx="2971800" cy="458787"/>
+            <a:off x="0" y="8914407"/>
+            <a:ext cx="3076363" cy="470894"/>
           </a:xfrm>
           <a:prstGeom prst="rect">
             <a:avLst/>
           </a:prstGeom>
         </p:spPr>
         <p:txBody>
-          <a:bodyPr vert="horz" lIns="91440" tIns="45720" rIns="91440" bIns="45720" rtlCol="0" anchor="b"/>
+          <a:bodyPr vert="horz" lIns="94192" tIns="47096" rIns="94192" bIns="47096" rtlCol="0" anchor="b"/>
           <a:lstStyle>
             <a:lvl1pPr algn="l">
               <a:defRPr sz="1200"/>
@@ -558,15 +558,15 @@
         </p:nvSpPr>
         <p:spPr>
           <a:xfrm>
-            <a:off x="3884613" y="8685213"/>
-            <a:ext cx="2971800" cy="458787"/>
+            <a:off x="4021294" y="8914407"/>
+            <a:ext cx="3076363" cy="470894"/>
           </a:xfrm>
           <a:prstGeom prst="rect">
             <a:avLst/>
           </a:prstGeom>
         </p:spPr>
         <p:txBody>
-          <a:bodyPr vert="horz" lIns="91440" tIns="45720" rIns="91440" bIns="45720" rtlCol="0" anchor="b"/>
+          <a:bodyPr vert="horz" lIns="94192" tIns="47096" rIns="94192" bIns="47096" rtlCol="0" anchor="b"/>
           <a:lstStyle>
             <a:lvl1pPr algn="r">
               <a:defRPr sz="1200"/>
@@ -1094,7 +1094,7 @@
     </p:spTree>
     <p:extLst>
       <p:ext uri="{BB962C8B-B14F-4D97-AF65-F5344CB8AC3E}">
-        <p14:creationId xmlns:p14="http://schemas.microsoft.com/office/powerpoint/2010/main" val="3851145863"/>
+        <p14:creationId xmlns:p14="http://schemas.microsoft.com/office/powerpoint/2010/main" val="2059435971"/>
       </p:ext>
     </p:extLst>
   </p:cSld>
@@ -1406,7 +1406,7 @@
             </a:r>
           </a:p>
           <a:p>
-            <a:pPr marL="171450" indent="-171450">
+            <a:pPr marL="176611" indent="-176611">
               <a:buFontTx/>
               <a:buChar char="-"/>
             </a:pPr>
@@ -1420,7 +1420,7 @@
             </a:r>
           </a:p>
           <a:p>
-            <a:pPr marL="171450" indent="-171450">
+            <a:pPr marL="176611" indent="-176611">
               <a:buFontTx/>
               <a:buChar char="-"/>
             </a:pPr>
@@ -1527,7 +1527,7 @@
             </a:r>
           </a:p>
           <a:p>
-            <a:pPr marL="171450" indent="-171450">
+            <a:pPr marL="176611" indent="-176611">
               <a:buFont typeface="Arial" panose="020B0604020202020204" pitchFamily="34" charset="0"/>
               <a:buChar char="•"/>
             </a:pPr>
@@ -1537,7 +1537,7 @@
             </a:r>
           </a:p>
           <a:p>
-            <a:pPr marL="628650" lvl="1" indent="-171450">
+            <a:pPr marL="647572" lvl="1" indent="-176611">
               <a:buFont typeface="Arial" panose="020B0604020202020204" pitchFamily="34" charset="0"/>
               <a:buChar char="•"/>
             </a:pPr>
@@ -1547,7 +1547,7 @@
             </a:r>
           </a:p>
           <a:p>
-            <a:pPr marL="628650" lvl="1" indent="-171450">
+            <a:pPr marL="647572" lvl="1" indent="-176611">
               <a:buFont typeface="Arial" panose="020B0604020202020204" pitchFamily="34" charset="0"/>
               <a:buChar char="•"/>
             </a:pPr>
@@ -1557,7 +1557,7 @@
             </a:r>
           </a:p>
           <a:p>
-            <a:pPr marL="171450" indent="-171450">
+            <a:pPr marL="176611" indent="-176611">
               <a:buFont typeface="Arial" panose="020B0604020202020204" pitchFamily="34" charset="0"/>
               <a:buChar char="•"/>
             </a:pPr>
@@ -1567,7 +1567,7 @@
             </a:r>
           </a:p>
           <a:p>
-            <a:pPr marL="628650" lvl="1" indent="-171450">
+            <a:pPr marL="647572" lvl="1" indent="-176611">
               <a:buFont typeface="Arial" panose="020B0604020202020204" pitchFamily="34" charset="0"/>
               <a:buChar char="•"/>
             </a:pPr>
@@ -1577,7 +1577,7 @@
             </a:r>
           </a:p>
           <a:p>
-            <a:pPr marL="628650" lvl="1" indent="-171450">
+            <a:pPr marL="647572" lvl="1" indent="-176611">
               <a:buFont typeface="Arial" panose="020B0604020202020204" pitchFamily="34" charset="0"/>
               <a:buChar char="•"/>
             </a:pPr>
@@ -1587,7 +1587,7 @@
             </a:r>
           </a:p>
           <a:p>
-            <a:pPr marL="628650" lvl="1" indent="-171450">
+            <a:pPr marL="647572" lvl="1" indent="-176611">
               <a:buFont typeface="Arial" panose="020B0604020202020204" pitchFamily="34" charset="0"/>
               <a:buChar char="•"/>
             </a:pPr>
@@ -1597,7 +1597,7 @@
             </a:r>
           </a:p>
           <a:p>
-            <a:pPr marL="628650" lvl="1" indent="-171450">
+            <a:pPr marL="647572" lvl="1" indent="-176611">
               <a:buFont typeface="Arial" panose="020B0604020202020204" pitchFamily="34" charset="0"/>
               <a:buChar char="•"/>
             </a:pPr>
@@ -1607,7 +1607,7 @@
             </a:r>
           </a:p>
           <a:p>
-            <a:pPr marL="171450" indent="-171450">
+            <a:pPr marL="176611" indent="-176611">
               <a:buFont typeface="Arial" panose="020B0604020202020204" pitchFamily="34" charset="0"/>
               <a:buChar char="•"/>
             </a:pPr>
@@ -1617,7 +1617,7 @@
             </a:r>
           </a:p>
           <a:p>
-            <a:pPr marL="628650" lvl="1" indent="-171450">
+            <a:pPr marL="647572" lvl="1" indent="-176611">
               <a:buFont typeface="Arial" panose="020B0604020202020204" pitchFamily="34" charset="0"/>
               <a:buChar char="•"/>
             </a:pPr>
@@ -1627,7 +1627,7 @@
             </a:r>
           </a:p>
           <a:p>
-            <a:pPr marL="628650" lvl="1" indent="-171450">
+            <a:pPr marL="647572" lvl="1" indent="-176611">
               <a:buFont typeface="Arial" panose="020B0604020202020204" pitchFamily="34" charset="0"/>
               <a:buChar char="•"/>
             </a:pPr>
@@ -1637,7 +1637,7 @@
             </a:r>
           </a:p>
           <a:p>
-            <a:pPr marL="628650" lvl="1" indent="-171450">
+            <a:pPr marL="647572" lvl="1" indent="-176611">
               <a:buFont typeface="Arial" panose="020B0604020202020204" pitchFamily="34" charset="0"/>
               <a:buChar char="•"/>
             </a:pPr>
@@ -1647,7 +1647,7 @@
             </a:r>
           </a:p>
           <a:p>
-            <a:pPr marL="628650" lvl="1" indent="-171450">
+            <a:pPr marL="647572" lvl="1" indent="-176611">
               <a:buFont typeface="Arial" panose="020B0604020202020204" pitchFamily="34" charset="0"/>
               <a:buChar char="•"/>
             </a:pPr>
@@ -1657,7 +1657,7 @@
             </a:r>
           </a:p>
           <a:p>
-            <a:pPr marL="628650" lvl="1" indent="-171450">
+            <a:pPr marL="647572" lvl="1" indent="-176611">
               <a:buFont typeface="Arial" panose="020B0604020202020204" pitchFamily="34" charset="0"/>
               <a:buChar char="•"/>
             </a:pPr>
@@ -1667,7 +1667,7 @@
             </a:r>
           </a:p>
           <a:p>
-            <a:pPr marL="171450" indent="-171450">
+            <a:pPr marL="176611" indent="-176611">
               <a:buFont typeface="Arial" panose="020B0604020202020204" pitchFamily="34" charset="0"/>
               <a:buChar char="•"/>
             </a:pPr>
@@ -1677,7 +1677,7 @@
             </a:r>
           </a:p>
           <a:p>
-            <a:pPr marL="628650" lvl="1" indent="-171450">
+            <a:pPr marL="647572" lvl="1" indent="-176611">
               <a:buFont typeface="Arial" panose="020B0604020202020204" pitchFamily="34" charset="0"/>
               <a:buChar char="•"/>
             </a:pPr>
@@ -1687,7 +1687,7 @@
             </a:r>
           </a:p>
           <a:p>
-            <a:pPr marL="628650" lvl="1" indent="-171450">
+            <a:pPr marL="647572" lvl="1" indent="-176611">
               <a:buFont typeface="Arial" panose="020B0604020202020204" pitchFamily="34" charset="0"/>
               <a:buChar char="•"/>
             </a:pPr>
@@ -1697,7 +1697,7 @@
             </a:r>
           </a:p>
           <a:p>
-            <a:pPr marL="628650" lvl="1" indent="-171450">
+            <a:pPr marL="647572" lvl="1" indent="-176611">
               <a:buFont typeface="Arial" panose="020B0604020202020204" pitchFamily="34" charset="0"/>
               <a:buChar char="•"/>
             </a:pPr>
@@ -1707,7 +1707,7 @@
             </a:r>
           </a:p>
           <a:p>
-            <a:pPr marL="628650" lvl="1" indent="-171450">
+            <a:pPr marL="647572" lvl="1" indent="-176611">
               <a:buFont typeface="Arial" panose="020B0604020202020204" pitchFamily="34" charset="0"/>
               <a:buChar char="•"/>
             </a:pPr>
@@ -1885,7 +1885,7 @@
           <a:bodyPr/>
           <a:lstStyle/>
           <a:p>
-            <a:pPr marL="228600" indent="-228600">
+            <a:pPr marL="235481" indent="-235481">
               <a:buFont typeface="+mj-lt"/>
               <a:buAutoNum type="arabicPeriod"/>
             </a:pPr>
@@ -1895,7 +1895,7 @@
             </a:r>
           </a:p>
           <a:p>
-            <a:pPr marL="685800" lvl="1" indent="-228600">
+            <a:pPr marL="706443" lvl="1" indent="-235481">
               <a:buFont typeface="+mj-lt"/>
               <a:buAutoNum type="arabicPeriod"/>
             </a:pPr>
@@ -1905,7 +1905,7 @@
             </a:r>
           </a:p>
           <a:p>
-            <a:pPr marL="228600" lvl="0" indent="-228600">
+            <a:pPr marL="235481" indent="-235481">
               <a:buFont typeface="+mj-lt"/>
               <a:buAutoNum type="arabicPeriod"/>
             </a:pPr>
@@ -1915,7 +1915,7 @@
             </a:r>
           </a:p>
           <a:p>
-            <a:pPr marL="228600" lvl="0" indent="-228600">
+            <a:pPr marL="235481" indent="-235481">
               <a:buFont typeface="+mj-lt"/>
               <a:buAutoNum type="arabicPeriod"/>
             </a:pPr>
@@ -1925,7 +1925,7 @@
             </a:r>
           </a:p>
           <a:p>
-            <a:pPr marL="685800" lvl="1" indent="-228600">
+            <a:pPr marL="706443" lvl="1" indent="-235481">
               <a:buFont typeface="+mj-lt"/>
               <a:buAutoNum type="arabicPeriod"/>
             </a:pPr>
@@ -1935,7 +1935,7 @@
             </a:r>
           </a:p>
           <a:p>
-            <a:pPr marL="1143000" lvl="2" indent="-228600">
+            <a:pPr marL="1177404" lvl="2" indent="-235481">
               <a:buFont typeface="+mj-lt"/>
               <a:buAutoNum type="arabicPeriod"/>
             </a:pPr>
@@ -1945,7 +1945,7 @@
             </a:r>
           </a:p>
           <a:p>
-            <a:pPr marL="1600200" lvl="3" indent="-228600">
+            <a:pPr marL="1648366" lvl="3" indent="-235481">
               <a:buFont typeface="+mj-lt"/>
               <a:buAutoNum type="arabicPeriod"/>
             </a:pPr>
@@ -1955,21 +1955,9 @@
             </a:r>
           </a:p>
           <a:p>
-            <a:pPr marL="1143000" marR="0" lvl="2" indent="-228600" algn="l" defTabSz="914400" rtl="0" eaLnBrk="1" fontAlgn="auto" latinLnBrk="0" hangingPunct="1">
-              <a:lnSpc>
-                <a:spcPct val="100000"/>
-              </a:lnSpc>
-              <a:spcBef>
-                <a:spcPts val="0"/>
-              </a:spcBef>
-              <a:spcAft>
-                <a:spcPts val="0"/>
-              </a:spcAft>
-              <a:buClrTx/>
-              <a:buSzTx/>
+            <a:pPr marL="1177404" lvl="2" indent="-235481" defTabSz="941923">
               <a:buFont typeface="+mj-lt"/>
               <a:buAutoNum type="arabicPeriod"/>
-              <a:tabLst/>
               <a:defRPr/>
             </a:pPr>
             <a:r>
@@ -1978,21 +1966,9 @@
             </a:r>
           </a:p>
           <a:p>
-            <a:pPr marL="1600200" marR="0" lvl="3" indent="-228600" algn="l" defTabSz="914400" rtl="0" eaLnBrk="1" fontAlgn="auto" latinLnBrk="0" hangingPunct="1">
-              <a:lnSpc>
-                <a:spcPct val="100000"/>
-              </a:lnSpc>
-              <a:spcBef>
-                <a:spcPts val="0"/>
-              </a:spcBef>
-              <a:spcAft>
-                <a:spcPts val="0"/>
-              </a:spcAft>
-              <a:buClrTx/>
-              <a:buSzTx/>
+            <a:pPr marL="1648366" lvl="3" indent="-235481" defTabSz="941923">
               <a:buFont typeface="+mj-lt"/>
               <a:buAutoNum type="arabicPeriod"/>
-              <a:tabLst/>
               <a:defRPr/>
             </a:pPr>
             <a:r>
@@ -2001,21 +1977,9 @@
             </a:r>
           </a:p>
           <a:p>
-            <a:pPr marL="1143000" marR="0" lvl="2" indent="-228600" algn="l" defTabSz="914400" rtl="0" eaLnBrk="1" fontAlgn="auto" latinLnBrk="0" hangingPunct="1">
-              <a:lnSpc>
-                <a:spcPct val="100000"/>
-              </a:lnSpc>
-              <a:spcBef>
-                <a:spcPts val="0"/>
-              </a:spcBef>
-              <a:spcAft>
-                <a:spcPts val="0"/>
-              </a:spcAft>
-              <a:buClrTx/>
-              <a:buSzTx/>
+            <a:pPr marL="1177404" lvl="2" indent="-235481" defTabSz="941923">
               <a:buFont typeface="+mj-lt"/>
               <a:buAutoNum type="arabicPeriod"/>
-              <a:tabLst/>
               <a:defRPr/>
             </a:pPr>
             <a:r>
@@ -2024,21 +1988,9 @@
             </a:r>
           </a:p>
           <a:p>
-            <a:pPr marL="1600200" marR="0" lvl="3" indent="-228600" algn="l" defTabSz="914400" rtl="0" eaLnBrk="1" fontAlgn="auto" latinLnBrk="0" hangingPunct="1">
-              <a:lnSpc>
-                <a:spcPct val="100000"/>
-              </a:lnSpc>
-              <a:spcBef>
-                <a:spcPts val="0"/>
-              </a:spcBef>
-              <a:spcAft>
-                <a:spcPts val="0"/>
-              </a:spcAft>
-              <a:buClrTx/>
-              <a:buSzTx/>
+            <a:pPr marL="1648366" lvl="3" indent="-235481" defTabSz="941923">
               <a:buFont typeface="+mj-lt"/>
               <a:buAutoNum type="arabicPeriod"/>
-              <a:tabLst/>
               <a:defRPr/>
             </a:pPr>
             <a:r>
@@ -2047,21 +1999,9 @@
             </a:r>
           </a:p>
           <a:p>
-            <a:pPr marL="1143000" marR="0" lvl="2" indent="-228600" algn="l" defTabSz="914400" rtl="0" eaLnBrk="1" fontAlgn="auto" latinLnBrk="0" hangingPunct="1">
-              <a:lnSpc>
-                <a:spcPct val="100000"/>
-              </a:lnSpc>
-              <a:spcBef>
-                <a:spcPts val="0"/>
-              </a:spcBef>
-              <a:spcAft>
-                <a:spcPts val="0"/>
-              </a:spcAft>
-              <a:buClrTx/>
-              <a:buSzTx/>
+            <a:pPr marL="1177404" lvl="2" indent="-235481" defTabSz="941923">
               <a:buFont typeface="+mj-lt"/>
               <a:buAutoNum type="arabicPeriod"/>
-              <a:tabLst/>
               <a:defRPr/>
             </a:pPr>
             <a:r>
@@ -2070,21 +2010,9 @@
             </a:r>
           </a:p>
           <a:p>
-            <a:pPr marL="1600200" marR="0" lvl="3" indent="-228600" algn="l" defTabSz="914400" rtl="0" eaLnBrk="1" fontAlgn="auto" latinLnBrk="0" hangingPunct="1">
-              <a:lnSpc>
-                <a:spcPct val="100000"/>
-              </a:lnSpc>
-              <a:spcBef>
-                <a:spcPts val="0"/>
-              </a:spcBef>
-              <a:spcAft>
-                <a:spcPts val="0"/>
-              </a:spcAft>
-              <a:buClrTx/>
-              <a:buSzTx/>
+            <a:pPr marL="1648366" lvl="3" indent="-235481" defTabSz="941923">
               <a:buFont typeface="+mj-lt"/>
               <a:buAutoNum type="arabicPeriod"/>
-              <a:tabLst/>
               <a:defRPr/>
             </a:pPr>
             <a:r>
@@ -2093,7 +2021,7 @@
             </a:r>
           </a:p>
           <a:p>
-            <a:pPr marL="1143000" lvl="2" indent="-228600">
+            <a:pPr marL="1177404" lvl="2" indent="-235481">
               <a:buFont typeface="+mj-lt"/>
               <a:buAutoNum type="arabicPeriod"/>
             </a:pPr>
@@ -2103,7 +2031,7 @@
             </a:r>
           </a:p>
           <a:p>
-            <a:pPr marL="1600200" lvl="3" indent="-228600">
+            <a:pPr marL="1648366" lvl="3" indent="-235481">
               <a:buFont typeface="+mj-lt"/>
               <a:buAutoNum type="arabicPeriod"/>
             </a:pPr>
@@ -2113,7 +2041,7 @@
             </a:r>
           </a:p>
           <a:p>
-            <a:pPr marL="1143000" lvl="2" indent="-228600">
+            <a:pPr marL="1177404" lvl="2" indent="-235481">
               <a:buFont typeface="+mj-lt"/>
               <a:buAutoNum type="arabicPeriod"/>
             </a:pPr>
@@ -2123,7 +2051,7 @@
             </a:r>
           </a:p>
           <a:p>
-            <a:pPr marL="1600200" lvl="3" indent="-228600">
+            <a:pPr marL="1648366" lvl="3" indent="-235481">
               <a:buFont typeface="+mj-lt"/>
               <a:buAutoNum type="arabicPeriod"/>
             </a:pPr>
@@ -2133,7 +2061,7 @@
             </a:r>
           </a:p>
           <a:p>
-            <a:pPr marL="228600" lvl="0" indent="-228600">
+            <a:pPr marL="235481" indent="-235481">
               <a:buFont typeface="+mj-lt"/>
               <a:buAutoNum type="arabicPeriod"/>
             </a:pPr>
@@ -2143,21 +2071,9 @@
             </a:r>
           </a:p>
           <a:p>
-            <a:pPr marL="685800" marR="0" lvl="1" indent="-228600" algn="l" defTabSz="914400" rtl="0" eaLnBrk="1" fontAlgn="auto" latinLnBrk="0" hangingPunct="1">
-              <a:lnSpc>
-                <a:spcPct val="100000"/>
-              </a:lnSpc>
-              <a:spcBef>
-                <a:spcPts val="0"/>
-              </a:spcBef>
-              <a:spcAft>
-                <a:spcPts val="0"/>
-              </a:spcAft>
-              <a:buClrTx/>
-              <a:buSzTx/>
+            <a:pPr marL="706443" lvl="1" indent="-235481" defTabSz="941923">
               <a:buFont typeface="+mj-lt"/>
               <a:buAutoNum type="arabicPeriod"/>
-              <a:tabLst/>
               <a:defRPr/>
             </a:pPr>
             <a:r>
@@ -2247,10 +2163,7 @@
           <a:bodyPr/>
           <a:lstStyle/>
           <a:p>
-            <a:r>
-              <a:rPr lang="en-US" dirty="0"/>
-              <a:t>Azure Vision Studio - https://portal.vision.cognitive.azure.com/demo/image-captioning</a:t>
-            </a:r>
+            <a:endParaRPr lang="en-US" dirty="0"/>
           </a:p>
         </p:txBody>
       </p:sp>
@@ -2333,6 +2246,13 @@
         <p:txBody>
           <a:bodyPr/>
           <a:lstStyle/>
+          <a:p>
+            <a:pPr defTabSz="941923"/>
+            <a:r>
+              <a:rPr lang="en-US" dirty="0"/>
+              <a:t>Azure Vision Studio - https://portal.vision.cognitive.azure.com/demo/image-captioning</a:t>
+            </a:r>
+          </a:p>
           <a:p>
             <a:endParaRPr lang="en-US" dirty="0"/>
           </a:p>
@@ -4957,7 +4877,7 @@
           <a:p>
             <a:fld id="{D40CD771-3B55-4F71-A412-F2B875D7B621}" type="datetime1">
               <a:rPr lang="en-US" smtClean="0"/>
-              <a:t>3/27/2024</a:t>
+              <a:t>3/28/2024</a:t>
             </a:fld>
             <a:endParaRPr lang="en-US" dirty="0"/>
           </a:p>
@@ -5528,7 +5448,7 @@
           <a:p>
             <a:fld id="{DD565FA3-C3AD-4028-B5DD-84D9CECFBB89}" type="datetime1">
               <a:rPr lang="en-US" smtClean="0"/>
-              <a:t>3/27/2024</a:t>
+              <a:t>3/28/2024</a:t>
             </a:fld>
             <a:endParaRPr lang="en-US" dirty="0"/>
           </a:p>
@@ -6563,7 +6483,7 @@
           <a:p>
             <a:fld id="{3BD4ADB0-2200-4ADA-8C14-3FC7CEFC81F7}" type="datetime1">
               <a:rPr lang="en-US" smtClean="0"/>
-              <a:t>3/27/2024</a:t>
+              <a:t>3/28/2024</a:t>
             </a:fld>
             <a:endParaRPr lang="en-US" dirty="0"/>
           </a:p>
@@ -7449,7 +7369,7 @@
           <a:p>
             <a:fld id="{3CD0E6B3-1484-43A7-852A-7CEAE8B79EC0}" type="datetime1">
               <a:rPr lang="en-US" smtClean="0"/>
-              <a:t>3/27/2024</a:t>
+              <a:t>3/28/2024</a:t>
             </a:fld>
             <a:endParaRPr lang="en-US" dirty="0"/>
           </a:p>
@@ -8767,7 +8687,7 @@
           <a:p>
             <a:fld id="{2BEFEC11-A4AD-4C89-8ACD-8FF27A79E89E}" type="datetime1">
               <a:rPr lang="en-US" smtClean="0"/>
-              <a:t>3/27/2024</a:t>
+              <a:t>3/28/2024</a:t>
             </a:fld>
             <a:endParaRPr lang="en-US" dirty="0"/>
           </a:p>
@@ -10483,7 +10403,7 @@
           <a:p>
             <a:fld id="{3135798D-CCB3-4270-966B-D99874338BAB}" type="datetime1">
               <a:rPr lang="en-US" smtClean="0"/>
-              <a:t>3/27/2024</a:t>
+              <a:t>3/28/2024</a:t>
             </a:fld>
             <a:endParaRPr lang="en-US" dirty="0"/>
           </a:p>
@@ -12204,7 +12124,7 @@
           <a:p>
             <a:fld id="{D2A641F7-70A7-4C80-8B54-47DC93A76399}" type="datetime1">
               <a:rPr lang="en-US" smtClean="0"/>
-              <a:t>3/27/2024</a:t>
+              <a:t>3/28/2024</a:t>
             </a:fld>
             <a:endParaRPr lang="en-US" dirty="0"/>
           </a:p>
@@ -12620,7 +12540,7 @@
           <a:p>
             <a:fld id="{1FFC9F40-B774-4ADF-976D-7826EBFC23FC}" type="datetime1">
               <a:rPr lang="en-US" smtClean="0"/>
-              <a:t>3/27/2024</a:t>
+              <a:t>3/28/2024</a:t>
             </a:fld>
             <a:endParaRPr lang="en-US" dirty="0"/>
           </a:p>
@@ -14504,7 +14424,7 @@
           <a:p>
             <a:fld id="{1EA8AE22-5AA9-4E68-B910-53534A46D111}" type="datetime1">
               <a:rPr lang="en-US" smtClean="0"/>
-              <a:t>3/27/2024</a:t>
+              <a:t>3/28/2024</a:t>
             </a:fld>
             <a:endParaRPr lang="en-US" dirty="0"/>
           </a:p>
@@ -15489,7 +15409,7 @@
           <a:p>
             <a:fld id="{F342984A-CABF-4466-A44F-F97A782DF502}" type="datetime1">
               <a:rPr lang="en-US" smtClean="0"/>
-              <a:t>3/27/2024</a:t>
+              <a:t>3/28/2024</a:t>
             </a:fld>
             <a:endParaRPr lang="en-US" dirty="0"/>
           </a:p>
@@ -16461,7 +16381,7 @@
           <a:p>
             <a:fld id="{8D28DA4F-55EE-4774-AFC6-2F73931F16BE}" type="datetime1">
               <a:rPr lang="en-US" smtClean="0"/>
-              <a:t>3/27/2024</a:t>
+              <a:t>3/28/2024</a:t>
             </a:fld>
             <a:endParaRPr lang="en-US" dirty="0"/>
           </a:p>
@@ -17675,7 +17595,7 @@
           <a:p>
             <a:fld id="{49BF4A40-B160-41AB-BD66-51E4EFBE2604}" type="datetime1">
               <a:rPr lang="en-US" smtClean="0"/>
-              <a:t>3/27/2024</a:t>
+              <a:t>3/28/2024</a:t>
             </a:fld>
             <a:endParaRPr lang="en-US" dirty="0"/>
           </a:p>
@@ -18995,7 +18915,7 @@
           <a:p>
             <a:fld id="{A2D678BB-696D-42DB-BEC8-FB9987E03170}" type="datetime1">
               <a:rPr lang="en-US" smtClean="0"/>
-              <a:t>3/27/2024</a:t>
+              <a:t>3/28/2024</a:t>
             </a:fld>
             <a:endParaRPr lang="en-US" dirty="0"/>
           </a:p>
@@ -21374,7 +21294,7 @@
           <a:p>
             <a:fld id="{1162C2D5-1148-46A1-BEF2-DD9C492A8B49}" type="datetime1">
               <a:rPr lang="en-US" smtClean="0"/>
-              <a:t>3/27/2024</a:t>
+              <a:t>3/28/2024</a:t>
             </a:fld>
             <a:endParaRPr lang="en-US" dirty="0"/>
           </a:p>
@@ -23795,7 +23715,7 @@
           <a:p>
             <a:fld id="{965B5B8E-CEE3-4EB8-9D7E-B72C8551397A}" type="datetime1">
               <a:rPr lang="en-US" smtClean="0"/>
-              <a:t>3/27/2024</a:t>
+              <a:t>3/28/2024</a:t>
             </a:fld>
             <a:endParaRPr lang="en-US" dirty="0"/>
           </a:p>
@@ -25480,7 +25400,7 @@
           <a:p>
             <a:fld id="{76A4DFCB-51DE-424A-8B5B-467EFB151E38}" type="datetime1">
               <a:rPr lang="en-US" smtClean="0"/>
-              <a:t>3/27/2024</a:t>
+              <a:t>3/28/2024</a:t>
             </a:fld>
             <a:endParaRPr lang="en-US" dirty="0"/>
           </a:p>
@@ -25730,7 +25650,7 @@
           <a:p>
             <a:fld id="{CE7CABBA-7921-40BC-AA51-20F01765FD57}" type="datetime1">
               <a:rPr lang="en-US" smtClean="0"/>
-              <a:t>3/27/2024</a:t>
+              <a:t>3/28/2024</a:t>
             </a:fld>
             <a:endParaRPr lang="en-US" dirty="0"/>
           </a:p>
@@ -27380,7 +27300,7 @@
           <a:p>
             <a:fld id="{2DE70F3C-A523-425F-99C2-A38FEF5AAA8E}" type="datetime1">
               <a:rPr lang="en-US" smtClean="0"/>
-              <a:t>3/27/2024</a:t>
+              <a:t>3/28/2024</a:t>
             </a:fld>
             <a:endParaRPr lang="en-US" dirty="0"/>
           </a:p>
@@ -27767,7 +27687,7 @@
           <a:p>
             <a:fld id="{365C6142-4DC0-4393-AD7A-3943A8E630E4}" type="datetime1">
               <a:rPr lang="en-US" smtClean="0"/>
-              <a:t>3/27/2024</a:t>
+              <a:t>3/28/2024</a:t>
             </a:fld>
             <a:endParaRPr lang="en-US" dirty="0"/>
           </a:p>
@@ -28516,7 +28436,7 @@
           <a:p>
             <a:fld id="{EBA72B5A-673D-4607-9FF7-CCF53A6CFB8C}" type="datetime1">
               <a:rPr lang="en-US" smtClean="0"/>
-              <a:t>3/27/2024</a:t>
+              <a:t>3/28/2024</a:t>
             </a:fld>
             <a:endParaRPr lang="en-US" dirty="0"/>
           </a:p>
@@ -28761,7 +28681,7 @@
           <a:p>
             <a:fld id="{2A82BCC9-1E0F-4681-A8CA-371CB2B2FD36}" type="datetime1">
               <a:rPr lang="en-US" smtClean="0"/>
-              <a:t>3/27/2024</a:t>
+              <a:t>3/28/2024</a:t>
             </a:fld>
             <a:endParaRPr lang="en-US" dirty="0"/>
           </a:p>
@@ -28805,7 +28725,7 @@
     </p:spTree>
     <p:extLst>
       <p:ext uri="{BB962C8B-B14F-4D97-AF65-F5344CB8AC3E}">
-        <p14:creationId xmlns:p14="http://schemas.microsoft.com/office/powerpoint/2010/main" val="2902978296"/>
+        <p14:creationId xmlns:p14="http://schemas.microsoft.com/office/powerpoint/2010/main" val="3630932671"/>
       </p:ext>
     </p:extLst>
   </p:cSld>
@@ -29041,7 +28961,7 @@
           <a:p>
             <a:fld id="{1E6DE020-595E-4414-9FD4-E492968BB4DD}" type="datetime1">
               <a:rPr lang="en-US" smtClean="0"/>
-              <a:t>3/27/2024</a:t>
+              <a:t>3/28/2024</a:t>
             </a:fld>
             <a:endParaRPr lang="en-US" dirty="0"/>
           </a:p>
@@ -29231,7 +29151,7 @@
           <a:p>
             <a:fld id="{09C89640-83B5-41BC-A234-8A25CEA3CA37}" type="datetime1">
               <a:rPr lang="en-US" smtClean="0"/>
-              <a:t>3/27/2024</a:t>
+              <a:t>3/28/2024</a:t>
             </a:fld>
             <a:endParaRPr lang="en-US" dirty="0"/>
           </a:p>
@@ -29323,8 +29243,8 @@
         </p:nvSpPr>
         <p:spPr>
           <a:xfrm>
-            <a:off x="2185621" y="2288342"/>
-            <a:ext cx="7820757" cy="1754326"/>
+            <a:off x="3880255" y="2573196"/>
+            <a:ext cx="4431489" cy="1200329"/>
           </a:xfrm>
           <a:prstGeom prst="rect">
             <a:avLst/>
@@ -29342,13 +29262,8 @@
               <a:rPr lang="en-US" sz="1800" b="1" dirty="0">
                 <a:latin typeface="Arial" panose="020B0604020202020204" pitchFamily="34" charset="0"/>
               </a:rPr>
-              <a:t>The views expressed</a:t>
+              <a:t>The views expressed </a:t>
             </a:r>
-            <a:br>
-              <a:rPr lang="en-US" sz="1800" b="1" dirty="0">
-                <a:latin typeface="Arial" panose="020B0604020202020204" pitchFamily="34" charset="0"/>
-              </a:rPr>
-            </a:br>
             <a:r>
               <a:rPr lang="en-US" b="1" dirty="0">
                 <a:latin typeface="Arial" panose="020B0604020202020204" pitchFamily="34" charset="0"/>
@@ -29359,18 +29274,7 @@
               <a:rPr lang="en-US" sz="1800" b="1" dirty="0">
                 <a:latin typeface="Arial" panose="020B0604020202020204" pitchFamily="34" charset="0"/>
               </a:rPr>
-              <a:t>n this presentation</a:t>
-            </a:r>
-            <a:br>
-              <a:rPr lang="en-US" b="1" dirty="0">
-                <a:latin typeface="Arial" panose="020B0604020202020204" pitchFamily="34" charset="0"/>
-              </a:rPr>
-            </a:br>
-            <a:r>
-              <a:rPr lang="en-US" sz="1800" b="1" dirty="0">
-                <a:latin typeface="Arial" panose="020B0604020202020204" pitchFamily="34" charset="0"/>
-              </a:rPr>
-              <a:t>are those of this speaker</a:t>
+              <a:t>n this presentation are those of this speaker</a:t>
             </a:r>
             <a:br>
               <a:rPr lang="en-US" sz="1800" b="1" dirty="0">
@@ -29381,29 +29285,7 @@
               <a:rPr lang="en-US" sz="1800" b="1" dirty="0">
                 <a:latin typeface="Arial" panose="020B0604020202020204" pitchFamily="34" charset="0"/>
               </a:rPr>
-              <a:t>and do not necessarily</a:t>
-            </a:r>
-            <a:br>
-              <a:rPr lang="en-US" sz="1800" b="1" dirty="0">
-                <a:latin typeface="Arial" panose="020B0604020202020204" pitchFamily="34" charset="0"/>
-              </a:rPr>
-            </a:br>
-            <a:r>
-              <a:rPr lang="en-US" sz="1800" b="1" dirty="0">
-                <a:latin typeface="Arial" panose="020B0604020202020204" pitchFamily="34" charset="0"/>
-              </a:rPr>
-              <a:t>represent those of</a:t>
-            </a:r>
-            <a:br>
-              <a:rPr lang="en-US" b="1" dirty="0">
-                <a:latin typeface="Arial" panose="020B0604020202020204" pitchFamily="34" charset="0"/>
-              </a:rPr>
-            </a:br>
-            <a:r>
-              <a:rPr lang="en-US" sz="1800" b="1" dirty="0">
-                <a:latin typeface="Arial" panose="020B0604020202020204" pitchFamily="34" charset="0"/>
-              </a:rPr>
-              <a:t>their employer.</a:t>
+              <a:t>and do not necessarily represent those of their employer.</a:t>
             </a:r>
             <a:endParaRPr lang="en-US" sz="6600" b="1" dirty="0">
               <a:latin typeface="Arial" panose="020B0604020202020204" pitchFamily="34" charset="0"/>
@@ -29552,7 +29434,7 @@
           <a:p>
             <a:r>
               <a:rPr lang="en-US" dirty="0"/>
-              <a:t>Basics of Accessibility Testing</a:t>
+              <a:t>What are we looking for?</a:t>
             </a:r>
           </a:p>
           <a:p>
@@ -29730,7 +29612,7 @@
           <a:p>
             <a:fld id="{1EA8AE22-5AA9-4E68-B910-53534A46D111}" type="datetime1">
               <a:rPr lang="en-US" smtClean="0"/>
-              <a:t>3/27/2024</a:t>
+              <a:t>3/28/2024</a:t>
             </a:fld>
             <a:endParaRPr lang="en-US" dirty="0"/>
           </a:p>
@@ -29923,7 +29805,7 @@
           <a:p>
             <a:fld id="{02020E9F-7472-46E2-925D-3834C3399EB8}" type="datetime1">
               <a:rPr lang="en-US" smtClean="0"/>
-              <a:t>3/27/2024</a:t>
+              <a:t>3/28/2024</a:t>
             </a:fld>
             <a:endParaRPr lang="en-US" dirty="0"/>
           </a:p>
@@ -30126,7 +30008,7 @@
           <a:p>
             <a:fld id="{FE57B65C-736A-463A-B878-00376E835189}" type="datetime1">
               <a:rPr lang="en-US" smtClean="0"/>
-              <a:t>3/27/2024</a:t>
+              <a:t>3/28/2024</a:t>
             </a:fld>
             <a:endParaRPr lang="en-US" dirty="0"/>
           </a:p>
@@ -30327,7 +30209,7 @@
           <a:p>
             <a:fld id="{F62B3EC1-C48E-40CA-B644-780608C10782}" type="datetime1">
               <a:rPr lang="en-US" smtClean="0"/>
-              <a:t>3/27/2024</a:t>
+              <a:t>3/28/2024</a:t>
             </a:fld>
             <a:endParaRPr lang="en-US" dirty="0"/>
           </a:p>
@@ -30587,7 +30469,7 @@
           <a:p>
             <a:fld id="{D848C455-CDB2-4208-A65A-BF4D86A5E68B}" type="datetime1">
               <a:rPr lang="en-US" smtClean="0"/>
-              <a:t>3/27/2024</a:t>
+              <a:t>3/28/2024</a:t>
             </a:fld>
             <a:endParaRPr lang="en-US" dirty="0"/>
           </a:p>
@@ -30765,7 +30647,7 @@
           <a:p>
             <a:fld id="{CDC15CAB-FD5C-4E8D-A715-31333DAF8D3F}" type="datetime1">
               <a:rPr lang="en-US" smtClean="0"/>
-              <a:t>3/27/2024</a:t>
+              <a:t>3/28/2024</a:t>
             </a:fld>
             <a:endParaRPr lang="en-US" dirty="0"/>
           </a:p>
@@ -30968,7 +30850,7 @@
           <a:p>
             <a:fld id="{11B39263-7CDE-4839-88A7-EB9F08F894B1}" type="datetime1">
               <a:rPr lang="en-US" smtClean="0"/>
-              <a:t>3/27/2024</a:t>
+              <a:t>3/28/2024</a:t>
             </a:fld>
             <a:endParaRPr lang="en-US" dirty="0"/>
           </a:p>
@@ -31871,26 +31753,6 @@
 </file>
 
 <file path=customXml/item1.xml><?xml version="1.0" encoding="utf-8"?>
-<p:properties xmlns:p="http://schemas.microsoft.com/office/2006/metadata/properties" xmlns:xsi="http://www.w3.org/2001/XMLSchema-instance" xmlns:pc="http://schemas.microsoft.com/office/infopath/2007/PartnerControls">
-  <documentManagement>
-    <_ip_UnifiedCompliancePolicyUIAction xmlns="http://schemas.microsoft.com/sharepoint/v3" xsi:nil="true"/>
-    <Image xmlns="71af3243-3dd4-4a8d-8c0d-dd76da1f02a5">
-      <Url xsi:nil="true"/>
-      <Description xsi:nil="true"/>
-    </Image>
-    <Status xmlns="71af3243-3dd4-4a8d-8c0d-dd76da1f02a5">Not started</Status>
-    <Background xmlns="71af3243-3dd4-4a8d-8c0d-dd76da1f02a5">false</Background>
-    <_ip_UnifiedCompliancePolicyProperties xmlns="http://schemas.microsoft.com/sharepoint/v3" xsi:nil="true"/>
-    <ImageTagsTaxHTField xmlns="71af3243-3dd4-4a8d-8c0d-dd76da1f02a5">
-      <Terms xmlns="http://schemas.microsoft.com/office/infopath/2007/PartnerControls"/>
-    </ImageTagsTaxHTField>
-    <TaxCatchAll xmlns="230e9df3-be65-4c73-a93b-d1236ebd677e" xsi:nil="true"/>
-    <MediaServiceKeyPoints xmlns="71af3243-3dd4-4a8d-8c0d-dd76da1f02a5" xsi:nil="true"/>
-  </documentManagement>
-</p:properties>
-</file>
-
-<file path=customXml/item2.xml><?xml version="1.0" encoding="utf-8"?>
 <ct:contentTypeSchema xmlns:ct="http://schemas.microsoft.com/office/2006/metadata/contentType" xmlns:ma="http://schemas.microsoft.com/office/2006/metadata/properties/metaAttributes" ct:_="" ma:_="" ma:contentTypeName="Document" ma:contentTypeID="0x01010079F111ED35F8CC479449609E8A0923A6" ma:contentTypeVersion="28" ma:contentTypeDescription="Create a new document." ma:contentTypeScope="" ma:versionID="60f5a4f2d2b0abadcf532d48ebf9cb71">
   <xsd:schema xmlns:xsd="http://www.w3.org/2001/XMLSchema" xmlns:xs="http://www.w3.org/2001/XMLSchema" xmlns:p="http://schemas.microsoft.com/office/2006/metadata/properties" xmlns:ns1="http://schemas.microsoft.com/sharepoint/v3" xmlns:ns2="71af3243-3dd4-4a8d-8c0d-dd76da1f02a5" xmlns:ns3="16c05727-aa75-4e4a-9b5f-8a80a1165891" xmlns:ns4="230e9df3-be65-4c73-a93b-d1236ebd677e" targetNamespace="http://schemas.microsoft.com/office/2006/metadata/properties" ma:root="true" ma:fieldsID="7dd78129e6a1811f84807ad11c651531" ns1:_="" ns2:_="" ns3:_="" ns4:_="">
     <xsd:import namespace="http://schemas.microsoft.com/sharepoint/v3"/>
@@ -32202,6 +32064,26 @@
 </ct:contentTypeSchema>
 </file>
 
+<file path=customXml/item2.xml><?xml version="1.0" encoding="utf-8"?>
+<p:properties xmlns:p="http://schemas.microsoft.com/office/2006/metadata/properties" xmlns:xsi="http://www.w3.org/2001/XMLSchema-instance" xmlns:pc="http://schemas.microsoft.com/office/infopath/2007/PartnerControls">
+  <documentManagement>
+    <_ip_UnifiedCompliancePolicyUIAction xmlns="http://schemas.microsoft.com/sharepoint/v3" xsi:nil="true"/>
+    <Image xmlns="71af3243-3dd4-4a8d-8c0d-dd76da1f02a5">
+      <Url xsi:nil="true"/>
+      <Description xsi:nil="true"/>
+    </Image>
+    <Status xmlns="71af3243-3dd4-4a8d-8c0d-dd76da1f02a5">Not started</Status>
+    <Background xmlns="71af3243-3dd4-4a8d-8c0d-dd76da1f02a5">false</Background>
+    <_ip_UnifiedCompliancePolicyProperties xmlns="http://schemas.microsoft.com/sharepoint/v3" xsi:nil="true"/>
+    <ImageTagsTaxHTField xmlns="71af3243-3dd4-4a8d-8c0d-dd76da1f02a5">
+      <Terms xmlns="http://schemas.microsoft.com/office/infopath/2007/PartnerControls"/>
+    </ImageTagsTaxHTField>
+    <TaxCatchAll xmlns="230e9df3-be65-4c73-a93b-d1236ebd677e" xsi:nil="true"/>
+    <MediaServiceKeyPoints xmlns="71af3243-3dd4-4a8d-8c0d-dd76da1f02a5" xsi:nil="true"/>
+  </documentManagement>
+</p:properties>
+</file>
+
 <file path=customXml/item3.xml><?xml version="1.0" encoding="utf-8"?>
 <?mso-contentType ?>
 <FormTemplates xmlns="http://schemas.microsoft.com/sharepoint/v3/contenttype/forms">
@@ -32212,25 +32094,6 @@
 </file>
 
 <file path=customXml/itemProps1.xml><?xml version="1.0" encoding="utf-8"?>
-<ds:datastoreItem xmlns:ds="http://schemas.openxmlformats.org/officeDocument/2006/customXml" ds:itemID="{55F65D0A-9CCC-4F61-B2C0-E968BCA5F60A}">
-  <ds:schemaRefs>
-    <ds:schemaRef ds:uri="http://schemas.microsoft.com/office/2006/metadata/properties"/>
-    <ds:schemaRef ds:uri="http://schemas.microsoft.com/sharepoint/v3"/>
-    <ds:schemaRef ds:uri="http://schemas.microsoft.com/office/2006/documentManagement/types"/>
-    <ds:schemaRef ds:uri="http://purl.org/dc/elements/1.1/"/>
-    <ds:schemaRef ds:uri="http://schemas.openxmlformats.org/package/2006/metadata/core-properties"/>
-    <ds:schemaRef ds:uri="http://www.w3.org/XML/1998/namespace"/>
-    <ds:schemaRef ds:uri="http://purl.org/dc/dcmitype/"/>
-    <ds:schemaRef ds:uri="http://schemas.microsoft.com/office/infopath/2007/PartnerControls"/>
-    <ds:schemaRef ds:uri="230e9df3-be65-4c73-a93b-d1236ebd677e"/>
-    <ds:schemaRef ds:uri="16c05727-aa75-4e4a-9b5f-8a80a1165891"/>
-    <ds:schemaRef ds:uri="71af3243-3dd4-4a8d-8c0d-dd76da1f02a5"/>
-    <ds:schemaRef ds:uri="http://purl.org/dc/terms/"/>
-  </ds:schemaRefs>
-</ds:datastoreItem>
-</file>
-
-<file path=customXml/itemProps2.xml><?xml version="1.0" encoding="utf-8"?>
 <ds:datastoreItem xmlns:ds="http://schemas.openxmlformats.org/officeDocument/2006/customXml" ds:itemID="{16095F90-A7E0-4DA0-8E95-EB34584D62EC}">
   <ds:schemaRefs>
     <ds:schemaRef ds:uri="http://schemas.microsoft.com/office/2006/metadata/contentType"/>
@@ -32251,6 +32114,25 @@
 </ds:datastoreItem>
 </file>
 
+<file path=customXml/itemProps2.xml><?xml version="1.0" encoding="utf-8"?>
+<ds:datastoreItem xmlns:ds="http://schemas.openxmlformats.org/officeDocument/2006/customXml" ds:itemID="{55F65D0A-9CCC-4F61-B2C0-E968BCA5F60A}">
+  <ds:schemaRefs>
+    <ds:schemaRef ds:uri="http://schemas.openxmlformats.org/package/2006/metadata/core-properties"/>
+    <ds:schemaRef ds:uri="http://purl.org/dc/dcmitype/"/>
+    <ds:schemaRef ds:uri="230e9df3-be65-4c73-a93b-d1236ebd677e"/>
+    <ds:schemaRef ds:uri="http://schemas.microsoft.com/office/2006/metadata/properties"/>
+    <ds:schemaRef ds:uri="http://schemas.microsoft.com/office/2006/documentManagement/types"/>
+    <ds:schemaRef ds:uri="http://schemas.microsoft.com/sharepoint/v3"/>
+    <ds:schemaRef ds:uri="http://purl.org/dc/elements/1.1/"/>
+    <ds:schemaRef ds:uri="http://purl.org/dc/terms/"/>
+    <ds:schemaRef ds:uri="http://schemas.microsoft.com/office/infopath/2007/PartnerControls"/>
+    <ds:schemaRef ds:uri="16c05727-aa75-4e4a-9b5f-8a80a1165891"/>
+    <ds:schemaRef ds:uri="71af3243-3dd4-4a8d-8c0d-dd76da1f02a5"/>
+    <ds:schemaRef ds:uri="http://www.w3.org/XML/1998/namespace"/>
+  </ds:schemaRefs>
+</ds:datastoreItem>
+</file>
+
 <file path=customXml/itemProps3.xml><?xml version="1.0" encoding="utf-8"?>
 <ds:datastoreItem xmlns:ds="http://schemas.openxmlformats.org/officeDocument/2006/customXml" ds:itemID="{E6C52E68-191B-4883-A1EE-52F93DB694AA}">
   <ds:schemaRefs>

--- a/Presentations/2024 Presentations/Accessibility Testing with Screen Reader.pptx
+++ b/Presentations/2024 Presentations/Accessibility Testing with Screen Reader.pptx
@@ -28894,8 +28894,12 @@
               <a:buNone/>
             </a:pPr>
             <a:r>
+              <a:rPr lang="en-US" sz="1600" b="1" dirty="0"/>
+              <a:t>Feedback @</a:t>
+            </a:r>
+            <a:r>
               <a:rPr lang="en-US" sz="1600" dirty="0"/>
-              <a:t>https://www.linkedin.com/in/corgidev</a:t>
+              <a:t> accessibility@corgidev.com</a:t>
             </a:r>
           </a:p>
         </p:txBody>
@@ -31753,6 +31757,35 @@
 </file>
 
 <file path=customXml/item1.xml><?xml version="1.0" encoding="utf-8"?>
+<?mso-contentType ?>
+<FormTemplates xmlns="http://schemas.microsoft.com/sharepoint/v3/contenttype/forms">
+  <Display>DocumentLibraryForm</Display>
+  <Edit>DocumentLibraryForm</Edit>
+  <New>DocumentLibraryForm</New>
+</FormTemplates>
+</file>
+
+<file path=customXml/item2.xml><?xml version="1.0" encoding="utf-8"?>
+<p:properties xmlns:p="http://schemas.microsoft.com/office/2006/metadata/properties" xmlns:xsi="http://www.w3.org/2001/XMLSchema-instance" xmlns:pc="http://schemas.microsoft.com/office/infopath/2007/PartnerControls">
+  <documentManagement>
+    <_ip_UnifiedCompliancePolicyUIAction xmlns="http://schemas.microsoft.com/sharepoint/v3" xsi:nil="true"/>
+    <Image xmlns="71af3243-3dd4-4a8d-8c0d-dd76da1f02a5">
+      <Url xsi:nil="true"/>
+      <Description xsi:nil="true"/>
+    </Image>
+    <Status xmlns="71af3243-3dd4-4a8d-8c0d-dd76da1f02a5">Not started</Status>
+    <Background xmlns="71af3243-3dd4-4a8d-8c0d-dd76da1f02a5">false</Background>
+    <_ip_UnifiedCompliancePolicyProperties xmlns="http://schemas.microsoft.com/sharepoint/v3" xsi:nil="true"/>
+    <ImageTagsTaxHTField xmlns="71af3243-3dd4-4a8d-8c0d-dd76da1f02a5">
+      <Terms xmlns="http://schemas.microsoft.com/office/infopath/2007/PartnerControls"/>
+    </ImageTagsTaxHTField>
+    <TaxCatchAll xmlns="230e9df3-be65-4c73-a93b-d1236ebd677e" xsi:nil="true"/>
+    <MediaServiceKeyPoints xmlns="71af3243-3dd4-4a8d-8c0d-dd76da1f02a5" xsi:nil="true"/>
+  </documentManagement>
+</p:properties>
+</file>
+
+<file path=customXml/item3.xml><?xml version="1.0" encoding="utf-8"?>
 <ct:contentTypeSchema xmlns:ct="http://schemas.microsoft.com/office/2006/metadata/contentType" xmlns:ma="http://schemas.microsoft.com/office/2006/metadata/properties/metaAttributes" ct:_="" ma:_="" ma:contentTypeName="Document" ma:contentTypeID="0x01010079F111ED35F8CC479449609E8A0923A6" ma:contentTypeVersion="28" ma:contentTypeDescription="Create a new document." ma:contentTypeScope="" ma:versionID="60f5a4f2d2b0abadcf532d48ebf9cb71">
   <xsd:schema xmlns:xsd="http://www.w3.org/2001/XMLSchema" xmlns:xs="http://www.w3.org/2001/XMLSchema" xmlns:p="http://schemas.microsoft.com/office/2006/metadata/properties" xmlns:ns1="http://schemas.microsoft.com/sharepoint/v3" xmlns:ns2="71af3243-3dd4-4a8d-8c0d-dd76da1f02a5" xmlns:ns3="16c05727-aa75-4e4a-9b5f-8a80a1165891" xmlns:ns4="230e9df3-be65-4c73-a93b-d1236ebd677e" targetNamespace="http://schemas.microsoft.com/office/2006/metadata/properties" ma:root="true" ma:fieldsID="7dd78129e6a1811f84807ad11c651531" ns1:_="" ns2:_="" ns3:_="" ns4:_="">
     <xsd:import namespace="http://schemas.microsoft.com/sharepoint/v3"/>
@@ -32064,52 +32097,10 @@
 </ct:contentTypeSchema>
 </file>
 
-<file path=customXml/item2.xml><?xml version="1.0" encoding="utf-8"?>
-<p:properties xmlns:p="http://schemas.microsoft.com/office/2006/metadata/properties" xmlns:xsi="http://www.w3.org/2001/XMLSchema-instance" xmlns:pc="http://schemas.microsoft.com/office/infopath/2007/PartnerControls">
-  <documentManagement>
-    <_ip_UnifiedCompliancePolicyUIAction xmlns="http://schemas.microsoft.com/sharepoint/v3" xsi:nil="true"/>
-    <Image xmlns="71af3243-3dd4-4a8d-8c0d-dd76da1f02a5">
-      <Url xsi:nil="true"/>
-      <Description xsi:nil="true"/>
-    </Image>
-    <Status xmlns="71af3243-3dd4-4a8d-8c0d-dd76da1f02a5">Not started</Status>
-    <Background xmlns="71af3243-3dd4-4a8d-8c0d-dd76da1f02a5">false</Background>
-    <_ip_UnifiedCompliancePolicyProperties xmlns="http://schemas.microsoft.com/sharepoint/v3" xsi:nil="true"/>
-    <ImageTagsTaxHTField xmlns="71af3243-3dd4-4a8d-8c0d-dd76da1f02a5">
-      <Terms xmlns="http://schemas.microsoft.com/office/infopath/2007/PartnerControls"/>
-    </ImageTagsTaxHTField>
-    <TaxCatchAll xmlns="230e9df3-be65-4c73-a93b-d1236ebd677e" xsi:nil="true"/>
-    <MediaServiceKeyPoints xmlns="71af3243-3dd4-4a8d-8c0d-dd76da1f02a5" xsi:nil="true"/>
-  </documentManagement>
-</p:properties>
-</file>
-
-<file path=customXml/item3.xml><?xml version="1.0" encoding="utf-8"?>
-<?mso-contentType ?>
-<FormTemplates xmlns="http://schemas.microsoft.com/sharepoint/v3/contenttype/forms">
-  <Display>DocumentLibraryForm</Display>
-  <Edit>DocumentLibraryForm</Edit>
-  <New>DocumentLibraryForm</New>
-</FormTemplates>
-</file>
-
 <file path=customXml/itemProps1.xml><?xml version="1.0" encoding="utf-8"?>
-<ds:datastoreItem xmlns:ds="http://schemas.openxmlformats.org/officeDocument/2006/customXml" ds:itemID="{16095F90-A7E0-4DA0-8E95-EB34584D62EC}">
+<ds:datastoreItem xmlns:ds="http://schemas.openxmlformats.org/officeDocument/2006/customXml" ds:itemID="{E6C52E68-191B-4883-A1EE-52F93DB694AA}">
   <ds:schemaRefs>
-    <ds:schemaRef ds:uri="http://schemas.microsoft.com/office/2006/metadata/contentType"/>
-    <ds:schemaRef ds:uri="http://schemas.microsoft.com/office/2006/metadata/properties/metaAttributes"/>
-    <ds:schemaRef ds:uri="http://www.w3.org/2001/XMLSchema"/>
-    <ds:schemaRef ds:uri="http://schemas.microsoft.com/office/2006/metadata/properties"/>
-    <ds:schemaRef ds:uri="http://schemas.microsoft.com/sharepoint/v3"/>
-    <ds:schemaRef ds:uri="71af3243-3dd4-4a8d-8c0d-dd76da1f02a5"/>
-    <ds:schemaRef ds:uri="16c05727-aa75-4e4a-9b5f-8a80a1165891"/>
-    <ds:schemaRef ds:uri="230e9df3-be65-4c73-a93b-d1236ebd677e"/>
-    <ds:schemaRef ds:uri="http://schemas.microsoft.com/office/2006/documentManagement/types"/>
-    <ds:schemaRef ds:uri="http://schemas.microsoft.com/office/infopath/2007/PartnerControls"/>
-    <ds:schemaRef ds:uri="http://schemas.openxmlformats.org/package/2006/metadata/core-properties"/>
-    <ds:schemaRef ds:uri="http://purl.org/dc/elements/1.1/"/>
-    <ds:schemaRef ds:uri="http://purl.org/dc/terms/"/>
-    <ds:schemaRef ds:uri="http://schemas.microsoft.com/internal/obd"/>
+    <ds:schemaRef ds:uri="http://schemas.microsoft.com/sharepoint/v3/contenttype/forms"/>
   </ds:schemaRefs>
 </ds:datastoreItem>
 </file>
@@ -32134,9 +32125,22 @@
 </file>
 
 <file path=customXml/itemProps3.xml><?xml version="1.0" encoding="utf-8"?>
-<ds:datastoreItem xmlns:ds="http://schemas.openxmlformats.org/officeDocument/2006/customXml" ds:itemID="{E6C52E68-191B-4883-A1EE-52F93DB694AA}">
+<ds:datastoreItem xmlns:ds="http://schemas.openxmlformats.org/officeDocument/2006/customXml" ds:itemID="{16095F90-A7E0-4DA0-8E95-EB34584D62EC}">
   <ds:schemaRefs>
-    <ds:schemaRef ds:uri="http://schemas.microsoft.com/sharepoint/v3/contenttype/forms"/>
+    <ds:schemaRef ds:uri="http://schemas.microsoft.com/office/2006/metadata/contentType"/>
+    <ds:schemaRef ds:uri="http://schemas.microsoft.com/office/2006/metadata/properties/metaAttributes"/>
+    <ds:schemaRef ds:uri="http://www.w3.org/2001/XMLSchema"/>
+    <ds:schemaRef ds:uri="http://schemas.microsoft.com/office/2006/metadata/properties"/>
+    <ds:schemaRef ds:uri="http://schemas.microsoft.com/sharepoint/v3"/>
+    <ds:schemaRef ds:uri="71af3243-3dd4-4a8d-8c0d-dd76da1f02a5"/>
+    <ds:schemaRef ds:uri="16c05727-aa75-4e4a-9b5f-8a80a1165891"/>
+    <ds:schemaRef ds:uri="230e9df3-be65-4c73-a93b-d1236ebd677e"/>
+    <ds:schemaRef ds:uri="http://schemas.microsoft.com/office/2006/documentManagement/types"/>
+    <ds:schemaRef ds:uri="http://schemas.microsoft.com/office/infopath/2007/PartnerControls"/>
+    <ds:schemaRef ds:uri="http://schemas.openxmlformats.org/package/2006/metadata/core-properties"/>
+    <ds:schemaRef ds:uri="http://purl.org/dc/elements/1.1/"/>
+    <ds:schemaRef ds:uri="http://purl.org/dc/terms/"/>
+    <ds:schemaRef ds:uri="http://schemas.microsoft.com/internal/obd"/>
   </ds:schemaRefs>
 </ds:datastoreItem>
 </file>

--- a/Presentations/2024 Presentations/Accessibility Testing with Screen Reader.pptx
+++ b/Presentations/2024 Presentations/Accessibility Testing with Screen Reader.pptx
@@ -240,7 +240,7 @@
           <a:p>
             <a:fld id="{EE5432EF-245E-40EF-B3FF-B189D54EF7CF}" type="datetimeFigureOut">
               <a:rPr lang="en-US" smtClean="0"/>
-              <a:t>3/28/2024</a:t>
+              <a:t>7/24/2024</a:t>
             </a:fld>
             <a:endParaRPr lang="en-US" dirty="0"/>
           </a:p>
@@ -417,7 +417,7 @@
           <a:p>
             <a:fld id="{6AF08D30-F807-4561-A81E-6E077448AA00}" type="datetimeFigureOut">
               <a:rPr lang="en-US" smtClean="0"/>
-              <a:t>3/28/2024</a:t>
+              <a:t>7/24/2024</a:t>
             </a:fld>
             <a:endParaRPr lang="en-US" dirty="0"/>
           </a:p>
@@ -4877,7 +4877,7 @@
           <a:p>
             <a:fld id="{D40CD771-3B55-4F71-A412-F2B875D7B621}" type="datetime1">
               <a:rPr lang="en-US" smtClean="0"/>
-              <a:t>3/28/2024</a:t>
+              <a:t>7/24/2024</a:t>
             </a:fld>
             <a:endParaRPr lang="en-US" dirty="0"/>
           </a:p>
@@ -5448,7 +5448,7 @@
           <a:p>
             <a:fld id="{DD565FA3-C3AD-4028-B5DD-84D9CECFBB89}" type="datetime1">
               <a:rPr lang="en-US" smtClean="0"/>
-              <a:t>3/28/2024</a:t>
+              <a:t>7/24/2024</a:t>
             </a:fld>
             <a:endParaRPr lang="en-US" dirty="0"/>
           </a:p>
@@ -6483,7 +6483,7 @@
           <a:p>
             <a:fld id="{3BD4ADB0-2200-4ADA-8C14-3FC7CEFC81F7}" type="datetime1">
               <a:rPr lang="en-US" smtClean="0"/>
-              <a:t>3/28/2024</a:t>
+              <a:t>7/24/2024</a:t>
             </a:fld>
             <a:endParaRPr lang="en-US" dirty="0"/>
           </a:p>
@@ -7369,7 +7369,7 @@
           <a:p>
             <a:fld id="{3CD0E6B3-1484-43A7-852A-7CEAE8B79EC0}" type="datetime1">
               <a:rPr lang="en-US" smtClean="0"/>
-              <a:t>3/28/2024</a:t>
+              <a:t>7/24/2024</a:t>
             </a:fld>
             <a:endParaRPr lang="en-US" dirty="0"/>
           </a:p>
@@ -8687,7 +8687,7 @@
           <a:p>
             <a:fld id="{2BEFEC11-A4AD-4C89-8ACD-8FF27A79E89E}" type="datetime1">
               <a:rPr lang="en-US" smtClean="0"/>
-              <a:t>3/28/2024</a:t>
+              <a:t>7/24/2024</a:t>
             </a:fld>
             <a:endParaRPr lang="en-US" dirty="0"/>
           </a:p>
@@ -10403,7 +10403,7 @@
           <a:p>
             <a:fld id="{3135798D-CCB3-4270-966B-D99874338BAB}" type="datetime1">
               <a:rPr lang="en-US" smtClean="0"/>
-              <a:t>3/28/2024</a:t>
+              <a:t>7/24/2024</a:t>
             </a:fld>
             <a:endParaRPr lang="en-US" dirty="0"/>
           </a:p>
@@ -12124,7 +12124,7 @@
           <a:p>
             <a:fld id="{D2A641F7-70A7-4C80-8B54-47DC93A76399}" type="datetime1">
               <a:rPr lang="en-US" smtClean="0"/>
-              <a:t>3/28/2024</a:t>
+              <a:t>7/24/2024</a:t>
             </a:fld>
             <a:endParaRPr lang="en-US" dirty="0"/>
           </a:p>
@@ -12540,7 +12540,7 @@
           <a:p>
             <a:fld id="{1FFC9F40-B774-4ADF-976D-7826EBFC23FC}" type="datetime1">
               <a:rPr lang="en-US" smtClean="0"/>
-              <a:t>3/28/2024</a:t>
+              <a:t>7/24/2024</a:t>
             </a:fld>
             <a:endParaRPr lang="en-US" dirty="0"/>
           </a:p>
@@ -14424,7 +14424,7 @@
           <a:p>
             <a:fld id="{1EA8AE22-5AA9-4E68-B910-53534A46D111}" type="datetime1">
               <a:rPr lang="en-US" smtClean="0"/>
-              <a:t>3/28/2024</a:t>
+              <a:t>7/24/2024</a:t>
             </a:fld>
             <a:endParaRPr lang="en-US" dirty="0"/>
           </a:p>
@@ -15409,7 +15409,7 @@
           <a:p>
             <a:fld id="{F342984A-CABF-4466-A44F-F97A782DF502}" type="datetime1">
               <a:rPr lang="en-US" smtClean="0"/>
-              <a:t>3/28/2024</a:t>
+              <a:t>7/24/2024</a:t>
             </a:fld>
             <a:endParaRPr lang="en-US" dirty="0"/>
           </a:p>
@@ -16381,7 +16381,7 @@
           <a:p>
             <a:fld id="{8D28DA4F-55EE-4774-AFC6-2F73931F16BE}" type="datetime1">
               <a:rPr lang="en-US" smtClean="0"/>
-              <a:t>3/28/2024</a:t>
+              <a:t>7/24/2024</a:t>
             </a:fld>
             <a:endParaRPr lang="en-US" dirty="0"/>
           </a:p>
@@ -17595,7 +17595,7 @@
           <a:p>
             <a:fld id="{49BF4A40-B160-41AB-BD66-51E4EFBE2604}" type="datetime1">
               <a:rPr lang="en-US" smtClean="0"/>
-              <a:t>3/28/2024</a:t>
+              <a:t>7/24/2024</a:t>
             </a:fld>
             <a:endParaRPr lang="en-US" dirty="0"/>
           </a:p>
@@ -18915,7 +18915,7 @@
           <a:p>
             <a:fld id="{A2D678BB-696D-42DB-BEC8-FB9987E03170}" type="datetime1">
               <a:rPr lang="en-US" smtClean="0"/>
-              <a:t>3/28/2024</a:t>
+              <a:t>7/24/2024</a:t>
             </a:fld>
             <a:endParaRPr lang="en-US" dirty="0"/>
           </a:p>
@@ -21294,7 +21294,7 @@
           <a:p>
             <a:fld id="{1162C2D5-1148-46A1-BEF2-DD9C492A8B49}" type="datetime1">
               <a:rPr lang="en-US" smtClean="0"/>
-              <a:t>3/28/2024</a:t>
+              <a:t>7/24/2024</a:t>
             </a:fld>
             <a:endParaRPr lang="en-US" dirty="0"/>
           </a:p>
@@ -23715,7 +23715,7 @@
           <a:p>
             <a:fld id="{965B5B8E-CEE3-4EB8-9D7E-B72C8551397A}" type="datetime1">
               <a:rPr lang="en-US" smtClean="0"/>
-              <a:t>3/28/2024</a:t>
+              <a:t>7/24/2024</a:t>
             </a:fld>
             <a:endParaRPr lang="en-US" dirty="0"/>
           </a:p>
@@ -25400,7 +25400,7 @@
           <a:p>
             <a:fld id="{76A4DFCB-51DE-424A-8B5B-467EFB151E38}" type="datetime1">
               <a:rPr lang="en-US" smtClean="0"/>
-              <a:t>3/28/2024</a:t>
+              <a:t>7/24/2024</a:t>
             </a:fld>
             <a:endParaRPr lang="en-US" dirty="0"/>
           </a:p>
@@ -25650,7 +25650,7 @@
           <a:p>
             <a:fld id="{CE7CABBA-7921-40BC-AA51-20F01765FD57}" type="datetime1">
               <a:rPr lang="en-US" smtClean="0"/>
-              <a:t>3/28/2024</a:t>
+              <a:t>7/24/2024</a:t>
             </a:fld>
             <a:endParaRPr lang="en-US" dirty="0"/>
           </a:p>
@@ -27300,7 +27300,7 @@
           <a:p>
             <a:fld id="{2DE70F3C-A523-425F-99C2-A38FEF5AAA8E}" type="datetime1">
               <a:rPr lang="en-US" smtClean="0"/>
-              <a:t>3/28/2024</a:t>
+              <a:t>7/24/2024</a:t>
             </a:fld>
             <a:endParaRPr lang="en-US" dirty="0"/>
           </a:p>
@@ -27687,7 +27687,7 @@
           <a:p>
             <a:fld id="{365C6142-4DC0-4393-AD7A-3943A8E630E4}" type="datetime1">
               <a:rPr lang="en-US" smtClean="0"/>
-              <a:t>3/28/2024</a:t>
+              <a:t>7/24/2024</a:t>
             </a:fld>
             <a:endParaRPr lang="en-US" dirty="0"/>
           </a:p>
@@ -28436,7 +28436,7 @@
           <a:p>
             <a:fld id="{EBA72B5A-673D-4607-9FF7-CCF53A6CFB8C}" type="datetime1">
               <a:rPr lang="en-US" smtClean="0"/>
-              <a:t>3/28/2024</a:t>
+              <a:t>7/24/2024</a:t>
             </a:fld>
             <a:endParaRPr lang="en-US" dirty="0"/>
           </a:p>
@@ -28681,7 +28681,7 @@
           <a:p>
             <a:fld id="{2A82BCC9-1E0F-4681-A8CA-371CB2B2FD36}" type="datetime1">
               <a:rPr lang="en-US" smtClean="0"/>
-              <a:t>3/28/2024</a:t>
+              <a:t>7/24/2024</a:t>
             </a:fld>
             <a:endParaRPr lang="en-US" dirty="0"/>
           </a:p>
@@ -28965,7 +28965,7 @@
           <a:p>
             <a:fld id="{1E6DE020-595E-4414-9FD4-E492968BB4DD}" type="datetime1">
               <a:rPr lang="en-US" smtClean="0"/>
-              <a:t>3/28/2024</a:t>
+              <a:t>7/24/2024</a:t>
             </a:fld>
             <a:endParaRPr lang="en-US" dirty="0"/>
           </a:p>
@@ -29155,7 +29155,7 @@
           <a:p>
             <a:fld id="{09C89640-83B5-41BC-A234-8A25CEA3CA37}" type="datetime1">
               <a:rPr lang="en-US" smtClean="0"/>
-              <a:t>3/28/2024</a:t>
+              <a:t>7/24/2024</a:t>
             </a:fld>
             <a:endParaRPr lang="en-US" dirty="0"/>
           </a:p>
@@ -29616,7 +29616,7 @@
           <a:p>
             <a:fld id="{1EA8AE22-5AA9-4E68-B910-53534A46D111}" type="datetime1">
               <a:rPr lang="en-US" smtClean="0"/>
-              <a:t>3/28/2024</a:t>
+              <a:t>7/24/2024</a:t>
             </a:fld>
             <a:endParaRPr lang="en-US" dirty="0"/>
           </a:p>
@@ -29809,7 +29809,7 @@
           <a:p>
             <a:fld id="{02020E9F-7472-46E2-925D-3834C3399EB8}" type="datetime1">
               <a:rPr lang="en-US" smtClean="0"/>
-              <a:t>3/28/2024</a:t>
+              <a:t>7/24/2024</a:t>
             </a:fld>
             <a:endParaRPr lang="en-US" dirty="0"/>
           </a:p>
@@ -30012,7 +30012,7 @@
           <a:p>
             <a:fld id="{FE57B65C-736A-463A-B878-00376E835189}" type="datetime1">
               <a:rPr lang="en-US" smtClean="0"/>
-              <a:t>3/28/2024</a:t>
+              <a:t>7/24/2024</a:t>
             </a:fld>
             <a:endParaRPr lang="en-US" dirty="0"/>
           </a:p>
@@ -30213,7 +30213,7 @@
           <a:p>
             <a:fld id="{F62B3EC1-C48E-40CA-B644-780608C10782}" type="datetime1">
               <a:rPr lang="en-US" smtClean="0"/>
-              <a:t>3/28/2024</a:t>
+              <a:t>7/24/2024</a:t>
             </a:fld>
             <a:endParaRPr lang="en-US" dirty="0"/>
           </a:p>
@@ -30473,7 +30473,7 @@
           <a:p>
             <a:fld id="{D848C455-CDB2-4208-A65A-BF4D86A5E68B}" type="datetime1">
               <a:rPr lang="en-US" smtClean="0"/>
-              <a:t>3/28/2024</a:t>
+              <a:t>7/24/2024</a:t>
             </a:fld>
             <a:endParaRPr lang="en-US" dirty="0"/>
           </a:p>
@@ -30651,7 +30651,7 @@
           <a:p>
             <a:fld id="{CDC15CAB-FD5C-4E8D-A715-31333DAF8D3F}" type="datetime1">
               <a:rPr lang="en-US" smtClean="0"/>
-              <a:t>3/28/2024</a:t>
+              <a:t>7/24/2024</a:t>
             </a:fld>
             <a:endParaRPr lang="en-US" dirty="0"/>
           </a:p>
@@ -30854,7 +30854,7 @@
           <a:p>
             <a:fld id="{11B39263-7CDE-4839-88A7-EB9F08F894B1}" type="datetime1">
               <a:rPr lang="en-US" smtClean="0"/>
-              <a:t>3/28/2024</a:t>
+              <a:t>7/24/2024</a:t>
             </a:fld>
             <a:endParaRPr lang="en-US" dirty="0"/>
           </a:p>
